--- a/University_Chatbot Documentations/Gujarat Vidyapith Chatbot with Design.pptx
+++ b/University_Chatbot Documentations/Gujarat Vidyapith Chatbot with Design.pptx
@@ -306,7 +306,7 @@
           <a:p>
             <a:fld id="{906DA0F9-CC6D-40B8-8990-3021599C191F}" type="datetimeFigureOut">
               <a:rPr lang="en-US" smtClean="0"/>
-              <a:t>24-Nov-25</a:t>
+              <a:t>26-Nov-25</a:t>
             </a:fld>
             <a:endParaRPr lang="en-US"/>
           </a:p>
@@ -516,7 +516,7 @@
           <a:p>
             <a:fld id="{906DA0F9-CC6D-40B8-8990-3021599C191F}" type="datetimeFigureOut">
               <a:rPr lang="en-US" smtClean="0"/>
-              <a:t>24-Nov-25</a:t>
+              <a:t>26-Nov-25</a:t>
             </a:fld>
             <a:endParaRPr lang="en-US"/>
           </a:p>
@@ -736,7 +736,7 @@
           <a:p>
             <a:fld id="{906DA0F9-CC6D-40B8-8990-3021599C191F}" type="datetimeFigureOut">
               <a:rPr lang="en-US" smtClean="0"/>
-              <a:t>24-Nov-25</a:t>
+              <a:t>26-Nov-25</a:t>
             </a:fld>
             <a:endParaRPr lang="en-US"/>
           </a:p>
@@ -946,7 +946,7 @@
           <a:p>
             <a:fld id="{906DA0F9-CC6D-40B8-8990-3021599C191F}" type="datetimeFigureOut">
               <a:rPr lang="en-US" smtClean="0"/>
-              <a:t>24-Nov-25</a:t>
+              <a:t>26-Nov-25</a:t>
             </a:fld>
             <a:endParaRPr lang="en-US"/>
           </a:p>
@@ -1233,7 +1233,7 @@
           <a:p>
             <a:fld id="{906DA0F9-CC6D-40B8-8990-3021599C191F}" type="datetimeFigureOut">
               <a:rPr lang="en-US" smtClean="0"/>
-              <a:t>24-Nov-25</a:t>
+              <a:t>26-Nov-25</a:t>
             </a:fld>
             <a:endParaRPr lang="en-US"/>
           </a:p>
@@ -1510,7 +1510,7 @@
           <a:p>
             <a:fld id="{906DA0F9-CC6D-40B8-8990-3021599C191F}" type="datetimeFigureOut">
               <a:rPr lang="en-US" smtClean="0"/>
-              <a:t>24-Nov-25</a:t>
+              <a:t>26-Nov-25</a:t>
             </a:fld>
             <a:endParaRPr lang="en-US"/>
           </a:p>
@@ -1934,7 +1934,7 @@
           <a:p>
             <a:fld id="{906DA0F9-CC6D-40B8-8990-3021599C191F}" type="datetimeFigureOut">
               <a:rPr lang="en-US" smtClean="0"/>
-              <a:t>24-Nov-25</a:t>
+              <a:t>26-Nov-25</a:t>
             </a:fld>
             <a:endParaRPr lang="en-US"/>
           </a:p>
@@ -2087,7 +2087,7 @@
           <a:p>
             <a:fld id="{906DA0F9-CC6D-40B8-8990-3021599C191F}" type="datetimeFigureOut">
               <a:rPr lang="en-US" smtClean="0"/>
-              <a:t>24-Nov-25</a:t>
+              <a:t>26-Nov-25</a:t>
             </a:fld>
             <a:endParaRPr lang="en-US"/>
           </a:p>
@@ -2212,7 +2212,7 @@
           <a:p>
             <a:fld id="{906DA0F9-CC6D-40B8-8990-3021599C191F}" type="datetimeFigureOut">
               <a:rPr lang="en-US" smtClean="0"/>
-              <a:t>24-Nov-25</a:t>
+              <a:t>26-Nov-25</a:t>
             </a:fld>
             <a:endParaRPr lang="en-US"/>
           </a:p>
@@ -2535,7 +2535,7 @@
           <a:p>
             <a:fld id="{906DA0F9-CC6D-40B8-8990-3021599C191F}" type="datetimeFigureOut">
               <a:rPr lang="en-US" smtClean="0"/>
-              <a:t>24-Nov-25</a:t>
+              <a:t>26-Nov-25</a:t>
             </a:fld>
             <a:endParaRPr lang="en-US"/>
           </a:p>
@@ -2835,7 +2835,7 @@
           <a:p>
             <a:fld id="{906DA0F9-CC6D-40B8-8990-3021599C191F}" type="datetimeFigureOut">
               <a:rPr lang="en-US" smtClean="0"/>
-              <a:t>24-Nov-25</a:t>
+              <a:t>26-Nov-25</a:t>
             </a:fld>
             <a:endParaRPr lang="en-US"/>
           </a:p>
@@ -3088,7 +3088,7 @@
           <a:p>
             <a:fld id="{906DA0F9-CC6D-40B8-8990-3021599C191F}" type="datetimeFigureOut">
               <a:rPr lang="en-US" smtClean="0"/>
-              <a:t>24-Nov-25</a:t>
+              <a:t>26-Nov-25</a:t>
             </a:fld>
             <a:endParaRPr lang="en-US"/>
           </a:p>
@@ -29577,52 +29577,6 @@
               <a:cs typeface="Shruti" panose="020B0502040204020203" pitchFamily="34" charset="0"/>
             </a:endParaRPr>
           </a:p>
-          <a:p>
-            <a:pPr marL="0" marR="0" indent="0">
-              <a:lnSpc>
-                <a:spcPct val="115000"/>
-              </a:lnSpc>
-              <a:spcBef>
-                <a:spcPts val="0"/>
-              </a:spcBef>
-              <a:spcAft>
-                <a:spcPts val="800"/>
-              </a:spcAft>
-              <a:buNone/>
-            </a:pPr>
-            <a:r>
-              <a:rPr lang="en-US" sz="1500" b="1" kern="100" dirty="0">
-                <a:effectLst/>
-                <a:latin typeface="Aptos (Body)"/>
-                <a:ea typeface="Aptos" panose="020B0004020202020204" pitchFamily="34" charset="0"/>
-                <a:cs typeface="Leelawadee UI" panose="020B0502040204020203" pitchFamily="34" charset="-34"/>
-              </a:rPr>
-              <a:t>Does Not Handle Transactions or Secure Portals</a:t>
-            </a:r>
-            <a:br>
-              <a:rPr lang="en-US" sz="1500" kern="100" dirty="0">
-                <a:effectLst/>
-                <a:latin typeface="Aptos (Body)"/>
-                <a:ea typeface="Aptos" panose="020B0004020202020204" pitchFamily="34" charset="0"/>
-                <a:cs typeface="Leelawadee UI" panose="020B0502040204020203" pitchFamily="34" charset="-34"/>
-              </a:rPr>
-            </a:br>
-            <a:r>
-              <a:rPr lang="en-US" sz="1500" kern="100" dirty="0">
-                <a:effectLst/>
-                <a:latin typeface="Aptos (Body)"/>
-                <a:ea typeface="Aptos" panose="020B0004020202020204" pitchFamily="34" charset="0"/>
-                <a:cs typeface="Leelawadee UI" panose="020B0502040204020203" pitchFamily="34" charset="-34"/>
-              </a:rPr>
-              <a:t>The system cannot manage payments, logins, application submissions, fee payments, or student record access. It only provides informational support.</a:t>
-            </a:r>
-            <a:endParaRPr lang="en-US" sz="1500" kern="100" dirty="0">
-              <a:effectLst/>
-              <a:latin typeface="Aptos (Body)"/>
-              <a:ea typeface="Aptos" panose="020B0004020202020204" pitchFamily="34" charset="0"/>
-              <a:cs typeface="Shruti" panose="020B0502040204020203" pitchFamily="34" charset="0"/>
-            </a:endParaRPr>
-          </a:p>
         </p:txBody>
       </p:sp>
     </p:spTree>

--- a/University_Chatbot Documentations/Gujarat Vidyapith Chatbot with Design.pptx
+++ b/University_Chatbot Documentations/Gujarat Vidyapith Chatbot with Design.pptx
@@ -17,34 +17,33 @@
     <p:sldId id="286" r:id="rId11"/>
     <p:sldId id="264" r:id="rId12"/>
     <p:sldId id="265" r:id="rId13"/>
-    <p:sldId id="266" r:id="rId14"/>
-    <p:sldId id="267" r:id="rId15"/>
-    <p:sldId id="268" r:id="rId16"/>
-    <p:sldId id="287" r:id="rId17"/>
-    <p:sldId id="290" r:id="rId18"/>
-    <p:sldId id="291" r:id="rId19"/>
-    <p:sldId id="289" r:id="rId20"/>
-    <p:sldId id="288" r:id="rId21"/>
-    <p:sldId id="295" r:id="rId22"/>
-    <p:sldId id="294" r:id="rId23"/>
-    <p:sldId id="293" r:id="rId24"/>
-    <p:sldId id="292" r:id="rId25"/>
-    <p:sldId id="302" r:id="rId26"/>
-    <p:sldId id="301" r:id="rId27"/>
-    <p:sldId id="300" r:id="rId28"/>
-    <p:sldId id="299" r:id="rId29"/>
-    <p:sldId id="298" r:id="rId30"/>
-    <p:sldId id="297" r:id="rId31"/>
-    <p:sldId id="296" r:id="rId32"/>
-    <p:sldId id="303" r:id="rId33"/>
-    <p:sldId id="304" r:id="rId34"/>
-    <p:sldId id="305" r:id="rId35"/>
-    <p:sldId id="307" r:id="rId36"/>
-    <p:sldId id="306" r:id="rId37"/>
-    <p:sldId id="310" r:id="rId38"/>
-    <p:sldId id="311" r:id="rId39"/>
-    <p:sldId id="309" r:id="rId40"/>
-    <p:sldId id="283" r:id="rId41"/>
+    <p:sldId id="267" r:id="rId14"/>
+    <p:sldId id="268" r:id="rId15"/>
+    <p:sldId id="287" r:id="rId16"/>
+    <p:sldId id="290" r:id="rId17"/>
+    <p:sldId id="291" r:id="rId18"/>
+    <p:sldId id="289" r:id="rId19"/>
+    <p:sldId id="288" r:id="rId20"/>
+    <p:sldId id="295" r:id="rId21"/>
+    <p:sldId id="294" r:id="rId22"/>
+    <p:sldId id="293" r:id="rId23"/>
+    <p:sldId id="292" r:id="rId24"/>
+    <p:sldId id="302" r:id="rId25"/>
+    <p:sldId id="301" r:id="rId26"/>
+    <p:sldId id="300" r:id="rId27"/>
+    <p:sldId id="299" r:id="rId28"/>
+    <p:sldId id="298" r:id="rId29"/>
+    <p:sldId id="297" r:id="rId30"/>
+    <p:sldId id="296" r:id="rId31"/>
+    <p:sldId id="303" r:id="rId32"/>
+    <p:sldId id="304" r:id="rId33"/>
+    <p:sldId id="305" r:id="rId34"/>
+    <p:sldId id="307" r:id="rId35"/>
+    <p:sldId id="306" r:id="rId36"/>
+    <p:sldId id="310" r:id="rId37"/>
+    <p:sldId id="311" r:id="rId38"/>
+    <p:sldId id="309" r:id="rId39"/>
+    <p:sldId id="283" r:id="rId40"/>
   </p:sldIdLst>
   <p:sldSz cx="12192000" cy="6858000"/>
   <p:notesSz cx="6858000" cy="9144000"/>
@@ -5178,10 +5177,10 @@
       </p:sp>
       <p:pic>
         <p:nvPicPr>
-          <p:cNvPr id="3" name="Picture 2">
+          <p:cNvPr id="5" name="Picture 4">
             <a:extLst>
               <a:ext uri="{FF2B5EF4-FFF2-40B4-BE49-F238E27FC236}">
-                <a16:creationId xmlns:a16="http://schemas.microsoft.com/office/drawing/2014/main" id="{536751ED-F42A-4F53-48FA-01FB7FC69C9F}"/>
+                <a16:creationId xmlns:a16="http://schemas.microsoft.com/office/drawing/2014/main" id="{4B687A53-553E-076F-9DB7-A63D60D3FF83}"/>
               </a:ext>
             </a:extLst>
           </p:cNvPr>
@@ -5198,8 +5197,8 @@
         </p:blipFill>
         <p:spPr>
           <a:xfrm>
-            <a:off x="5429609" y="99552"/>
-            <a:ext cx="5268060" cy="6601746"/>
+            <a:off x="5361306" y="0"/>
+            <a:ext cx="5334000" cy="6858000"/>
           </a:xfrm>
           <a:prstGeom prst="rect">
             <a:avLst/>
@@ -5734,10 +5733,10 @@
       </p:sp>
       <p:pic>
         <p:nvPicPr>
-          <p:cNvPr id="3" name="Picture 2">
+          <p:cNvPr id="4" name="Picture 3">
             <a:extLst>
               <a:ext uri="{FF2B5EF4-FFF2-40B4-BE49-F238E27FC236}">
-                <a16:creationId xmlns:a16="http://schemas.microsoft.com/office/drawing/2014/main" id="{39012867-CB4F-F3FE-B012-6166AC422C19}"/>
+                <a16:creationId xmlns:a16="http://schemas.microsoft.com/office/drawing/2014/main" id="{B225D9D6-1DE1-8AD6-1454-134AE3DF3A4C}"/>
               </a:ext>
             </a:extLst>
           </p:cNvPr>
@@ -5754,8 +5753,8 @@
         </p:blipFill>
         <p:spPr>
           <a:xfrm>
-            <a:off x="5189959" y="17756"/>
-            <a:ext cx="5506218" cy="6677957"/>
+            <a:off x="5480619" y="0"/>
+            <a:ext cx="5250656" cy="6858000"/>
           </a:xfrm>
           <a:prstGeom prst="rect">
             <a:avLst/>
@@ -5788,325 +5787,6 @@
 </file>
 
 <file path=ppt/slides/slide13.xml><?xml version="1.0" encoding="utf-8"?>
-<p:sld xmlns:a="http://schemas.openxmlformats.org/drawingml/2006/main" xmlns:r="http://schemas.openxmlformats.org/officeDocument/2006/relationships" xmlns:p="http://schemas.openxmlformats.org/presentationml/2006/main">
-  <p:cSld>
-    <p:bg>
-      <p:bgPr>
-        <a:solidFill>
-          <a:schemeClr val="bg1"/>
-        </a:solidFill>
-        <a:effectLst/>
-      </p:bgPr>
-    </p:bg>
-    <p:spTree>
-      <p:nvGrpSpPr>
-        <p:cNvPr id="1" name=""/>
-        <p:cNvGrpSpPr/>
-        <p:nvPr/>
-      </p:nvGrpSpPr>
-      <p:grpSpPr>
-        <a:xfrm>
-          <a:off x="0" y="0"/>
-          <a:ext cx="0" cy="0"/>
-          <a:chOff x="0" y="0"/>
-          <a:chExt cx="0" cy="0"/>
-        </a:xfrm>
-      </p:grpSpPr>
-      <p:sp useBgFill="1">
-        <p:nvSpPr>
-          <p:cNvPr id="15" name="Rectangle 14">
-            <a:extLst>
-              <a:ext uri="{FF2B5EF4-FFF2-40B4-BE49-F238E27FC236}">
-                <a16:creationId xmlns:a16="http://schemas.microsoft.com/office/drawing/2014/main" id="{B9D7E975-9161-4F2D-AC53-69E1912F6B5D}"/>
-              </a:ext>
-              <a:ext uri="{C183D7F6-B498-43B3-948B-1728B52AA6E4}">
-                <adec:decorative xmlns:adec="http://schemas.microsoft.com/office/drawing/2017/decorative" val="1"/>
-              </a:ext>
-            </a:extLst>
-          </p:cNvPr>
-          <p:cNvSpPr>
-            <a:spLocks noGrp="1" noRot="1" noChangeAspect="1" noMove="1" noResize="1" noEditPoints="1" noAdjustHandles="1" noChangeArrowheads="1" noChangeShapeType="1" noTextEdit="1"/>
-          </p:cNvSpPr>
-          <p:nvPr>
-            <p:extLst>
-              <p:ext uri="{386F3935-93C4-4BCD-93E2-E3B085C9AB24}">
-                <p16:designElem xmlns:p16="http://schemas.microsoft.com/office/powerpoint/2015/main" val="1"/>
-              </p:ext>
-            </p:extLst>
-          </p:nvPr>
-        </p:nvSpPr>
-        <p:spPr>
-          <a:xfrm>
-            <a:off x="0" y="0"/>
-            <a:ext cx="12192000" cy="6858000"/>
-          </a:xfrm>
-          <a:prstGeom prst="rect">
-            <a:avLst/>
-          </a:prstGeom>
-          <a:ln>
-            <a:noFill/>
-          </a:ln>
-        </p:spPr>
-        <p:style>
-          <a:lnRef idx="2">
-            <a:schemeClr val="accent1">
-              <a:shade val="50000"/>
-            </a:schemeClr>
-          </a:lnRef>
-          <a:fillRef idx="1">
-            <a:schemeClr val="accent1"/>
-          </a:fillRef>
-          <a:effectRef idx="0">
-            <a:schemeClr val="accent1"/>
-          </a:effectRef>
-          <a:fontRef idx="minor">
-            <a:schemeClr val="lt1"/>
-          </a:fontRef>
-        </p:style>
-        <p:txBody>
-          <a:bodyPr rtlCol="0" anchor="ctr"/>
-          <a:lstStyle/>
-          <a:p>
-            <a:pPr algn="ctr"/>
-            <a:endParaRPr lang="en-US"/>
-          </a:p>
-        </p:txBody>
-      </p:sp>
-      <p:sp>
-        <p:nvSpPr>
-          <p:cNvPr id="17" name="Right Triangle 16">
-            <a:extLst>
-              <a:ext uri="{FF2B5EF4-FFF2-40B4-BE49-F238E27FC236}">
-                <a16:creationId xmlns:a16="http://schemas.microsoft.com/office/drawing/2014/main" id="{827DC2C4-B485-428A-BF4A-472D2967F47F}"/>
-              </a:ext>
-              <a:ext uri="{C183D7F6-B498-43B3-948B-1728B52AA6E4}">
-                <adec:decorative xmlns:adec="http://schemas.microsoft.com/office/drawing/2017/decorative" val="1"/>
-              </a:ext>
-            </a:extLst>
-          </p:cNvPr>
-          <p:cNvSpPr>
-            <a:spLocks noGrp="1" noRot="1" noChangeAspect="1" noMove="1" noResize="1" noEditPoints="1" noAdjustHandles="1" noChangeArrowheads="1" noChangeShapeType="1" noTextEdit="1"/>
-          </p:cNvSpPr>
-          <p:nvPr>
-            <p:extLst>
-              <p:ext uri="{386F3935-93C4-4BCD-93E2-E3B085C9AB24}">
-                <p16:designElem xmlns:p16="http://schemas.microsoft.com/office/powerpoint/2015/main" val="1"/>
-              </p:ext>
-            </p:extLst>
-          </p:nvPr>
-        </p:nvSpPr>
-        <p:spPr>
-          <a:xfrm flipH="1">
-            <a:off x="8576720" y="3335867"/>
-            <a:ext cx="3291840" cy="3200400"/>
-          </a:xfrm>
-          <a:prstGeom prst="rtTriangle">
-            <a:avLst/>
-          </a:prstGeom>
-          <a:solidFill>
-            <a:schemeClr val="accent4"/>
-          </a:solidFill>
-          <a:ln>
-            <a:noFill/>
-          </a:ln>
-        </p:spPr>
-        <p:style>
-          <a:lnRef idx="2">
-            <a:schemeClr val="accent1">
-              <a:shade val="50000"/>
-            </a:schemeClr>
-          </a:lnRef>
-          <a:fillRef idx="1">
-            <a:schemeClr val="accent1"/>
-          </a:fillRef>
-          <a:effectRef idx="0">
-            <a:schemeClr val="accent1"/>
-          </a:effectRef>
-          <a:fontRef idx="minor">
-            <a:schemeClr val="lt1"/>
-          </a:fontRef>
-        </p:style>
-        <p:txBody>
-          <a:bodyPr rtlCol="0" anchor="ctr"/>
-          <a:lstStyle/>
-          <a:p>
-            <a:pPr algn="ctr"/>
-            <a:endParaRPr lang="en-US" dirty="0"/>
-          </a:p>
-        </p:txBody>
-      </p:sp>
-      <p:sp>
-        <p:nvSpPr>
-          <p:cNvPr id="19" name="Rectangle 18">
-            <a:extLst>
-              <a:ext uri="{FF2B5EF4-FFF2-40B4-BE49-F238E27FC236}">
-                <a16:creationId xmlns:a16="http://schemas.microsoft.com/office/drawing/2014/main" id="{463E6235-1649-4B47-9862-4026FC473B6F}"/>
-              </a:ext>
-              <a:ext uri="{C183D7F6-B498-43B3-948B-1728B52AA6E4}">
-                <adec:decorative xmlns:adec="http://schemas.microsoft.com/office/drawing/2017/decorative" val="1"/>
-              </a:ext>
-            </a:extLst>
-          </p:cNvPr>
-          <p:cNvSpPr>
-            <a:spLocks noGrp="1" noRot="1" noChangeAspect="1" noMove="1" noResize="1" noEditPoints="1" noAdjustHandles="1" noChangeArrowheads="1" noChangeShapeType="1" noTextEdit="1"/>
-          </p:cNvSpPr>
-          <p:nvPr>
-            <p:extLst>
-              <p:ext uri="{386F3935-93C4-4BCD-93E2-E3B085C9AB24}">
-                <p16:designElem xmlns:p16="http://schemas.microsoft.com/office/powerpoint/2015/main" val="1"/>
-              </p:ext>
-            </p:extLst>
-          </p:nvPr>
-        </p:nvSpPr>
-        <p:spPr>
-          <a:xfrm>
-            <a:off x="7534653" y="623275"/>
-            <a:ext cx="4012173" cy="5607882"/>
-          </a:xfrm>
-          <a:prstGeom prst="rect">
-            <a:avLst/>
-          </a:prstGeom>
-          <a:noFill/>
-          <a:ln w="19050">
-            <a:solidFill>
-              <a:schemeClr val="tx1">
-                <a:lumMod val="75000"/>
-                <a:lumOff val="25000"/>
-              </a:schemeClr>
-            </a:solidFill>
-          </a:ln>
-        </p:spPr>
-        <p:style>
-          <a:lnRef idx="2">
-            <a:schemeClr val="accent1">
-              <a:shade val="50000"/>
-            </a:schemeClr>
-          </a:lnRef>
-          <a:fillRef idx="1">
-            <a:schemeClr val="accent1"/>
-          </a:fillRef>
-          <a:effectRef idx="0">
-            <a:schemeClr val="accent1"/>
-          </a:effectRef>
-          <a:fontRef idx="minor">
-            <a:schemeClr val="lt1"/>
-          </a:fontRef>
-        </p:style>
-        <p:txBody>
-          <a:bodyPr rtlCol="0" anchor="ctr"/>
-          <a:lstStyle/>
-          <a:p>
-            <a:pPr algn="ctr"/>
-            <a:endParaRPr lang="en-US"/>
-          </a:p>
-        </p:txBody>
-      </p:sp>
-      <p:sp>
-        <p:nvSpPr>
-          <p:cNvPr id="6" name="Title 1">
-            <a:extLst>
-              <a:ext uri="{FF2B5EF4-FFF2-40B4-BE49-F238E27FC236}">
-                <a16:creationId xmlns:a16="http://schemas.microsoft.com/office/drawing/2014/main" id="{50528AF0-5D1B-AE0F-142F-DAF7413323DB}"/>
-              </a:ext>
-            </a:extLst>
-          </p:cNvPr>
-          <p:cNvSpPr>
-            <a:spLocks noGrp="1"/>
-          </p:cNvSpPr>
-          <p:nvPr>
-            <p:ph type="title"/>
-          </p:nvPr>
-        </p:nvSpPr>
-        <p:spPr>
-          <a:xfrm>
-            <a:off x="8052497" y="1056640"/>
-            <a:ext cx="3197660" cy="3125746"/>
-          </a:xfrm>
-        </p:spPr>
-        <p:txBody>
-          <a:bodyPr vert="horz" lIns="91440" tIns="45720" rIns="91440" bIns="45720" rtlCol="0" anchor="b">
-            <a:normAutofit/>
-          </a:bodyPr>
-          <a:lstStyle/>
-          <a:p>
-            <a:r>
-              <a:rPr lang="en-US" sz="3400" b="1" kern="1200">
-                <a:solidFill>
-                  <a:schemeClr val="tx1"/>
-                </a:solidFill>
-                <a:latin typeface="+mj-lt"/>
-                <a:ea typeface="+mj-ea"/>
-                <a:cs typeface="+mj-cs"/>
-              </a:rPr>
-              <a:t>Data Flow Diagram(DFD)</a:t>
-            </a:r>
-            <a:endParaRPr lang="en-US" sz="3400" kern="1200">
-              <a:solidFill>
-                <a:schemeClr val="tx1"/>
-              </a:solidFill>
-              <a:latin typeface="+mj-lt"/>
-              <a:ea typeface="+mj-ea"/>
-              <a:cs typeface="+mj-cs"/>
-            </a:endParaRPr>
-          </a:p>
-        </p:txBody>
-      </p:sp>
-      <p:pic>
-        <p:nvPicPr>
-          <p:cNvPr id="3" name="Picture 2">
-            <a:extLst>
-              <a:ext uri="{FF2B5EF4-FFF2-40B4-BE49-F238E27FC236}">
-                <a16:creationId xmlns:a16="http://schemas.microsoft.com/office/drawing/2014/main" id="{E81FA593-D58A-399B-77B9-4BE2CA4AF424}"/>
-              </a:ext>
-            </a:extLst>
-          </p:cNvPr>
-          <p:cNvPicPr>
-            <a:picLocks noChangeAspect="1"/>
-          </p:cNvPicPr>
-          <p:nvPr/>
-        </p:nvPicPr>
-        <p:blipFill>
-          <a:blip r:embed="rId2"/>
-          <a:stretch>
-            <a:fillRect/>
-          </a:stretch>
-        </p:blipFill>
-        <p:spPr>
-          <a:xfrm>
-            <a:off x="525019" y="0"/>
-            <a:ext cx="6364460" cy="6858000"/>
-          </a:xfrm>
-          <a:prstGeom prst="rect">
-            <a:avLst/>
-          </a:prstGeom>
-        </p:spPr>
-      </p:pic>
-    </p:spTree>
-    <p:extLst>
-      <p:ext uri="{BB962C8B-B14F-4D97-AF65-F5344CB8AC3E}">
-        <p14:creationId xmlns:p14="http://schemas.microsoft.com/office/powerpoint/2010/main" val="124448277"/>
-      </p:ext>
-    </p:extLst>
-  </p:cSld>
-  <p:clrMapOvr>
-    <a:masterClrMapping/>
-  </p:clrMapOvr>
-  <mc:AlternateContent xmlns:mc="http://schemas.openxmlformats.org/markup-compatibility/2006" xmlns:p14="http://schemas.microsoft.com/office/powerpoint/2010/main">
-    <mc:Choice Requires="p14">
-      <p:transition spd="med" p14:dur="700">
-        <p:fade/>
-      </p:transition>
-    </mc:Choice>
-    <mc:Fallback xmlns="">
-      <p:transition spd="med">
-        <p:fade/>
-      </p:transition>
-    </mc:Fallback>
-  </mc:AlternateContent>
-</p:sld>
-</file>
-
-<file path=ppt/slides/slide14.xml><?xml version="1.0" encoding="utf-8"?>
 <p:sld xmlns:a="http://schemas.openxmlformats.org/drawingml/2006/main" xmlns:r="http://schemas.openxmlformats.org/officeDocument/2006/relationships" xmlns:p="http://schemas.openxmlformats.org/presentationml/2006/main">
   <p:cSld>
     <p:bg>
@@ -6511,7 +6191,7 @@
 </p:sld>
 </file>
 
-<file path=ppt/slides/slide15.xml><?xml version="1.0" encoding="utf-8"?>
+<file path=ppt/slides/slide14.xml><?xml version="1.0" encoding="utf-8"?>
 <p:sld xmlns:a="http://schemas.openxmlformats.org/drawingml/2006/main" xmlns:r="http://schemas.openxmlformats.org/officeDocument/2006/relationships" xmlns:p="http://schemas.openxmlformats.org/presentationml/2006/main">
   <p:cSld>
     <p:bg>
@@ -9413,7 +9093,7 @@
 </p:sld>
 </file>
 
-<file path=ppt/slides/slide16.xml><?xml version="1.0" encoding="utf-8"?>
+<file path=ppt/slides/slide15.xml><?xml version="1.0" encoding="utf-8"?>
 <p:sld xmlns:a="http://schemas.openxmlformats.org/drawingml/2006/main" xmlns:r="http://schemas.openxmlformats.org/officeDocument/2006/relationships" xmlns:p="http://schemas.openxmlformats.org/presentationml/2006/main">
   <p:cSld>
     <p:spTree>
@@ -12356,7 +12036,7 @@
 </p:sld>
 </file>
 
-<file path=ppt/slides/slide17.xml><?xml version="1.0" encoding="utf-8"?>
+<file path=ppt/slides/slide16.xml><?xml version="1.0" encoding="utf-8"?>
 <p:sld xmlns:a="http://schemas.openxmlformats.org/drawingml/2006/main" xmlns:r="http://schemas.openxmlformats.org/officeDocument/2006/relationships" xmlns:p="http://schemas.openxmlformats.org/presentationml/2006/main">
   <p:cSld>
     <p:bg>
@@ -13151,7 +12831,7 @@
 </p:sld>
 </file>
 
-<file path=ppt/slides/slide18.xml><?xml version="1.0" encoding="utf-8"?>
+<file path=ppt/slides/slide17.xml><?xml version="1.0" encoding="utf-8"?>
 <p:sld xmlns:a="http://schemas.openxmlformats.org/drawingml/2006/main" xmlns:r="http://schemas.openxmlformats.org/officeDocument/2006/relationships" xmlns:p="http://schemas.openxmlformats.org/presentationml/2006/main">
   <p:cSld>
     <p:bg>
@@ -13890,7 +13570,7 @@
 </p:sld>
 </file>
 
-<file path=ppt/slides/slide19.xml><?xml version="1.0" encoding="utf-8"?>
+<file path=ppt/slides/slide18.xml><?xml version="1.0" encoding="utf-8"?>
 <p:sld xmlns:a="http://schemas.openxmlformats.org/drawingml/2006/main" xmlns:r="http://schemas.openxmlformats.org/officeDocument/2006/relationships" xmlns:p="http://schemas.openxmlformats.org/presentationml/2006/main">
   <p:cSld>
     <p:bg>
@@ -14599,6 +14279,677 @@
     <p:extLst>
       <p:ext uri="{BB962C8B-B14F-4D97-AF65-F5344CB8AC3E}">
         <p14:creationId xmlns:p14="http://schemas.microsoft.com/office/powerpoint/2010/main" val="1313418921"/>
+      </p:ext>
+    </p:extLst>
+  </p:cSld>
+  <p:clrMapOvr>
+    <a:masterClrMapping/>
+  </p:clrMapOvr>
+  <mc:AlternateContent xmlns:mc="http://schemas.openxmlformats.org/markup-compatibility/2006" xmlns:p14="http://schemas.microsoft.com/office/powerpoint/2010/main">
+    <mc:Choice Requires="p14">
+      <p:transition spd="med" p14:dur="700">
+        <p:fade/>
+      </p:transition>
+    </mc:Choice>
+    <mc:Fallback xmlns="">
+      <p:transition spd="med">
+        <p:fade/>
+      </p:transition>
+    </mc:Fallback>
+  </mc:AlternateContent>
+</p:sld>
+</file>
+
+<file path=ppt/slides/slide19.xml><?xml version="1.0" encoding="utf-8"?>
+<p:sld xmlns:a="http://schemas.openxmlformats.org/drawingml/2006/main" xmlns:r="http://schemas.openxmlformats.org/officeDocument/2006/relationships" xmlns:p="http://schemas.openxmlformats.org/presentationml/2006/main">
+  <p:cSld>
+    <p:bg>
+      <p:bgPr>
+        <a:solidFill>
+          <a:schemeClr val="bg1"/>
+        </a:solidFill>
+        <a:effectLst/>
+      </p:bgPr>
+    </p:bg>
+    <p:spTree>
+      <p:nvGrpSpPr>
+        <p:cNvPr id="1" name=""/>
+        <p:cNvGrpSpPr/>
+        <p:nvPr/>
+      </p:nvGrpSpPr>
+      <p:grpSpPr>
+        <a:xfrm>
+          <a:off x="0" y="0"/>
+          <a:ext cx="0" cy="0"/>
+          <a:chOff x="0" y="0"/>
+          <a:chExt cx="0" cy="0"/>
+        </a:xfrm>
+      </p:grpSpPr>
+      <p:sp>
+        <p:nvSpPr>
+          <p:cNvPr id="11" name="Rectangle 10">
+            <a:extLst>
+              <a:ext uri="{FF2B5EF4-FFF2-40B4-BE49-F238E27FC236}">
+                <a16:creationId xmlns:a16="http://schemas.microsoft.com/office/drawing/2014/main" id="{F3060C83-F051-4F0E-ABAD-AA0DFC48B218}"/>
+              </a:ext>
+              <a:ext uri="{C183D7F6-B498-43B3-948B-1728B52AA6E4}">
+                <adec:decorative xmlns:adec="http://schemas.microsoft.com/office/drawing/2017/decorative" val="1"/>
+              </a:ext>
+            </a:extLst>
+          </p:cNvPr>
+          <p:cNvSpPr>
+            <a:spLocks noGrp="1" noRot="1" noChangeAspect="1" noMove="1" noResize="1" noEditPoints="1" noAdjustHandles="1" noChangeArrowheads="1" noChangeShapeType="1" noTextEdit="1"/>
+          </p:cNvSpPr>
+          <p:nvPr>
+            <p:extLst>
+              <p:ext uri="{386F3935-93C4-4BCD-93E2-E3B085C9AB24}">
+                <p16:designElem xmlns:p16="http://schemas.microsoft.com/office/powerpoint/2015/main" val="1"/>
+              </p:ext>
+            </p:extLst>
+          </p:nvPr>
+        </p:nvSpPr>
+        <p:spPr>
+          <a:xfrm>
+            <a:off x="0" y="0"/>
+            <a:ext cx="12192000" cy="6858000"/>
+          </a:xfrm>
+          <a:prstGeom prst="rect">
+            <a:avLst/>
+          </a:prstGeom>
+          <a:solidFill>
+            <a:schemeClr val="bg1"/>
+          </a:solidFill>
+          <a:ln>
+            <a:noFill/>
+          </a:ln>
+        </p:spPr>
+        <p:style>
+          <a:lnRef idx="2">
+            <a:schemeClr val="accent1">
+              <a:shade val="50000"/>
+            </a:schemeClr>
+          </a:lnRef>
+          <a:fillRef idx="1">
+            <a:schemeClr val="accent1"/>
+          </a:fillRef>
+          <a:effectRef idx="0">
+            <a:schemeClr val="accent1"/>
+          </a:effectRef>
+          <a:fontRef idx="minor">
+            <a:schemeClr val="lt1"/>
+          </a:fontRef>
+        </p:style>
+        <p:txBody>
+          <a:bodyPr rtlCol="0" anchor="ctr"/>
+          <a:lstStyle/>
+          <a:p>
+            <a:pPr algn="ctr"/>
+            <a:endParaRPr lang="en-US" dirty="0"/>
+          </a:p>
+        </p:txBody>
+      </p:sp>
+      <p:sp>
+        <p:nvSpPr>
+          <p:cNvPr id="13" name="Freeform: Shape 12">
+            <a:extLst>
+              <a:ext uri="{FF2B5EF4-FFF2-40B4-BE49-F238E27FC236}">
+                <a16:creationId xmlns:a16="http://schemas.microsoft.com/office/drawing/2014/main" id="{83C98ABE-055B-441F-B07E-44F97F083C39}"/>
+              </a:ext>
+              <a:ext uri="{C183D7F6-B498-43B3-948B-1728B52AA6E4}">
+                <adec:decorative xmlns:adec="http://schemas.microsoft.com/office/drawing/2017/decorative" val="1"/>
+              </a:ext>
+            </a:extLst>
+          </p:cNvPr>
+          <p:cNvSpPr>
+            <a:spLocks noGrp="1" noRot="1" noChangeAspect="1" noMove="1" noResize="1" noEditPoints="1" noAdjustHandles="1" noChangeArrowheads="1" noChangeShapeType="1" noTextEdit="1"/>
+          </p:cNvSpPr>
+          <p:nvPr>
+            <p:extLst>
+              <p:ext uri="{386F3935-93C4-4BCD-93E2-E3B085C9AB24}">
+                <p16:designElem xmlns:p16="http://schemas.microsoft.com/office/powerpoint/2015/main" val="1"/>
+              </p:ext>
+            </p:extLst>
+          </p:nvPr>
+        </p:nvSpPr>
+        <p:spPr>
+          <a:xfrm rot="18900000" flipH="1">
+            <a:off x="-376156" y="-253670"/>
+            <a:ext cx="1827638" cy="1376989"/>
+          </a:xfrm>
+          <a:custGeom>
+            <a:avLst/>
+            <a:gdLst>
+              <a:gd name="connsiteX0" fmla="*/ 0 w 1827638"/>
+              <a:gd name="connsiteY0" fmla="*/ 987379 h 1376989"/>
+              <a:gd name="connsiteX1" fmla="*/ 987379 w 1827638"/>
+              <a:gd name="connsiteY1" fmla="*/ 0 h 1376989"/>
+              <a:gd name="connsiteX2" fmla="*/ 1827638 w 1827638"/>
+              <a:gd name="connsiteY2" fmla="*/ 840260 h 1376989"/>
+              <a:gd name="connsiteX3" fmla="*/ 1827638 w 1827638"/>
+              <a:gd name="connsiteY3" fmla="*/ 1376989 h 1376989"/>
+              <a:gd name="connsiteX4" fmla="*/ 0 w 1827638"/>
+              <a:gd name="connsiteY4" fmla="*/ 1376989 h 1376989"/>
+            </a:gdLst>
+            <a:ahLst/>
+            <a:cxnLst>
+              <a:cxn ang="0">
+                <a:pos x="connsiteX0" y="connsiteY0"/>
+              </a:cxn>
+              <a:cxn ang="0">
+                <a:pos x="connsiteX1" y="connsiteY1"/>
+              </a:cxn>
+              <a:cxn ang="0">
+                <a:pos x="connsiteX2" y="connsiteY2"/>
+              </a:cxn>
+              <a:cxn ang="0">
+                <a:pos x="connsiteX3" y="connsiteY3"/>
+              </a:cxn>
+              <a:cxn ang="0">
+                <a:pos x="connsiteX4" y="connsiteY4"/>
+              </a:cxn>
+            </a:cxnLst>
+            <a:rect l="l" t="t" r="r" b="b"/>
+            <a:pathLst>
+              <a:path w="1827638" h="1376989">
+                <a:moveTo>
+                  <a:pt x="0" y="987379"/>
+                </a:moveTo>
+                <a:lnTo>
+                  <a:pt x="987379" y="0"/>
+                </a:lnTo>
+                <a:lnTo>
+                  <a:pt x="1827638" y="840260"/>
+                </a:lnTo>
+                <a:lnTo>
+                  <a:pt x="1827638" y="1376989"/>
+                </a:lnTo>
+                <a:lnTo>
+                  <a:pt x="0" y="1376989"/>
+                </a:lnTo>
+                <a:close/>
+              </a:path>
+            </a:pathLst>
+          </a:custGeom>
+          <a:solidFill>
+            <a:schemeClr val="accent1">
+              <a:alpha val="30000"/>
+            </a:schemeClr>
+          </a:solidFill>
+          <a:ln>
+            <a:noFill/>
+          </a:ln>
+        </p:spPr>
+        <p:style>
+          <a:lnRef idx="2">
+            <a:schemeClr val="accent1">
+              <a:shade val="50000"/>
+            </a:schemeClr>
+          </a:lnRef>
+          <a:fillRef idx="1">
+            <a:schemeClr val="accent1"/>
+          </a:fillRef>
+          <a:effectRef idx="0">
+            <a:schemeClr val="accent1"/>
+          </a:effectRef>
+          <a:fontRef idx="minor">
+            <a:schemeClr val="lt1"/>
+          </a:fontRef>
+        </p:style>
+        <p:txBody>
+          <a:bodyPr rtlCol="0" anchor="ctr"/>
+          <a:lstStyle/>
+          <a:p>
+            <a:pPr algn="ctr"/>
+            <a:endParaRPr lang="en-US" dirty="0"/>
+          </a:p>
+        </p:txBody>
+      </p:sp>
+      <p:sp>
+        <p:nvSpPr>
+          <p:cNvPr id="15" name="Rectangle 14">
+            <a:extLst>
+              <a:ext uri="{FF2B5EF4-FFF2-40B4-BE49-F238E27FC236}">
+                <a16:creationId xmlns:a16="http://schemas.microsoft.com/office/drawing/2014/main" id="{29FDB030-9B49-4CED-8CCD-4D99382388AC}"/>
+              </a:ext>
+              <a:ext uri="{C183D7F6-B498-43B3-948B-1728B52AA6E4}">
+                <adec:decorative xmlns:adec="http://schemas.microsoft.com/office/drawing/2017/decorative" val="1"/>
+              </a:ext>
+            </a:extLst>
+          </p:cNvPr>
+          <p:cNvSpPr>
+            <a:spLocks noGrp="1" noRot="1" noChangeAspect="1" noMove="1" noResize="1" noEditPoints="1" noAdjustHandles="1" noChangeArrowheads="1" noChangeShapeType="1" noTextEdit="1"/>
+          </p:cNvSpPr>
+          <p:nvPr>
+            <p:extLst>
+              <p:ext uri="{386F3935-93C4-4BCD-93E2-E3B085C9AB24}">
+                <p16:designElem xmlns:p16="http://schemas.microsoft.com/office/powerpoint/2015/main" val="1"/>
+              </p:ext>
+            </p:extLst>
+          </p:nvPr>
+        </p:nvSpPr>
+        <p:spPr>
+          <a:xfrm rot="18900000" flipH="1">
+            <a:off x="891641" y="422146"/>
+            <a:ext cx="645368" cy="645368"/>
+          </a:xfrm>
+          <a:prstGeom prst="rect">
+            <a:avLst/>
+          </a:prstGeom>
+          <a:solidFill>
+            <a:schemeClr val="accent1">
+              <a:alpha val="30000"/>
+            </a:schemeClr>
+          </a:solidFill>
+          <a:ln>
+            <a:noFill/>
+          </a:ln>
+        </p:spPr>
+        <p:style>
+          <a:lnRef idx="2">
+            <a:schemeClr val="accent1">
+              <a:shade val="50000"/>
+            </a:schemeClr>
+          </a:lnRef>
+          <a:fillRef idx="1">
+            <a:schemeClr val="accent1"/>
+          </a:fillRef>
+          <a:effectRef idx="0">
+            <a:schemeClr val="accent1"/>
+          </a:effectRef>
+          <a:fontRef idx="minor">
+            <a:schemeClr val="lt1"/>
+          </a:fontRef>
+        </p:style>
+        <p:txBody>
+          <a:bodyPr rtlCol="0" anchor="ctr"/>
+          <a:lstStyle/>
+          <a:p>
+            <a:pPr algn="ctr"/>
+            <a:endParaRPr lang="en-US"/>
+          </a:p>
+        </p:txBody>
+      </p:sp>
+      <p:sp>
+        <p:nvSpPr>
+          <p:cNvPr id="17" name="Rectangle 16">
+            <a:extLst>
+              <a:ext uri="{FF2B5EF4-FFF2-40B4-BE49-F238E27FC236}">
+                <a16:creationId xmlns:a16="http://schemas.microsoft.com/office/drawing/2014/main" id="{3783CA14-24A1-485C-8B30-D6A5D87987AD}"/>
+              </a:ext>
+              <a:ext uri="{C183D7F6-B498-43B3-948B-1728B52AA6E4}">
+                <adec:decorative xmlns:adec="http://schemas.microsoft.com/office/drawing/2017/decorative" val="1"/>
+              </a:ext>
+            </a:extLst>
+          </p:cNvPr>
+          <p:cNvSpPr>
+            <a:spLocks noGrp="1" noRot="1" noChangeAspect="1" noMove="1" noResize="1" noEditPoints="1" noAdjustHandles="1" noChangeArrowheads="1" noChangeShapeType="1" noTextEdit="1"/>
+          </p:cNvSpPr>
+          <p:nvPr>
+            <p:extLst>
+              <p:ext uri="{386F3935-93C4-4BCD-93E2-E3B085C9AB24}">
+                <p16:designElem xmlns:p16="http://schemas.microsoft.com/office/powerpoint/2015/main" val="1"/>
+              </p:ext>
+            </p:extLst>
+          </p:nvPr>
+        </p:nvSpPr>
+        <p:spPr>
+          <a:xfrm rot="18900000" flipH="1">
+            <a:off x="10043482" y="655140"/>
+            <a:ext cx="687472" cy="687472"/>
+          </a:xfrm>
+          <a:prstGeom prst="rect">
+            <a:avLst/>
+          </a:prstGeom>
+          <a:solidFill>
+            <a:schemeClr val="accent4">
+              <a:alpha val="30000"/>
+            </a:schemeClr>
+          </a:solidFill>
+          <a:ln>
+            <a:noFill/>
+          </a:ln>
+        </p:spPr>
+        <p:style>
+          <a:lnRef idx="2">
+            <a:schemeClr val="accent1">
+              <a:shade val="50000"/>
+            </a:schemeClr>
+          </a:lnRef>
+          <a:fillRef idx="1">
+            <a:schemeClr val="accent1"/>
+          </a:fillRef>
+          <a:effectRef idx="0">
+            <a:schemeClr val="accent1"/>
+          </a:effectRef>
+          <a:fontRef idx="minor">
+            <a:schemeClr val="lt1"/>
+          </a:fontRef>
+        </p:style>
+        <p:txBody>
+          <a:bodyPr rtlCol="0" anchor="ctr"/>
+          <a:lstStyle/>
+          <a:p>
+            <a:pPr algn="ctr"/>
+            <a:endParaRPr lang="en-US"/>
+          </a:p>
+        </p:txBody>
+      </p:sp>
+      <p:sp>
+        <p:nvSpPr>
+          <p:cNvPr id="19" name="Freeform: Shape 18">
+            <a:extLst>
+              <a:ext uri="{FF2B5EF4-FFF2-40B4-BE49-F238E27FC236}">
+                <a16:creationId xmlns:a16="http://schemas.microsoft.com/office/drawing/2014/main" id="{9A97C86A-04D6-40F7-AE84-31AB43E6A846}"/>
+              </a:ext>
+              <a:ext uri="{C183D7F6-B498-43B3-948B-1728B52AA6E4}">
+                <adec:decorative xmlns:adec="http://schemas.microsoft.com/office/drawing/2017/decorative" val="1"/>
+              </a:ext>
+            </a:extLst>
+          </p:cNvPr>
+          <p:cNvSpPr>
+            <a:spLocks noGrp="1" noRot="1" noChangeAspect="1" noMove="1" noResize="1" noEditPoints="1" noAdjustHandles="1" noChangeArrowheads="1" noChangeShapeType="1" noTextEdit="1"/>
+          </p:cNvSpPr>
+          <p:nvPr>
+            <p:extLst>
+              <p:ext uri="{386F3935-93C4-4BCD-93E2-E3B085C9AB24}">
+                <p16:designElem xmlns:p16="http://schemas.microsoft.com/office/powerpoint/2015/main" val="1"/>
+              </p:ext>
+            </p:extLst>
+          </p:nvPr>
+        </p:nvSpPr>
+        <p:spPr>
+          <a:xfrm rot="10800000" flipH="1">
+            <a:off x="9356643" y="0"/>
+            <a:ext cx="2835357" cy="1480837"/>
+          </a:xfrm>
+          <a:custGeom>
+            <a:avLst/>
+            <a:gdLst>
+              <a:gd name="connsiteX0" fmla="*/ 2835357 w 2835357"/>
+              <a:gd name="connsiteY0" fmla="*/ 1480837 h 1480837"/>
+              <a:gd name="connsiteX1" fmla="*/ 0 w 2835357"/>
+              <a:gd name="connsiteY1" fmla="*/ 1480837 h 1480837"/>
+              <a:gd name="connsiteX2" fmla="*/ 1552727 w 2835357"/>
+              <a:gd name="connsiteY2" fmla="*/ 0 h 1480837"/>
+              <a:gd name="connsiteX3" fmla="*/ 2835357 w 2835357"/>
+              <a:gd name="connsiteY3" fmla="*/ 1223245 h 1480837"/>
+            </a:gdLst>
+            <a:ahLst/>
+            <a:cxnLst>
+              <a:cxn ang="0">
+                <a:pos x="connsiteX0" y="connsiteY0"/>
+              </a:cxn>
+              <a:cxn ang="0">
+                <a:pos x="connsiteX1" y="connsiteY1"/>
+              </a:cxn>
+              <a:cxn ang="0">
+                <a:pos x="connsiteX2" y="connsiteY2"/>
+              </a:cxn>
+              <a:cxn ang="0">
+                <a:pos x="connsiteX3" y="connsiteY3"/>
+              </a:cxn>
+            </a:cxnLst>
+            <a:rect l="l" t="t" r="r" b="b"/>
+            <a:pathLst>
+              <a:path w="2835357" h="1480837">
+                <a:moveTo>
+                  <a:pt x="2835357" y="1480837"/>
+                </a:moveTo>
+                <a:lnTo>
+                  <a:pt x="0" y="1480837"/>
+                </a:lnTo>
+                <a:lnTo>
+                  <a:pt x="1552727" y="0"/>
+                </a:lnTo>
+                <a:lnTo>
+                  <a:pt x="2835357" y="1223245"/>
+                </a:lnTo>
+                <a:close/>
+              </a:path>
+            </a:pathLst>
+          </a:custGeom>
+          <a:solidFill>
+            <a:schemeClr val="accent4">
+              <a:alpha val="30000"/>
+            </a:schemeClr>
+          </a:solidFill>
+          <a:ln>
+            <a:noFill/>
+          </a:ln>
+        </p:spPr>
+        <p:style>
+          <a:lnRef idx="2">
+            <a:schemeClr val="accent1">
+              <a:shade val="50000"/>
+            </a:schemeClr>
+          </a:lnRef>
+          <a:fillRef idx="1">
+            <a:schemeClr val="accent1"/>
+          </a:fillRef>
+          <a:effectRef idx="0">
+            <a:schemeClr val="accent1"/>
+          </a:effectRef>
+          <a:fontRef idx="minor">
+            <a:schemeClr val="lt1"/>
+          </a:fontRef>
+        </p:style>
+        <p:txBody>
+          <a:bodyPr wrap="square" rtlCol="0" anchor="ctr">
+            <a:noAutofit/>
+          </a:bodyPr>
+          <a:lstStyle/>
+          <a:p>
+            <a:pPr algn="ctr"/>
+            <a:endParaRPr lang="en-US" dirty="0"/>
+          </a:p>
+        </p:txBody>
+      </p:sp>
+      <p:sp>
+        <p:nvSpPr>
+          <p:cNvPr id="21" name="Isosceles Triangle 20">
+            <a:extLst>
+              <a:ext uri="{FF2B5EF4-FFF2-40B4-BE49-F238E27FC236}">
+                <a16:creationId xmlns:a16="http://schemas.microsoft.com/office/drawing/2014/main" id="{FF9F2414-84E8-453E-B1F3-389FDE8192D9}"/>
+              </a:ext>
+              <a:ext uri="{C183D7F6-B498-43B3-948B-1728B52AA6E4}">
+                <adec:decorative xmlns:adec="http://schemas.microsoft.com/office/drawing/2017/decorative" val="1"/>
+              </a:ext>
+            </a:extLst>
+          </p:cNvPr>
+          <p:cNvSpPr>
+            <a:spLocks noGrp="1" noRot="1" noChangeAspect="1" noMove="1" noResize="1" noEditPoints="1" noAdjustHandles="1" noChangeArrowheads="1" noChangeShapeType="1" noTextEdit="1"/>
+          </p:cNvSpPr>
+          <p:nvPr>
+            <p:extLst>
+              <p:ext uri="{386F3935-93C4-4BCD-93E2-E3B085C9AB24}">
+                <p16:designElem xmlns:p16="http://schemas.microsoft.com/office/powerpoint/2015/main" val="1"/>
+              </p:ext>
+            </p:extLst>
+          </p:nvPr>
+        </p:nvSpPr>
+        <p:spPr>
+          <a:xfrm flipH="1">
+            <a:off x="7976344" y="6115501"/>
+            <a:ext cx="1494513" cy="742499"/>
+          </a:xfrm>
+          <a:prstGeom prst="triangle">
+            <a:avLst/>
+          </a:prstGeom>
+          <a:solidFill>
+            <a:schemeClr val="accent1">
+              <a:alpha val="30000"/>
+            </a:schemeClr>
+          </a:solidFill>
+          <a:ln>
+            <a:noFill/>
+          </a:ln>
+        </p:spPr>
+        <p:style>
+          <a:lnRef idx="2">
+            <a:schemeClr val="accent1">
+              <a:shade val="50000"/>
+            </a:schemeClr>
+          </a:lnRef>
+          <a:fillRef idx="1">
+            <a:schemeClr val="accent1"/>
+          </a:fillRef>
+          <a:effectRef idx="0">
+            <a:schemeClr val="accent1"/>
+          </a:effectRef>
+          <a:fontRef idx="minor">
+            <a:schemeClr val="lt1"/>
+          </a:fontRef>
+        </p:style>
+        <p:txBody>
+          <a:bodyPr rtlCol="0" anchor="ctr"/>
+          <a:lstStyle/>
+          <a:p>
+            <a:pPr algn="ctr"/>
+            <a:endParaRPr lang="en-US"/>
+          </a:p>
+        </p:txBody>
+      </p:sp>
+      <p:sp>
+        <p:nvSpPr>
+          <p:cNvPr id="23" name="Isosceles Triangle 22">
+            <a:extLst>
+              <a:ext uri="{FF2B5EF4-FFF2-40B4-BE49-F238E27FC236}">
+                <a16:creationId xmlns:a16="http://schemas.microsoft.com/office/drawing/2014/main" id="{3ECA69A1-7536-43AC-85EF-C7106179F5ED}"/>
+              </a:ext>
+              <a:ext uri="{C183D7F6-B498-43B3-948B-1728B52AA6E4}">
+                <adec:decorative xmlns:adec="http://schemas.microsoft.com/office/drawing/2017/decorative" val="1"/>
+              </a:ext>
+            </a:extLst>
+          </p:cNvPr>
+          <p:cNvSpPr>
+            <a:spLocks noGrp="1" noRot="1" noChangeAspect="1" noMove="1" noResize="1" noEditPoints="1" noAdjustHandles="1" noChangeArrowheads="1" noChangeShapeType="1" noTextEdit="1"/>
+          </p:cNvSpPr>
+          <p:nvPr>
+            <p:extLst>
+              <p:ext uri="{386F3935-93C4-4BCD-93E2-E3B085C9AB24}">
+                <p16:designElem xmlns:p16="http://schemas.microsoft.com/office/powerpoint/2015/main" val="1"/>
+              </p:ext>
+            </p:extLst>
+          </p:nvPr>
+        </p:nvSpPr>
+        <p:spPr>
+          <a:xfrm flipH="1">
+            <a:off x="7604080" y="6453143"/>
+            <a:ext cx="814903" cy="404857"/>
+          </a:xfrm>
+          <a:prstGeom prst="triangle">
+            <a:avLst/>
+          </a:prstGeom>
+          <a:solidFill>
+            <a:schemeClr val="accent1">
+              <a:alpha val="30000"/>
+            </a:schemeClr>
+          </a:solidFill>
+          <a:ln>
+            <a:noFill/>
+          </a:ln>
+        </p:spPr>
+        <p:style>
+          <a:lnRef idx="2">
+            <a:schemeClr val="accent1">
+              <a:shade val="50000"/>
+            </a:schemeClr>
+          </a:lnRef>
+          <a:fillRef idx="1">
+            <a:schemeClr val="accent1"/>
+          </a:fillRef>
+          <a:effectRef idx="0">
+            <a:schemeClr val="accent1"/>
+          </a:effectRef>
+          <a:fontRef idx="minor">
+            <a:schemeClr val="lt1"/>
+          </a:fontRef>
+        </p:style>
+        <p:txBody>
+          <a:bodyPr rtlCol="0" anchor="ctr"/>
+          <a:lstStyle/>
+          <a:p>
+            <a:pPr algn="ctr"/>
+            <a:endParaRPr lang="en-US"/>
+          </a:p>
+        </p:txBody>
+      </p:sp>
+      <p:pic>
+        <p:nvPicPr>
+          <p:cNvPr id="4" name="Picture 3" descr="A black screen with a black background&#10;&#10;AI-generated content may be incorrect.">
+            <a:extLst>
+              <a:ext uri="{FF2B5EF4-FFF2-40B4-BE49-F238E27FC236}">
+                <a16:creationId xmlns:a16="http://schemas.microsoft.com/office/drawing/2014/main" id="{014BE5EF-3106-8054-5130-E8BF4DFA8311}"/>
+              </a:ext>
+            </a:extLst>
+          </p:cNvPr>
+          <p:cNvPicPr>
+            <a:picLocks noChangeAspect="1"/>
+          </p:cNvPicPr>
+          <p:nvPr/>
+        </p:nvPicPr>
+        <p:blipFill>
+          <a:blip r:embed="rId2">
+            <a:extLst>
+              <a:ext uri="{28A0092B-C50C-407E-A947-70E740481C1C}">
+                <a14:useLocalDpi xmlns:a14="http://schemas.microsoft.com/office/drawing/2010/main" val="0"/>
+              </a:ext>
+            </a:extLst>
+          </a:blip>
+          <a:stretch>
+            <a:fillRect/>
+          </a:stretch>
+        </p:blipFill>
+        <p:spPr>
+          <a:xfrm>
+            <a:off x="629728" y="647697"/>
+            <a:ext cx="10804292" cy="5680292"/>
+          </a:xfrm>
+          <a:prstGeom prst="rect">
+            <a:avLst/>
+          </a:prstGeom>
+        </p:spPr>
+      </p:pic>
+      <p:pic>
+        <p:nvPicPr>
+          <p:cNvPr id="3" name="Picture 2" descr="A screenshot of a computer&#10;&#10;AI-generated content may be incorrect.">
+            <a:extLst>
+              <a:ext uri="{FF2B5EF4-FFF2-40B4-BE49-F238E27FC236}">
+                <a16:creationId xmlns:a16="http://schemas.microsoft.com/office/drawing/2014/main" id="{0132CC42-DD82-C30D-98F4-36153C044B0A}"/>
+              </a:ext>
+            </a:extLst>
+          </p:cNvPr>
+          <p:cNvPicPr>
+            <a:picLocks noChangeAspect="1"/>
+          </p:cNvPicPr>
+          <p:nvPr/>
+        </p:nvPicPr>
+        <p:blipFill>
+          <a:blip r:embed="rId3">
+            <a:extLst>
+              <a:ext uri="{28A0092B-C50C-407E-A947-70E740481C1C}">
+                <a14:useLocalDpi xmlns:a14="http://schemas.microsoft.com/office/drawing/2010/main" val="0"/>
+              </a:ext>
+            </a:extLst>
+          </a:blip>
+          <a:stretch>
+            <a:fillRect/>
+          </a:stretch>
+        </p:blipFill>
+        <p:spPr>
+          <a:xfrm>
+            <a:off x="1889188" y="910954"/>
+            <a:ext cx="8307235" cy="4846320"/>
+          </a:xfrm>
+          <a:prstGeom prst="rect">
+            <a:avLst/>
+          </a:prstGeom>
+        </p:spPr>
+      </p:pic>
+    </p:spTree>
+    <p:extLst>
+      <p:ext uri="{BB962C8B-B14F-4D97-AF65-F5344CB8AC3E}">
+        <p14:creationId xmlns:p14="http://schemas.microsoft.com/office/powerpoint/2010/main" val="2230676216"/>
       </p:ext>
     </p:extLst>
   </p:cSld>
@@ -15834,12 +16185,71 @@
           </a:prstGeom>
         </p:spPr>
       </p:pic>
+      <p:sp>
+        <p:nvSpPr>
+          <p:cNvPr id="2" name="TextBox 1">
+            <a:extLst>
+              <a:ext uri="{FF2B5EF4-FFF2-40B4-BE49-F238E27FC236}">
+                <a16:creationId xmlns:a16="http://schemas.microsoft.com/office/drawing/2014/main" id="{8972ACAF-3971-03B2-247C-6AF02F368CC4}"/>
+              </a:ext>
+            </a:extLst>
+          </p:cNvPr>
+          <p:cNvSpPr txBox="1"/>
+          <p:nvPr/>
+        </p:nvSpPr>
+        <p:spPr>
+          <a:xfrm>
+            <a:off x="752603" y="6233508"/>
+            <a:ext cx="6098874" cy="377476"/>
+          </a:xfrm>
+          <a:prstGeom prst="rect">
+            <a:avLst/>
+          </a:prstGeom>
+          <a:noFill/>
+        </p:spPr>
+        <p:txBody>
+          <a:bodyPr wrap="square">
+            <a:spAutoFit/>
+          </a:bodyPr>
+          <a:lstStyle/>
+          <a:p>
+            <a:pPr marR="0" lvl="0">
+              <a:lnSpc>
+                <a:spcPct val="107000"/>
+              </a:lnSpc>
+              <a:spcBef>
+                <a:spcPts val="0"/>
+              </a:spcBef>
+              <a:spcAft>
+                <a:spcPts val="800"/>
+              </a:spcAft>
+              <a:tabLst>
+                <a:tab pos="5212080" algn="l"/>
+              </a:tabLst>
+            </a:pPr>
+            <a:r>
+              <a:rPr lang="en-US" kern="100" dirty="0">
+                <a:latin typeface="Abadi" panose="020B0604020104020204" pitchFamily="34" charset="0"/>
+                <a:ea typeface="Aptos" panose="020B0004020202020204" pitchFamily="34" charset="0"/>
+                <a:cs typeface="Leelawadee UI" panose="020B0502040204020203" pitchFamily="34" charset="-34"/>
+              </a:rPr>
+              <a:t>4. All Users Chat History</a:t>
+            </a:r>
+            <a:endParaRPr lang="en-US" sz="1200" kern="100" dirty="0">
+              <a:effectLst/>
+              <a:latin typeface="Aptos" panose="020B0004020202020204" pitchFamily="34" charset="0"/>
+              <a:ea typeface="Aptos" panose="020B0004020202020204" pitchFamily="34" charset="0"/>
+              <a:cs typeface="Shruti" panose="020B0502040204020203" pitchFamily="34" charset="0"/>
+            </a:endParaRPr>
+          </a:p>
+        </p:txBody>
+      </p:sp>
       <p:pic>
         <p:nvPicPr>
-          <p:cNvPr id="3" name="Picture 2" descr="A screenshot of a computer&#10;&#10;AI-generated content may be incorrect.">
+          <p:cNvPr id="5" name="Picture 4" descr="A screenshot of a chat&#10;&#10;AI-generated content may be incorrect.">
             <a:extLst>
               <a:ext uri="{FF2B5EF4-FFF2-40B4-BE49-F238E27FC236}">
-                <a16:creationId xmlns:a16="http://schemas.microsoft.com/office/drawing/2014/main" id="{0132CC42-DD82-C30D-98F4-36153C044B0A}"/>
+                <a16:creationId xmlns:a16="http://schemas.microsoft.com/office/drawing/2014/main" id="{01BBDF7C-D0FE-094D-66C3-F602FF06C0BD}"/>
               </a:ext>
             </a:extLst>
           </p:cNvPr>
@@ -15862,8 +16272,8 @@
         </p:blipFill>
         <p:spPr>
           <a:xfrm>
-            <a:off x="1889188" y="910954"/>
-            <a:ext cx="8307235" cy="4846320"/>
+            <a:off x="1889186" y="915309"/>
+            <a:ext cx="8307237" cy="4846320"/>
           </a:xfrm>
           <a:prstGeom prst="rect">
             <a:avLst/>
@@ -15873,7 +16283,7 @@
     </p:spTree>
     <p:extLst>
       <p:ext uri="{BB962C8B-B14F-4D97-AF65-F5344CB8AC3E}">
-        <p14:creationId xmlns:p14="http://schemas.microsoft.com/office/powerpoint/2010/main" val="2230676216"/>
+        <p14:creationId xmlns:p14="http://schemas.microsoft.com/office/powerpoint/2010/main" val="1632318729"/>
       </p:ext>
     </p:extLst>
   </p:cSld>
@@ -16505,71 +16915,12 @@
           </a:prstGeom>
         </p:spPr>
       </p:pic>
-      <p:sp>
-        <p:nvSpPr>
-          <p:cNvPr id="2" name="TextBox 1">
-            <a:extLst>
-              <a:ext uri="{FF2B5EF4-FFF2-40B4-BE49-F238E27FC236}">
-                <a16:creationId xmlns:a16="http://schemas.microsoft.com/office/drawing/2014/main" id="{8972ACAF-3971-03B2-247C-6AF02F368CC4}"/>
-              </a:ext>
-            </a:extLst>
-          </p:cNvPr>
-          <p:cNvSpPr txBox="1"/>
-          <p:nvPr/>
-        </p:nvSpPr>
-        <p:spPr>
-          <a:xfrm>
-            <a:off x="752603" y="6233508"/>
-            <a:ext cx="6098874" cy="377476"/>
-          </a:xfrm>
-          <a:prstGeom prst="rect">
-            <a:avLst/>
-          </a:prstGeom>
-          <a:noFill/>
-        </p:spPr>
-        <p:txBody>
-          <a:bodyPr wrap="square">
-            <a:spAutoFit/>
-          </a:bodyPr>
-          <a:lstStyle/>
-          <a:p>
-            <a:pPr marR="0" lvl="0">
-              <a:lnSpc>
-                <a:spcPct val="107000"/>
-              </a:lnSpc>
-              <a:spcBef>
-                <a:spcPts val="0"/>
-              </a:spcBef>
-              <a:spcAft>
-                <a:spcPts val="800"/>
-              </a:spcAft>
-              <a:tabLst>
-                <a:tab pos="5212080" algn="l"/>
-              </a:tabLst>
-            </a:pPr>
-            <a:r>
-              <a:rPr lang="en-US" kern="100" dirty="0">
-                <a:latin typeface="Abadi" panose="020B0604020104020204" pitchFamily="34" charset="0"/>
-                <a:ea typeface="Aptos" panose="020B0004020202020204" pitchFamily="34" charset="0"/>
-                <a:cs typeface="Leelawadee UI" panose="020B0502040204020203" pitchFamily="34" charset="-34"/>
-              </a:rPr>
-              <a:t>4. All Users Chat History</a:t>
-            </a:r>
-            <a:endParaRPr lang="en-US" sz="1200" kern="100" dirty="0">
-              <a:effectLst/>
-              <a:latin typeface="Aptos" panose="020B0004020202020204" pitchFamily="34" charset="0"/>
-              <a:ea typeface="Aptos" panose="020B0004020202020204" pitchFamily="34" charset="0"/>
-              <a:cs typeface="Shruti" panose="020B0502040204020203" pitchFamily="34" charset="0"/>
-            </a:endParaRPr>
-          </a:p>
-        </p:txBody>
-      </p:sp>
       <p:pic>
         <p:nvPicPr>
-          <p:cNvPr id="5" name="Picture 4" descr="A screenshot of a chat&#10;&#10;AI-generated content may be incorrect.">
+          <p:cNvPr id="3" name="Picture 2" descr="A screenshot of a chat&#10;&#10;AI-generated content may be incorrect.">
             <a:extLst>
               <a:ext uri="{FF2B5EF4-FFF2-40B4-BE49-F238E27FC236}">
-                <a16:creationId xmlns:a16="http://schemas.microsoft.com/office/drawing/2014/main" id="{01BBDF7C-D0FE-094D-66C3-F602FF06C0BD}"/>
+                <a16:creationId xmlns:a16="http://schemas.microsoft.com/office/drawing/2014/main" id="{456F6717-8921-C2EE-81BC-E636438496C3}"/>
               </a:ext>
             </a:extLst>
           </p:cNvPr>
@@ -16592,8 +16943,8 @@
         </p:blipFill>
         <p:spPr>
           <a:xfrm>
-            <a:off x="1889186" y="915309"/>
-            <a:ext cx="8307237" cy="4846320"/>
+            <a:off x="1889186" y="902203"/>
+            <a:ext cx="8315863" cy="4886122"/>
           </a:xfrm>
           <a:prstGeom prst="rect">
             <a:avLst/>
@@ -16603,7 +16954,7 @@
     </p:spTree>
     <p:extLst>
       <p:ext uri="{BB962C8B-B14F-4D97-AF65-F5344CB8AC3E}">
-        <p14:creationId xmlns:p14="http://schemas.microsoft.com/office/powerpoint/2010/main" val="1632318729"/>
+        <p14:creationId xmlns:p14="http://schemas.microsoft.com/office/powerpoint/2010/main" val="2389859443"/>
       </p:ext>
     </p:extLst>
   </p:cSld>
@@ -17235,12 +17586,71 @@
           </a:prstGeom>
         </p:spPr>
       </p:pic>
+      <p:sp>
+        <p:nvSpPr>
+          <p:cNvPr id="2" name="TextBox 1">
+            <a:extLst>
+              <a:ext uri="{FF2B5EF4-FFF2-40B4-BE49-F238E27FC236}">
+                <a16:creationId xmlns:a16="http://schemas.microsoft.com/office/drawing/2014/main" id="{610918E0-9785-804A-FF4E-41C8E71D7F98}"/>
+              </a:ext>
+            </a:extLst>
+          </p:cNvPr>
+          <p:cNvSpPr txBox="1"/>
+          <p:nvPr/>
+        </p:nvSpPr>
+        <p:spPr>
+          <a:xfrm>
+            <a:off x="752603" y="6233508"/>
+            <a:ext cx="6098874" cy="377476"/>
+          </a:xfrm>
+          <a:prstGeom prst="rect">
+            <a:avLst/>
+          </a:prstGeom>
+          <a:noFill/>
+        </p:spPr>
+        <p:txBody>
+          <a:bodyPr wrap="square">
+            <a:spAutoFit/>
+          </a:bodyPr>
+          <a:lstStyle/>
+          <a:p>
+            <a:pPr marR="0" lvl="0">
+              <a:lnSpc>
+                <a:spcPct val="107000"/>
+              </a:lnSpc>
+              <a:spcBef>
+                <a:spcPts val="0"/>
+              </a:spcBef>
+              <a:spcAft>
+                <a:spcPts val="800"/>
+              </a:spcAft>
+              <a:tabLst>
+                <a:tab pos="5212080" algn="l"/>
+              </a:tabLst>
+            </a:pPr>
+            <a:r>
+              <a:rPr lang="en-US" kern="100" dirty="0">
+                <a:latin typeface="Abadi" panose="020B0604020104020204" pitchFamily="34" charset="0"/>
+                <a:ea typeface="Aptos" panose="020B0004020202020204" pitchFamily="34" charset="0"/>
+                <a:cs typeface="Leelawadee UI" panose="020B0502040204020203" pitchFamily="34" charset="-34"/>
+              </a:rPr>
+              <a:t>5. Pending Questions</a:t>
+            </a:r>
+            <a:endParaRPr lang="en-US" sz="1200" kern="100" dirty="0">
+              <a:effectLst/>
+              <a:latin typeface="Aptos" panose="020B0004020202020204" pitchFamily="34" charset="0"/>
+              <a:ea typeface="Aptos" panose="020B0004020202020204" pitchFamily="34" charset="0"/>
+              <a:cs typeface="Shruti" panose="020B0502040204020203" pitchFamily="34" charset="0"/>
+            </a:endParaRPr>
+          </a:p>
+        </p:txBody>
+      </p:sp>
       <p:pic>
         <p:nvPicPr>
-          <p:cNvPr id="3" name="Picture 2" descr="A screenshot of a chat&#10;&#10;AI-generated content may be incorrect.">
+          <p:cNvPr id="5" name="Picture 4" descr="A screenshot of a computer&#10;&#10;AI-generated content may be incorrect.">
             <a:extLst>
               <a:ext uri="{FF2B5EF4-FFF2-40B4-BE49-F238E27FC236}">
-                <a16:creationId xmlns:a16="http://schemas.microsoft.com/office/drawing/2014/main" id="{456F6717-8921-C2EE-81BC-E636438496C3}"/>
+                <a16:creationId xmlns:a16="http://schemas.microsoft.com/office/drawing/2014/main" id="{E68B9FED-D060-F5EC-6E71-A0BF24871D44}"/>
               </a:ext>
             </a:extLst>
           </p:cNvPr>
@@ -17263,8 +17673,8 @@
         </p:blipFill>
         <p:spPr>
           <a:xfrm>
-            <a:off x="1889186" y="902203"/>
-            <a:ext cx="8315863" cy="4886122"/>
+            <a:off x="1889187" y="911464"/>
+            <a:ext cx="8315862" cy="4846320"/>
           </a:xfrm>
           <a:prstGeom prst="rect">
             <a:avLst/>
@@ -17274,7 +17684,7 @@
     </p:spTree>
     <p:extLst>
       <p:ext uri="{BB962C8B-B14F-4D97-AF65-F5344CB8AC3E}">
-        <p14:creationId xmlns:p14="http://schemas.microsoft.com/office/powerpoint/2010/main" val="2389859443"/>
+        <p14:creationId xmlns:p14="http://schemas.microsoft.com/office/powerpoint/2010/main" val="4123044884"/>
       </p:ext>
     </p:extLst>
   </p:cSld>
@@ -17906,71 +18316,12 @@
           </a:prstGeom>
         </p:spPr>
       </p:pic>
-      <p:sp>
-        <p:nvSpPr>
-          <p:cNvPr id="2" name="TextBox 1">
-            <a:extLst>
-              <a:ext uri="{FF2B5EF4-FFF2-40B4-BE49-F238E27FC236}">
-                <a16:creationId xmlns:a16="http://schemas.microsoft.com/office/drawing/2014/main" id="{610918E0-9785-804A-FF4E-41C8E71D7F98}"/>
-              </a:ext>
-            </a:extLst>
-          </p:cNvPr>
-          <p:cNvSpPr txBox="1"/>
-          <p:nvPr/>
-        </p:nvSpPr>
-        <p:spPr>
-          <a:xfrm>
-            <a:off x="752603" y="6233508"/>
-            <a:ext cx="6098874" cy="377476"/>
-          </a:xfrm>
-          <a:prstGeom prst="rect">
-            <a:avLst/>
-          </a:prstGeom>
-          <a:noFill/>
-        </p:spPr>
-        <p:txBody>
-          <a:bodyPr wrap="square">
-            <a:spAutoFit/>
-          </a:bodyPr>
-          <a:lstStyle/>
-          <a:p>
-            <a:pPr marR="0" lvl="0">
-              <a:lnSpc>
-                <a:spcPct val="107000"/>
-              </a:lnSpc>
-              <a:spcBef>
-                <a:spcPts val="0"/>
-              </a:spcBef>
-              <a:spcAft>
-                <a:spcPts val="800"/>
-              </a:spcAft>
-              <a:tabLst>
-                <a:tab pos="5212080" algn="l"/>
-              </a:tabLst>
-            </a:pPr>
-            <a:r>
-              <a:rPr lang="en-US" kern="100" dirty="0">
-                <a:latin typeface="Abadi" panose="020B0604020104020204" pitchFamily="34" charset="0"/>
-                <a:ea typeface="Aptos" panose="020B0004020202020204" pitchFamily="34" charset="0"/>
-                <a:cs typeface="Leelawadee UI" panose="020B0502040204020203" pitchFamily="34" charset="-34"/>
-              </a:rPr>
-              <a:t>5. Pending Questions</a:t>
-            </a:r>
-            <a:endParaRPr lang="en-US" sz="1200" kern="100" dirty="0">
-              <a:effectLst/>
-              <a:latin typeface="Aptos" panose="020B0004020202020204" pitchFamily="34" charset="0"/>
-              <a:ea typeface="Aptos" panose="020B0004020202020204" pitchFamily="34" charset="0"/>
-              <a:cs typeface="Shruti" panose="020B0502040204020203" pitchFamily="34" charset="0"/>
-            </a:endParaRPr>
-          </a:p>
-        </p:txBody>
-      </p:sp>
       <p:pic>
         <p:nvPicPr>
-          <p:cNvPr id="5" name="Picture 4" descr="A screenshot of a computer&#10;&#10;AI-generated content may be incorrect.">
+          <p:cNvPr id="3" name="Picture 2" descr="A screenshot of a computer&#10;&#10;AI-generated content may be incorrect.">
             <a:extLst>
               <a:ext uri="{FF2B5EF4-FFF2-40B4-BE49-F238E27FC236}">
-                <a16:creationId xmlns:a16="http://schemas.microsoft.com/office/drawing/2014/main" id="{E68B9FED-D060-F5EC-6E71-A0BF24871D44}"/>
+                <a16:creationId xmlns:a16="http://schemas.microsoft.com/office/drawing/2014/main" id="{A4947A87-7403-3F9C-06A0-599B432F768B}"/>
               </a:ext>
             </a:extLst>
           </p:cNvPr>
@@ -17993,8 +18344,8 @@
         </p:blipFill>
         <p:spPr>
           <a:xfrm>
-            <a:off x="1889187" y="911464"/>
-            <a:ext cx="8315862" cy="4846320"/>
+            <a:off x="1885186" y="909303"/>
+            <a:ext cx="8328489" cy="4879022"/>
           </a:xfrm>
           <a:prstGeom prst="rect">
             <a:avLst/>
@@ -18004,7 +18355,7 @@
     </p:spTree>
     <p:extLst>
       <p:ext uri="{BB962C8B-B14F-4D97-AF65-F5344CB8AC3E}">
-        <p14:creationId xmlns:p14="http://schemas.microsoft.com/office/powerpoint/2010/main" val="4123044884"/>
+        <p14:creationId xmlns:p14="http://schemas.microsoft.com/office/powerpoint/2010/main" val="2274784797"/>
       </p:ext>
     </p:extLst>
   </p:cSld>
@@ -18636,12 +18987,71 @@
           </a:prstGeom>
         </p:spPr>
       </p:pic>
+      <p:sp>
+        <p:nvSpPr>
+          <p:cNvPr id="2" name="TextBox 1">
+            <a:extLst>
+              <a:ext uri="{FF2B5EF4-FFF2-40B4-BE49-F238E27FC236}">
+                <a16:creationId xmlns:a16="http://schemas.microsoft.com/office/drawing/2014/main" id="{49239677-689C-7437-418E-5944C02573FE}"/>
+              </a:ext>
+            </a:extLst>
+          </p:cNvPr>
+          <p:cNvSpPr txBox="1"/>
+          <p:nvPr/>
+        </p:nvSpPr>
+        <p:spPr>
+          <a:xfrm>
+            <a:off x="752603" y="6233508"/>
+            <a:ext cx="6098874" cy="377476"/>
+          </a:xfrm>
+          <a:prstGeom prst="rect">
+            <a:avLst/>
+          </a:prstGeom>
+          <a:noFill/>
+        </p:spPr>
+        <p:txBody>
+          <a:bodyPr wrap="square">
+            <a:spAutoFit/>
+          </a:bodyPr>
+          <a:lstStyle/>
+          <a:p>
+            <a:pPr marR="0" lvl="0">
+              <a:lnSpc>
+                <a:spcPct val="107000"/>
+              </a:lnSpc>
+              <a:spcBef>
+                <a:spcPts val="0"/>
+              </a:spcBef>
+              <a:spcAft>
+                <a:spcPts val="800"/>
+              </a:spcAft>
+              <a:tabLst>
+                <a:tab pos="5212080" algn="l"/>
+              </a:tabLst>
+            </a:pPr>
+            <a:r>
+              <a:rPr lang="en-US" kern="100" dirty="0">
+                <a:latin typeface="Abadi" panose="020B0604020104020204" pitchFamily="34" charset="0"/>
+                <a:ea typeface="Aptos" panose="020B0004020202020204" pitchFamily="34" charset="0"/>
+                <a:cs typeface="Leelawadee UI" panose="020B0502040204020203" pitchFamily="34" charset="-34"/>
+              </a:rPr>
+              <a:t>6. Datasets Browser</a:t>
+            </a:r>
+            <a:endParaRPr lang="en-US" sz="1200" kern="100" dirty="0">
+              <a:effectLst/>
+              <a:latin typeface="Aptos" panose="020B0004020202020204" pitchFamily="34" charset="0"/>
+              <a:ea typeface="Aptos" panose="020B0004020202020204" pitchFamily="34" charset="0"/>
+              <a:cs typeface="Shruti" panose="020B0502040204020203" pitchFamily="34" charset="0"/>
+            </a:endParaRPr>
+          </a:p>
+        </p:txBody>
+      </p:sp>
       <p:pic>
         <p:nvPicPr>
-          <p:cNvPr id="3" name="Picture 2" descr="A screenshot of a computer&#10;&#10;AI-generated content may be incorrect.">
+          <p:cNvPr id="5" name="Picture 4" descr="A screenshot of a computer&#10;&#10;AI-generated content may be incorrect.">
             <a:extLst>
               <a:ext uri="{FF2B5EF4-FFF2-40B4-BE49-F238E27FC236}">
-                <a16:creationId xmlns:a16="http://schemas.microsoft.com/office/drawing/2014/main" id="{A4947A87-7403-3F9C-06A0-599B432F768B}"/>
+                <a16:creationId xmlns:a16="http://schemas.microsoft.com/office/drawing/2014/main" id="{4C83499E-98B8-D641-8F2B-6747E550A806}"/>
               </a:ext>
             </a:extLst>
           </p:cNvPr>
@@ -18664,8 +19074,8 @@
         </p:blipFill>
         <p:spPr>
           <a:xfrm>
-            <a:off x="1885186" y="909303"/>
-            <a:ext cx="8328489" cy="4879022"/>
+            <a:off x="1889184" y="903986"/>
+            <a:ext cx="8315865" cy="4799511"/>
           </a:xfrm>
           <a:prstGeom prst="rect">
             <a:avLst/>
@@ -18675,7 +19085,7 @@
     </p:spTree>
     <p:extLst>
       <p:ext uri="{BB962C8B-B14F-4D97-AF65-F5344CB8AC3E}">
-        <p14:creationId xmlns:p14="http://schemas.microsoft.com/office/powerpoint/2010/main" val="2274784797"/>
+        <p14:creationId xmlns:p14="http://schemas.microsoft.com/office/powerpoint/2010/main" val="2528232201"/>
       </p:ext>
     </p:extLst>
   </p:cSld>
@@ -19307,71 +19717,12 @@
           </a:prstGeom>
         </p:spPr>
       </p:pic>
-      <p:sp>
-        <p:nvSpPr>
-          <p:cNvPr id="2" name="TextBox 1">
-            <a:extLst>
-              <a:ext uri="{FF2B5EF4-FFF2-40B4-BE49-F238E27FC236}">
-                <a16:creationId xmlns:a16="http://schemas.microsoft.com/office/drawing/2014/main" id="{49239677-689C-7437-418E-5944C02573FE}"/>
-              </a:ext>
-            </a:extLst>
-          </p:cNvPr>
-          <p:cNvSpPr txBox="1"/>
-          <p:nvPr/>
-        </p:nvSpPr>
-        <p:spPr>
-          <a:xfrm>
-            <a:off x="752603" y="6233508"/>
-            <a:ext cx="6098874" cy="377476"/>
-          </a:xfrm>
-          <a:prstGeom prst="rect">
-            <a:avLst/>
-          </a:prstGeom>
-          <a:noFill/>
-        </p:spPr>
-        <p:txBody>
-          <a:bodyPr wrap="square">
-            <a:spAutoFit/>
-          </a:bodyPr>
-          <a:lstStyle/>
-          <a:p>
-            <a:pPr marR="0" lvl="0">
-              <a:lnSpc>
-                <a:spcPct val="107000"/>
-              </a:lnSpc>
-              <a:spcBef>
-                <a:spcPts val="0"/>
-              </a:spcBef>
-              <a:spcAft>
-                <a:spcPts val="800"/>
-              </a:spcAft>
-              <a:tabLst>
-                <a:tab pos="5212080" algn="l"/>
-              </a:tabLst>
-            </a:pPr>
-            <a:r>
-              <a:rPr lang="en-US" kern="100" dirty="0">
-                <a:latin typeface="Abadi" panose="020B0604020104020204" pitchFamily="34" charset="0"/>
-                <a:ea typeface="Aptos" panose="020B0004020202020204" pitchFamily="34" charset="0"/>
-                <a:cs typeface="Leelawadee UI" panose="020B0502040204020203" pitchFamily="34" charset="-34"/>
-              </a:rPr>
-              <a:t>6. Datasets Browser</a:t>
-            </a:r>
-            <a:endParaRPr lang="en-US" sz="1200" kern="100" dirty="0">
-              <a:effectLst/>
-              <a:latin typeface="Aptos" panose="020B0004020202020204" pitchFamily="34" charset="0"/>
-              <a:ea typeface="Aptos" panose="020B0004020202020204" pitchFamily="34" charset="0"/>
-              <a:cs typeface="Shruti" panose="020B0502040204020203" pitchFamily="34" charset="0"/>
-            </a:endParaRPr>
-          </a:p>
-        </p:txBody>
-      </p:sp>
       <p:pic>
         <p:nvPicPr>
-          <p:cNvPr id="5" name="Picture 4" descr="A screenshot of a computer&#10;&#10;AI-generated content may be incorrect.">
+          <p:cNvPr id="3" name="Picture 2" descr="A screenshot of a computer&#10;&#10;AI-generated content may be incorrect.">
             <a:extLst>
               <a:ext uri="{FF2B5EF4-FFF2-40B4-BE49-F238E27FC236}">
-                <a16:creationId xmlns:a16="http://schemas.microsoft.com/office/drawing/2014/main" id="{4C83499E-98B8-D641-8F2B-6747E550A806}"/>
+                <a16:creationId xmlns:a16="http://schemas.microsoft.com/office/drawing/2014/main" id="{6456FBDD-E2A4-3CAF-5DF4-8CFE6DE40400}"/>
               </a:ext>
             </a:extLst>
           </p:cNvPr>
@@ -19394,8 +19745,8 @@
         </p:blipFill>
         <p:spPr>
           <a:xfrm>
-            <a:off x="1889184" y="903986"/>
-            <a:ext cx="8315865" cy="4799511"/>
+            <a:off x="1889186" y="908789"/>
+            <a:ext cx="8315863" cy="4879536"/>
           </a:xfrm>
           <a:prstGeom prst="rect">
             <a:avLst/>
@@ -19405,7 +19756,7 @@
     </p:spTree>
     <p:extLst>
       <p:ext uri="{BB962C8B-B14F-4D97-AF65-F5344CB8AC3E}">
-        <p14:creationId xmlns:p14="http://schemas.microsoft.com/office/powerpoint/2010/main" val="2528232201"/>
+        <p14:creationId xmlns:p14="http://schemas.microsoft.com/office/powerpoint/2010/main" val="413883006"/>
       </p:ext>
     </p:extLst>
   </p:cSld>
@@ -20042,677 +20393,6 @@
           <p:cNvPr id="3" name="Picture 2" descr="A screenshot of a computer&#10;&#10;AI-generated content may be incorrect.">
             <a:extLst>
               <a:ext uri="{FF2B5EF4-FFF2-40B4-BE49-F238E27FC236}">
-                <a16:creationId xmlns:a16="http://schemas.microsoft.com/office/drawing/2014/main" id="{6456FBDD-E2A4-3CAF-5DF4-8CFE6DE40400}"/>
-              </a:ext>
-            </a:extLst>
-          </p:cNvPr>
-          <p:cNvPicPr>
-            <a:picLocks noChangeAspect="1"/>
-          </p:cNvPicPr>
-          <p:nvPr/>
-        </p:nvPicPr>
-        <p:blipFill>
-          <a:blip r:embed="rId3">
-            <a:extLst>
-              <a:ext uri="{28A0092B-C50C-407E-A947-70E740481C1C}">
-                <a14:useLocalDpi xmlns:a14="http://schemas.microsoft.com/office/drawing/2010/main" val="0"/>
-              </a:ext>
-            </a:extLst>
-          </a:blip>
-          <a:stretch>
-            <a:fillRect/>
-          </a:stretch>
-        </p:blipFill>
-        <p:spPr>
-          <a:xfrm>
-            <a:off x="1889186" y="908789"/>
-            <a:ext cx="8315863" cy="4879536"/>
-          </a:xfrm>
-          <a:prstGeom prst="rect">
-            <a:avLst/>
-          </a:prstGeom>
-        </p:spPr>
-      </p:pic>
-    </p:spTree>
-    <p:extLst>
-      <p:ext uri="{BB962C8B-B14F-4D97-AF65-F5344CB8AC3E}">
-        <p14:creationId xmlns:p14="http://schemas.microsoft.com/office/powerpoint/2010/main" val="413883006"/>
-      </p:ext>
-    </p:extLst>
-  </p:cSld>
-  <p:clrMapOvr>
-    <a:masterClrMapping/>
-  </p:clrMapOvr>
-  <mc:AlternateContent xmlns:mc="http://schemas.openxmlformats.org/markup-compatibility/2006" xmlns:p14="http://schemas.microsoft.com/office/powerpoint/2010/main">
-    <mc:Choice Requires="p14">
-      <p:transition spd="med" p14:dur="700">
-        <p:fade/>
-      </p:transition>
-    </mc:Choice>
-    <mc:Fallback xmlns="">
-      <p:transition spd="med">
-        <p:fade/>
-      </p:transition>
-    </mc:Fallback>
-  </mc:AlternateContent>
-</p:sld>
-</file>
-
-<file path=ppt/slides/slide27.xml><?xml version="1.0" encoding="utf-8"?>
-<p:sld xmlns:a="http://schemas.openxmlformats.org/drawingml/2006/main" xmlns:r="http://schemas.openxmlformats.org/officeDocument/2006/relationships" xmlns:p="http://schemas.openxmlformats.org/presentationml/2006/main">
-  <p:cSld>
-    <p:bg>
-      <p:bgPr>
-        <a:solidFill>
-          <a:schemeClr val="bg1"/>
-        </a:solidFill>
-        <a:effectLst/>
-      </p:bgPr>
-    </p:bg>
-    <p:spTree>
-      <p:nvGrpSpPr>
-        <p:cNvPr id="1" name=""/>
-        <p:cNvGrpSpPr/>
-        <p:nvPr/>
-      </p:nvGrpSpPr>
-      <p:grpSpPr>
-        <a:xfrm>
-          <a:off x="0" y="0"/>
-          <a:ext cx="0" cy="0"/>
-          <a:chOff x="0" y="0"/>
-          <a:chExt cx="0" cy="0"/>
-        </a:xfrm>
-      </p:grpSpPr>
-      <p:sp>
-        <p:nvSpPr>
-          <p:cNvPr id="11" name="Rectangle 10">
-            <a:extLst>
-              <a:ext uri="{FF2B5EF4-FFF2-40B4-BE49-F238E27FC236}">
-                <a16:creationId xmlns:a16="http://schemas.microsoft.com/office/drawing/2014/main" id="{F3060C83-F051-4F0E-ABAD-AA0DFC48B218}"/>
-              </a:ext>
-              <a:ext uri="{C183D7F6-B498-43B3-948B-1728B52AA6E4}">
-                <adec:decorative xmlns:adec="http://schemas.microsoft.com/office/drawing/2017/decorative" val="1"/>
-              </a:ext>
-            </a:extLst>
-          </p:cNvPr>
-          <p:cNvSpPr>
-            <a:spLocks noGrp="1" noRot="1" noChangeAspect="1" noMove="1" noResize="1" noEditPoints="1" noAdjustHandles="1" noChangeArrowheads="1" noChangeShapeType="1" noTextEdit="1"/>
-          </p:cNvSpPr>
-          <p:nvPr>
-            <p:extLst>
-              <p:ext uri="{386F3935-93C4-4BCD-93E2-E3B085C9AB24}">
-                <p16:designElem xmlns:p16="http://schemas.microsoft.com/office/powerpoint/2015/main" val="1"/>
-              </p:ext>
-            </p:extLst>
-          </p:nvPr>
-        </p:nvSpPr>
-        <p:spPr>
-          <a:xfrm>
-            <a:off x="0" y="0"/>
-            <a:ext cx="12192000" cy="6858000"/>
-          </a:xfrm>
-          <a:prstGeom prst="rect">
-            <a:avLst/>
-          </a:prstGeom>
-          <a:solidFill>
-            <a:schemeClr val="bg1"/>
-          </a:solidFill>
-          <a:ln>
-            <a:noFill/>
-          </a:ln>
-        </p:spPr>
-        <p:style>
-          <a:lnRef idx="2">
-            <a:schemeClr val="accent1">
-              <a:shade val="50000"/>
-            </a:schemeClr>
-          </a:lnRef>
-          <a:fillRef idx="1">
-            <a:schemeClr val="accent1"/>
-          </a:fillRef>
-          <a:effectRef idx="0">
-            <a:schemeClr val="accent1"/>
-          </a:effectRef>
-          <a:fontRef idx="minor">
-            <a:schemeClr val="lt1"/>
-          </a:fontRef>
-        </p:style>
-        <p:txBody>
-          <a:bodyPr rtlCol="0" anchor="ctr"/>
-          <a:lstStyle/>
-          <a:p>
-            <a:pPr algn="ctr"/>
-            <a:endParaRPr lang="en-US" dirty="0"/>
-          </a:p>
-        </p:txBody>
-      </p:sp>
-      <p:sp>
-        <p:nvSpPr>
-          <p:cNvPr id="13" name="Freeform: Shape 12">
-            <a:extLst>
-              <a:ext uri="{FF2B5EF4-FFF2-40B4-BE49-F238E27FC236}">
-                <a16:creationId xmlns:a16="http://schemas.microsoft.com/office/drawing/2014/main" id="{83C98ABE-055B-441F-B07E-44F97F083C39}"/>
-              </a:ext>
-              <a:ext uri="{C183D7F6-B498-43B3-948B-1728B52AA6E4}">
-                <adec:decorative xmlns:adec="http://schemas.microsoft.com/office/drawing/2017/decorative" val="1"/>
-              </a:ext>
-            </a:extLst>
-          </p:cNvPr>
-          <p:cNvSpPr>
-            <a:spLocks noGrp="1" noRot="1" noChangeAspect="1" noMove="1" noResize="1" noEditPoints="1" noAdjustHandles="1" noChangeArrowheads="1" noChangeShapeType="1" noTextEdit="1"/>
-          </p:cNvSpPr>
-          <p:nvPr>
-            <p:extLst>
-              <p:ext uri="{386F3935-93C4-4BCD-93E2-E3B085C9AB24}">
-                <p16:designElem xmlns:p16="http://schemas.microsoft.com/office/powerpoint/2015/main" val="1"/>
-              </p:ext>
-            </p:extLst>
-          </p:nvPr>
-        </p:nvSpPr>
-        <p:spPr>
-          <a:xfrm rot="18900000" flipH="1">
-            <a:off x="-376156" y="-253670"/>
-            <a:ext cx="1827638" cy="1376989"/>
-          </a:xfrm>
-          <a:custGeom>
-            <a:avLst/>
-            <a:gdLst>
-              <a:gd name="connsiteX0" fmla="*/ 0 w 1827638"/>
-              <a:gd name="connsiteY0" fmla="*/ 987379 h 1376989"/>
-              <a:gd name="connsiteX1" fmla="*/ 987379 w 1827638"/>
-              <a:gd name="connsiteY1" fmla="*/ 0 h 1376989"/>
-              <a:gd name="connsiteX2" fmla="*/ 1827638 w 1827638"/>
-              <a:gd name="connsiteY2" fmla="*/ 840260 h 1376989"/>
-              <a:gd name="connsiteX3" fmla="*/ 1827638 w 1827638"/>
-              <a:gd name="connsiteY3" fmla="*/ 1376989 h 1376989"/>
-              <a:gd name="connsiteX4" fmla="*/ 0 w 1827638"/>
-              <a:gd name="connsiteY4" fmla="*/ 1376989 h 1376989"/>
-            </a:gdLst>
-            <a:ahLst/>
-            <a:cxnLst>
-              <a:cxn ang="0">
-                <a:pos x="connsiteX0" y="connsiteY0"/>
-              </a:cxn>
-              <a:cxn ang="0">
-                <a:pos x="connsiteX1" y="connsiteY1"/>
-              </a:cxn>
-              <a:cxn ang="0">
-                <a:pos x="connsiteX2" y="connsiteY2"/>
-              </a:cxn>
-              <a:cxn ang="0">
-                <a:pos x="connsiteX3" y="connsiteY3"/>
-              </a:cxn>
-              <a:cxn ang="0">
-                <a:pos x="connsiteX4" y="connsiteY4"/>
-              </a:cxn>
-            </a:cxnLst>
-            <a:rect l="l" t="t" r="r" b="b"/>
-            <a:pathLst>
-              <a:path w="1827638" h="1376989">
-                <a:moveTo>
-                  <a:pt x="0" y="987379"/>
-                </a:moveTo>
-                <a:lnTo>
-                  <a:pt x="987379" y="0"/>
-                </a:lnTo>
-                <a:lnTo>
-                  <a:pt x="1827638" y="840260"/>
-                </a:lnTo>
-                <a:lnTo>
-                  <a:pt x="1827638" y="1376989"/>
-                </a:lnTo>
-                <a:lnTo>
-                  <a:pt x="0" y="1376989"/>
-                </a:lnTo>
-                <a:close/>
-              </a:path>
-            </a:pathLst>
-          </a:custGeom>
-          <a:solidFill>
-            <a:schemeClr val="accent1">
-              <a:alpha val="30000"/>
-            </a:schemeClr>
-          </a:solidFill>
-          <a:ln>
-            <a:noFill/>
-          </a:ln>
-        </p:spPr>
-        <p:style>
-          <a:lnRef idx="2">
-            <a:schemeClr val="accent1">
-              <a:shade val="50000"/>
-            </a:schemeClr>
-          </a:lnRef>
-          <a:fillRef idx="1">
-            <a:schemeClr val="accent1"/>
-          </a:fillRef>
-          <a:effectRef idx="0">
-            <a:schemeClr val="accent1"/>
-          </a:effectRef>
-          <a:fontRef idx="minor">
-            <a:schemeClr val="lt1"/>
-          </a:fontRef>
-        </p:style>
-        <p:txBody>
-          <a:bodyPr rtlCol="0" anchor="ctr"/>
-          <a:lstStyle/>
-          <a:p>
-            <a:pPr algn="ctr"/>
-            <a:endParaRPr lang="en-US" dirty="0"/>
-          </a:p>
-        </p:txBody>
-      </p:sp>
-      <p:sp>
-        <p:nvSpPr>
-          <p:cNvPr id="15" name="Rectangle 14">
-            <a:extLst>
-              <a:ext uri="{FF2B5EF4-FFF2-40B4-BE49-F238E27FC236}">
-                <a16:creationId xmlns:a16="http://schemas.microsoft.com/office/drawing/2014/main" id="{29FDB030-9B49-4CED-8CCD-4D99382388AC}"/>
-              </a:ext>
-              <a:ext uri="{C183D7F6-B498-43B3-948B-1728B52AA6E4}">
-                <adec:decorative xmlns:adec="http://schemas.microsoft.com/office/drawing/2017/decorative" val="1"/>
-              </a:ext>
-            </a:extLst>
-          </p:cNvPr>
-          <p:cNvSpPr>
-            <a:spLocks noGrp="1" noRot="1" noChangeAspect="1" noMove="1" noResize="1" noEditPoints="1" noAdjustHandles="1" noChangeArrowheads="1" noChangeShapeType="1" noTextEdit="1"/>
-          </p:cNvSpPr>
-          <p:nvPr>
-            <p:extLst>
-              <p:ext uri="{386F3935-93C4-4BCD-93E2-E3B085C9AB24}">
-                <p16:designElem xmlns:p16="http://schemas.microsoft.com/office/powerpoint/2015/main" val="1"/>
-              </p:ext>
-            </p:extLst>
-          </p:nvPr>
-        </p:nvSpPr>
-        <p:spPr>
-          <a:xfrm rot="18900000" flipH="1">
-            <a:off x="891641" y="422146"/>
-            <a:ext cx="645368" cy="645368"/>
-          </a:xfrm>
-          <a:prstGeom prst="rect">
-            <a:avLst/>
-          </a:prstGeom>
-          <a:solidFill>
-            <a:schemeClr val="accent1">
-              <a:alpha val="30000"/>
-            </a:schemeClr>
-          </a:solidFill>
-          <a:ln>
-            <a:noFill/>
-          </a:ln>
-        </p:spPr>
-        <p:style>
-          <a:lnRef idx="2">
-            <a:schemeClr val="accent1">
-              <a:shade val="50000"/>
-            </a:schemeClr>
-          </a:lnRef>
-          <a:fillRef idx="1">
-            <a:schemeClr val="accent1"/>
-          </a:fillRef>
-          <a:effectRef idx="0">
-            <a:schemeClr val="accent1"/>
-          </a:effectRef>
-          <a:fontRef idx="minor">
-            <a:schemeClr val="lt1"/>
-          </a:fontRef>
-        </p:style>
-        <p:txBody>
-          <a:bodyPr rtlCol="0" anchor="ctr"/>
-          <a:lstStyle/>
-          <a:p>
-            <a:pPr algn="ctr"/>
-            <a:endParaRPr lang="en-US"/>
-          </a:p>
-        </p:txBody>
-      </p:sp>
-      <p:sp>
-        <p:nvSpPr>
-          <p:cNvPr id="17" name="Rectangle 16">
-            <a:extLst>
-              <a:ext uri="{FF2B5EF4-FFF2-40B4-BE49-F238E27FC236}">
-                <a16:creationId xmlns:a16="http://schemas.microsoft.com/office/drawing/2014/main" id="{3783CA14-24A1-485C-8B30-D6A5D87987AD}"/>
-              </a:ext>
-              <a:ext uri="{C183D7F6-B498-43B3-948B-1728B52AA6E4}">
-                <adec:decorative xmlns:adec="http://schemas.microsoft.com/office/drawing/2017/decorative" val="1"/>
-              </a:ext>
-            </a:extLst>
-          </p:cNvPr>
-          <p:cNvSpPr>
-            <a:spLocks noGrp="1" noRot="1" noChangeAspect="1" noMove="1" noResize="1" noEditPoints="1" noAdjustHandles="1" noChangeArrowheads="1" noChangeShapeType="1" noTextEdit="1"/>
-          </p:cNvSpPr>
-          <p:nvPr>
-            <p:extLst>
-              <p:ext uri="{386F3935-93C4-4BCD-93E2-E3B085C9AB24}">
-                <p16:designElem xmlns:p16="http://schemas.microsoft.com/office/powerpoint/2015/main" val="1"/>
-              </p:ext>
-            </p:extLst>
-          </p:nvPr>
-        </p:nvSpPr>
-        <p:spPr>
-          <a:xfrm rot="18900000" flipH="1">
-            <a:off x="10043482" y="655140"/>
-            <a:ext cx="687472" cy="687472"/>
-          </a:xfrm>
-          <a:prstGeom prst="rect">
-            <a:avLst/>
-          </a:prstGeom>
-          <a:solidFill>
-            <a:schemeClr val="accent4">
-              <a:alpha val="30000"/>
-            </a:schemeClr>
-          </a:solidFill>
-          <a:ln>
-            <a:noFill/>
-          </a:ln>
-        </p:spPr>
-        <p:style>
-          <a:lnRef idx="2">
-            <a:schemeClr val="accent1">
-              <a:shade val="50000"/>
-            </a:schemeClr>
-          </a:lnRef>
-          <a:fillRef idx="1">
-            <a:schemeClr val="accent1"/>
-          </a:fillRef>
-          <a:effectRef idx="0">
-            <a:schemeClr val="accent1"/>
-          </a:effectRef>
-          <a:fontRef idx="minor">
-            <a:schemeClr val="lt1"/>
-          </a:fontRef>
-        </p:style>
-        <p:txBody>
-          <a:bodyPr rtlCol="0" anchor="ctr"/>
-          <a:lstStyle/>
-          <a:p>
-            <a:pPr algn="ctr"/>
-            <a:endParaRPr lang="en-US"/>
-          </a:p>
-        </p:txBody>
-      </p:sp>
-      <p:sp>
-        <p:nvSpPr>
-          <p:cNvPr id="19" name="Freeform: Shape 18">
-            <a:extLst>
-              <a:ext uri="{FF2B5EF4-FFF2-40B4-BE49-F238E27FC236}">
-                <a16:creationId xmlns:a16="http://schemas.microsoft.com/office/drawing/2014/main" id="{9A97C86A-04D6-40F7-AE84-31AB43E6A846}"/>
-              </a:ext>
-              <a:ext uri="{C183D7F6-B498-43B3-948B-1728B52AA6E4}">
-                <adec:decorative xmlns:adec="http://schemas.microsoft.com/office/drawing/2017/decorative" val="1"/>
-              </a:ext>
-            </a:extLst>
-          </p:cNvPr>
-          <p:cNvSpPr>
-            <a:spLocks noGrp="1" noRot="1" noChangeAspect="1" noMove="1" noResize="1" noEditPoints="1" noAdjustHandles="1" noChangeArrowheads="1" noChangeShapeType="1" noTextEdit="1"/>
-          </p:cNvSpPr>
-          <p:nvPr>
-            <p:extLst>
-              <p:ext uri="{386F3935-93C4-4BCD-93E2-E3B085C9AB24}">
-                <p16:designElem xmlns:p16="http://schemas.microsoft.com/office/powerpoint/2015/main" val="1"/>
-              </p:ext>
-            </p:extLst>
-          </p:nvPr>
-        </p:nvSpPr>
-        <p:spPr>
-          <a:xfrm rot="10800000" flipH="1">
-            <a:off x="9356643" y="0"/>
-            <a:ext cx="2835357" cy="1480837"/>
-          </a:xfrm>
-          <a:custGeom>
-            <a:avLst/>
-            <a:gdLst>
-              <a:gd name="connsiteX0" fmla="*/ 2835357 w 2835357"/>
-              <a:gd name="connsiteY0" fmla="*/ 1480837 h 1480837"/>
-              <a:gd name="connsiteX1" fmla="*/ 0 w 2835357"/>
-              <a:gd name="connsiteY1" fmla="*/ 1480837 h 1480837"/>
-              <a:gd name="connsiteX2" fmla="*/ 1552727 w 2835357"/>
-              <a:gd name="connsiteY2" fmla="*/ 0 h 1480837"/>
-              <a:gd name="connsiteX3" fmla="*/ 2835357 w 2835357"/>
-              <a:gd name="connsiteY3" fmla="*/ 1223245 h 1480837"/>
-            </a:gdLst>
-            <a:ahLst/>
-            <a:cxnLst>
-              <a:cxn ang="0">
-                <a:pos x="connsiteX0" y="connsiteY0"/>
-              </a:cxn>
-              <a:cxn ang="0">
-                <a:pos x="connsiteX1" y="connsiteY1"/>
-              </a:cxn>
-              <a:cxn ang="0">
-                <a:pos x="connsiteX2" y="connsiteY2"/>
-              </a:cxn>
-              <a:cxn ang="0">
-                <a:pos x="connsiteX3" y="connsiteY3"/>
-              </a:cxn>
-            </a:cxnLst>
-            <a:rect l="l" t="t" r="r" b="b"/>
-            <a:pathLst>
-              <a:path w="2835357" h="1480837">
-                <a:moveTo>
-                  <a:pt x="2835357" y="1480837"/>
-                </a:moveTo>
-                <a:lnTo>
-                  <a:pt x="0" y="1480837"/>
-                </a:lnTo>
-                <a:lnTo>
-                  <a:pt x="1552727" y="0"/>
-                </a:lnTo>
-                <a:lnTo>
-                  <a:pt x="2835357" y="1223245"/>
-                </a:lnTo>
-                <a:close/>
-              </a:path>
-            </a:pathLst>
-          </a:custGeom>
-          <a:solidFill>
-            <a:schemeClr val="accent4">
-              <a:alpha val="30000"/>
-            </a:schemeClr>
-          </a:solidFill>
-          <a:ln>
-            <a:noFill/>
-          </a:ln>
-        </p:spPr>
-        <p:style>
-          <a:lnRef idx="2">
-            <a:schemeClr val="accent1">
-              <a:shade val="50000"/>
-            </a:schemeClr>
-          </a:lnRef>
-          <a:fillRef idx="1">
-            <a:schemeClr val="accent1"/>
-          </a:fillRef>
-          <a:effectRef idx="0">
-            <a:schemeClr val="accent1"/>
-          </a:effectRef>
-          <a:fontRef idx="minor">
-            <a:schemeClr val="lt1"/>
-          </a:fontRef>
-        </p:style>
-        <p:txBody>
-          <a:bodyPr wrap="square" rtlCol="0" anchor="ctr">
-            <a:noAutofit/>
-          </a:bodyPr>
-          <a:lstStyle/>
-          <a:p>
-            <a:pPr algn="ctr"/>
-            <a:endParaRPr lang="en-US" dirty="0"/>
-          </a:p>
-        </p:txBody>
-      </p:sp>
-      <p:sp>
-        <p:nvSpPr>
-          <p:cNvPr id="21" name="Isosceles Triangle 20">
-            <a:extLst>
-              <a:ext uri="{FF2B5EF4-FFF2-40B4-BE49-F238E27FC236}">
-                <a16:creationId xmlns:a16="http://schemas.microsoft.com/office/drawing/2014/main" id="{FF9F2414-84E8-453E-B1F3-389FDE8192D9}"/>
-              </a:ext>
-              <a:ext uri="{C183D7F6-B498-43B3-948B-1728B52AA6E4}">
-                <adec:decorative xmlns:adec="http://schemas.microsoft.com/office/drawing/2017/decorative" val="1"/>
-              </a:ext>
-            </a:extLst>
-          </p:cNvPr>
-          <p:cNvSpPr>
-            <a:spLocks noGrp="1" noRot="1" noChangeAspect="1" noMove="1" noResize="1" noEditPoints="1" noAdjustHandles="1" noChangeArrowheads="1" noChangeShapeType="1" noTextEdit="1"/>
-          </p:cNvSpPr>
-          <p:nvPr>
-            <p:extLst>
-              <p:ext uri="{386F3935-93C4-4BCD-93E2-E3B085C9AB24}">
-                <p16:designElem xmlns:p16="http://schemas.microsoft.com/office/powerpoint/2015/main" val="1"/>
-              </p:ext>
-            </p:extLst>
-          </p:nvPr>
-        </p:nvSpPr>
-        <p:spPr>
-          <a:xfrm flipH="1">
-            <a:off x="7976344" y="6115501"/>
-            <a:ext cx="1494513" cy="742499"/>
-          </a:xfrm>
-          <a:prstGeom prst="triangle">
-            <a:avLst/>
-          </a:prstGeom>
-          <a:solidFill>
-            <a:schemeClr val="accent1">
-              <a:alpha val="30000"/>
-            </a:schemeClr>
-          </a:solidFill>
-          <a:ln>
-            <a:noFill/>
-          </a:ln>
-        </p:spPr>
-        <p:style>
-          <a:lnRef idx="2">
-            <a:schemeClr val="accent1">
-              <a:shade val="50000"/>
-            </a:schemeClr>
-          </a:lnRef>
-          <a:fillRef idx="1">
-            <a:schemeClr val="accent1"/>
-          </a:fillRef>
-          <a:effectRef idx="0">
-            <a:schemeClr val="accent1"/>
-          </a:effectRef>
-          <a:fontRef idx="minor">
-            <a:schemeClr val="lt1"/>
-          </a:fontRef>
-        </p:style>
-        <p:txBody>
-          <a:bodyPr rtlCol="0" anchor="ctr"/>
-          <a:lstStyle/>
-          <a:p>
-            <a:pPr algn="ctr"/>
-            <a:endParaRPr lang="en-US"/>
-          </a:p>
-        </p:txBody>
-      </p:sp>
-      <p:sp>
-        <p:nvSpPr>
-          <p:cNvPr id="23" name="Isosceles Triangle 22">
-            <a:extLst>
-              <a:ext uri="{FF2B5EF4-FFF2-40B4-BE49-F238E27FC236}">
-                <a16:creationId xmlns:a16="http://schemas.microsoft.com/office/drawing/2014/main" id="{3ECA69A1-7536-43AC-85EF-C7106179F5ED}"/>
-              </a:ext>
-              <a:ext uri="{C183D7F6-B498-43B3-948B-1728B52AA6E4}">
-                <adec:decorative xmlns:adec="http://schemas.microsoft.com/office/drawing/2017/decorative" val="1"/>
-              </a:ext>
-            </a:extLst>
-          </p:cNvPr>
-          <p:cNvSpPr>
-            <a:spLocks noGrp="1" noRot="1" noChangeAspect="1" noMove="1" noResize="1" noEditPoints="1" noAdjustHandles="1" noChangeArrowheads="1" noChangeShapeType="1" noTextEdit="1"/>
-          </p:cNvSpPr>
-          <p:nvPr>
-            <p:extLst>
-              <p:ext uri="{386F3935-93C4-4BCD-93E2-E3B085C9AB24}">
-                <p16:designElem xmlns:p16="http://schemas.microsoft.com/office/powerpoint/2015/main" val="1"/>
-              </p:ext>
-            </p:extLst>
-          </p:nvPr>
-        </p:nvSpPr>
-        <p:spPr>
-          <a:xfrm flipH="1">
-            <a:off x="7604080" y="6453143"/>
-            <a:ext cx="814903" cy="404857"/>
-          </a:xfrm>
-          <a:prstGeom prst="triangle">
-            <a:avLst/>
-          </a:prstGeom>
-          <a:solidFill>
-            <a:schemeClr val="accent1">
-              <a:alpha val="30000"/>
-            </a:schemeClr>
-          </a:solidFill>
-          <a:ln>
-            <a:noFill/>
-          </a:ln>
-        </p:spPr>
-        <p:style>
-          <a:lnRef idx="2">
-            <a:schemeClr val="accent1">
-              <a:shade val="50000"/>
-            </a:schemeClr>
-          </a:lnRef>
-          <a:fillRef idx="1">
-            <a:schemeClr val="accent1"/>
-          </a:fillRef>
-          <a:effectRef idx="0">
-            <a:schemeClr val="accent1"/>
-          </a:effectRef>
-          <a:fontRef idx="minor">
-            <a:schemeClr val="lt1"/>
-          </a:fontRef>
-        </p:style>
-        <p:txBody>
-          <a:bodyPr rtlCol="0" anchor="ctr"/>
-          <a:lstStyle/>
-          <a:p>
-            <a:pPr algn="ctr"/>
-            <a:endParaRPr lang="en-US"/>
-          </a:p>
-        </p:txBody>
-      </p:sp>
-      <p:pic>
-        <p:nvPicPr>
-          <p:cNvPr id="4" name="Picture 3" descr="A black screen with a black background&#10;&#10;AI-generated content may be incorrect.">
-            <a:extLst>
-              <a:ext uri="{FF2B5EF4-FFF2-40B4-BE49-F238E27FC236}">
-                <a16:creationId xmlns:a16="http://schemas.microsoft.com/office/drawing/2014/main" id="{014BE5EF-3106-8054-5130-E8BF4DFA8311}"/>
-              </a:ext>
-            </a:extLst>
-          </p:cNvPr>
-          <p:cNvPicPr>
-            <a:picLocks noChangeAspect="1"/>
-          </p:cNvPicPr>
-          <p:nvPr/>
-        </p:nvPicPr>
-        <p:blipFill>
-          <a:blip r:embed="rId2">
-            <a:extLst>
-              <a:ext uri="{28A0092B-C50C-407E-A947-70E740481C1C}">
-                <a14:useLocalDpi xmlns:a14="http://schemas.microsoft.com/office/drawing/2010/main" val="0"/>
-              </a:ext>
-            </a:extLst>
-          </a:blip>
-          <a:stretch>
-            <a:fillRect/>
-          </a:stretch>
-        </p:blipFill>
-        <p:spPr>
-          <a:xfrm>
-            <a:off x="629728" y="647697"/>
-            <a:ext cx="10804292" cy="5680292"/>
-          </a:xfrm>
-          <a:prstGeom prst="rect">
-            <a:avLst/>
-          </a:prstGeom>
-        </p:spPr>
-      </p:pic>
-      <p:pic>
-        <p:nvPicPr>
-          <p:cNvPr id="3" name="Picture 2" descr="A screenshot of a computer&#10;&#10;AI-generated content may be incorrect.">
-            <a:extLst>
-              <a:ext uri="{FF2B5EF4-FFF2-40B4-BE49-F238E27FC236}">
                 <a16:creationId xmlns:a16="http://schemas.microsoft.com/office/drawing/2014/main" id="{86D5E2F6-4046-03C6-CC16-7FCA480C6009}"/>
               </a:ext>
             </a:extLst>
@@ -20847,7 +20527,7 @@
 </p:sld>
 </file>
 
-<file path=ppt/slides/slide28.xml><?xml version="1.0" encoding="utf-8"?>
+<file path=ppt/slides/slide27.xml><?xml version="1.0" encoding="utf-8"?>
 <p:sld xmlns:a="http://schemas.openxmlformats.org/drawingml/2006/main" xmlns:r="http://schemas.openxmlformats.org/officeDocument/2006/relationships" xmlns:p="http://schemas.openxmlformats.org/presentationml/2006/main">
   <p:cSld>
     <p:bg>
@@ -21604,7 +21284,7 @@
 </p:sld>
 </file>
 
-<file path=ppt/slides/slide29.xml><?xml version="1.0" encoding="utf-8"?>
+<file path=ppt/slides/slide28.xml><?xml version="1.0" encoding="utf-8"?>
 <p:sld xmlns:a="http://schemas.openxmlformats.org/drawingml/2006/main" xmlns:r="http://schemas.openxmlformats.org/officeDocument/2006/relationships" xmlns:p="http://schemas.openxmlformats.org/presentationml/2006/main">
   <p:cSld>
     <p:bg>
@@ -22322,6 +22002,801 @@
     <p:extLst>
       <p:ext uri="{BB962C8B-B14F-4D97-AF65-F5344CB8AC3E}">
         <p14:creationId xmlns:p14="http://schemas.microsoft.com/office/powerpoint/2010/main" val="3788495113"/>
+      </p:ext>
+    </p:extLst>
+  </p:cSld>
+  <p:clrMapOvr>
+    <a:masterClrMapping/>
+  </p:clrMapOvr>
+  <mc:AlternateContent xmlns:mc="http://schemas.openxmlformats.org/markup-compatibility/2006" xmlns:p14="http://schemas.microsoft.com/office/powerpoint/2010/main">
+    <mc:Choice Requires="p14">
+      <p:transition spd="med" p14:dur="700">
+        <p:fade/>
+      </p:transition>
+    </mc:Choice>
+    <mc:Fallback xmlns="">
+      <p:transition spd="med">
+        <p:fade/>
+      </p:transition>
+    </mc:Fallback>
+  </mc:AlternateContent>
+</p:sld>
+</file>
+
+<file path=ppt/slides/slide29.xml><?xml version="1.0" encoding="utf-8"?>
+<p:sld xmlns:a="http://schemas.openxmlformats.org/drawingml/2006/main" xmlns:r="http://schemas.openxmlformats.org/officeDocument/2006/relationships" xmlns:p="http://schemas.openxmlformats.org/presentationml/2006/main">
+  <p:cSld>
+    <p:bg>
+      <p:bgPr>
+        <a:solidFill>
+          <a:schemeClr val="bg1"/>
+        </a:solidFill>
+        <a:effectLst/>
+      </p:bgPr>
+    </p:bg>
+    <p:spTree>
+      <p:nvGrpSpPr>
+        <p:cNvPr id="1" name=""/>
+        <p:cNvGrpSpPr/>
+        <p:nvPr/>
+      </p:nvGrpSpPr>
+      <p:grpSpPr>
+        <a:xfrm>
+          <a:off x="0" y="0"/>
+          <a:ext cx="0" cy="0"/>
+          <a:chOff x="0" y="0"/>
+          <a:chExt cx="0" cy="0"/>
+        </a:xfrm>
+      </p:grpSpPr>
+      <p:sp>
+        <p:nvSpPr>
+          <p:cNvPr id="11" name="Rectangle 10">
+            <a:extLst>
+              <a:ext uri="{FF2B5EF4-FFF2-40B4-BE49-F238E27FC236}">
+                <a16:creationId xmlns:a16="http://schemas.microsoft.com/office/drawing/2014/main" id="{F3060C83-F051-4F0E-ABAD-AA0DFC48B218}"/>
+              </a:ext>
+              <a:ext uri="{C183D7F6-B498-43B3-948B-1728B52AA6E4}">
+                <adec:decorative xmlns:adec="http://schemas.microsoft.com/office/drawing/2017/decorative" val="1"/>
+              </a:ext>
+            </a:extLst>
+          </p:cNvPr>
+          <p:cNvSpPr>
+            <a:spLocks noGrp="1" noRot="1" noChangeAspect="1" noMove="1" noResize="1" noEditPoints="1" noAdjustHandles="1" noChangeArrowheads="1" noChangeShapeType="1" noTextEdit="1"/>
+          </p:cNvSpPr>
+          <p:nvPr>
+            <p:extLst>
+              <p:ext uri="{386F3935-93C4-4BCD-93E2-E3B085C9AB24}">
+                <p16:designElem xmlns:p16="http://schemas.microsoft.com/office/powerpoint/2015/main" val="1"/>
+              </p:ext>
+            </p:extLst>
+          </p:nvPr>
+        </p:nvSpPr>
+        <p:spPr>
+          <a:xfrm>
+            <a:off x="0" y="0"/>
+            <a:ext cx="12192000" cy="6858000"/>
+          </a:xfrm>
+          <a:prstGeom prst="rect">
+            <a:avLst/>
+          </a:prstGeom>
+          <a:solidFill>
+            <a:schemeClr val="bg1"/>
+          </a:solidFill>
+          <a:ln>
+            <a:noFill/>
+          </a:ln>
+        </p:spPr>
+        <p:style>
+          <a:lnRef idx="2">
+            <a:schemeClr val="accent1">
+              <a:shade val="50000"/>
+            </a:schemeClr>
+          </a:lnRef>
+          <a:fillRef idx="1">
+            <a:schemeClr val="accent1"/>
+          </a:fillRef>
+          <a:effectRef idx="0">
+            <a:schemeClr val="accent1"/>
+          </a:effectRef>
+          <a:fontRef idx="minor">
+            <a:schemeClr val="lt1"/>
+          </a:fontRef>
+        </p:style>
+        <p:txBody>
+          <a:bodyPr rtlCol="0" anchor="ctr"/>
+          <a:lstStyle/>
+          <a:p>
+            <a:pPr algn="ctr"/>
+            <a:endParaRPr lang="en-US" dirty="0"/>
+          </a:p>
+        </p:txBody>
+      </p:sp>
+      <p:sp>
+        <p:nvSpPr>
+          <p:cNvPr id="13" name="Freeform: Shape 12">
+            <a:extLst>
+              <a:ext uri="{FF2B5EF4-FFF2-40B4-BE49-F238E27FC236}">
+                <a16:creationId xmlns:a16="http://schemas.microsoft.com/office/drawing/2014/main" id="{83C98ABE-055B-441F-B07E-44F97F083C39}"/>
+              </a:ext>
+              <a:ext uri="{C183D7F6-B498-43B3-948B-1728B52AA6E4}">
+                <adec:decorative xmlns:adec="http://schemas.microsoft.com/office/drawing/2017/decorative" val="1"/>
+              </a:ext>
+            </a:extLst>
+          </p:cNvPr>
+          <p:cNvSpPr>
+            <a:spLocks noGrp="1" noRot="1" noChangeAspect="1" noMove="1" noResize="1" noEditPoints="1" noAdjustHandles="1" noChangeArrowheads="1" noChangeShapeType="1" noTextEdit="1"/>
+          </p:cNvSpPr>
+          <p:nvPr>
+            <p:extLst>
+              <p:ext uri="{386F3935-93C4-4BCD-93E2-E3B085C9AB24}">
+                <p16:designElem xmlns:p16="http://schemas.microsoft.com/office/powerpoint/2015/main" val="1"/>
+              </p:ext>
+            </p:extLst>
+          </p:nvPr>
+        </p:nvSpPr>
+        <p:spPr>
+          <a:xfrm rot="18900000" flipH="1">
+            <a:off x="-376156" y="-253670"/>
+            <a:ext cx="1827638" cy="1376989"/>
+          </a:xfrm>
+          <a:custGeom>
+            <a:avLst/>
+            <a:gdLst>
+              <a:gd name="connsiteX0" fmla="*/ 0 w 1827638"/>
+              <a:gd name="connsiteY0" fmla="*/ 987379 h 1376989"/>
+              <a:gd name="connsiteX1" fmla="*/ 987379 w 1827638"/>
+              <a:gd name="connsiteY1" fmla="*/ 0 h 1376989"/>
+              <a:gd name="connsiteX2" fmla="*/ 1827638 w 1827638"/>
+              <a:gd name="connsiteY2" fmla="*/ 840260 h 1376989"/>
+              <a:gd name="connsiteX3" fmla="*/ 1827638 w 1827638"/>
+              <a:gd name="connsiteY3" fmla="*/ 1376989 h 1376989"/>
+              <a:gd name="connsiteX4" fmla="*/ 0 w 1827638"/>
+              <a:gd name="connsiteY4" fmla="*/ 1376989 h 1376989"/>
+            </a:gdLst>
+            <a:ahLst/>
+            <a:cxnLst>
+              <a:cxn ang="0">
+                <a:pos x="connsiteX0" y="connsiteY0"/>
+              </a:cxn>
+              <a:cxn ang="0">
+                <a:pos x="connsiteX1" y="connsiteY1"/>
+              </a:cxn>
+              <a:cxn ang="0">
+                <a:pos x="connsiteX2" y="connsiteY2"/>
+              </a:cxn>
+              <a:cxn ang="0">
+                <a:pos x="connsiteX3" y="connsiteY3"/>
+              </a:cxn>
+              <a:cxn ang="0">
+                <a:pos x="connsiteX4" y="connsiteY4"/>
+              </a:cxn>
+            </a:cxnLst>
+            <a:rect l="l" t="t" r="r" b="b"/>
+            <a:pathLst>
+              <a:path w="1827638" h="1376989">
+                <a:moveTo>
+                  <a:pt x="0" y="987379"/>
+                </a:moveTo>
+                <a:lnTo>
+                  <a:pt x="987379" y="0"/>
+                </a:lnTo>
+                <a:lnTo>
+                  <a:pt x="1827638" y="840260"/>
+                </a:lnTo>
+                <a:lnTo>
+                  <a:pt x="1827638" y="1376989"/>
+                </a:lnTo>
+                <a:lnTo>
+                  <a:pt x="0" y="1376989"/>
+                </a:lnTo>
+                <a:close/>
+              </a:path>
+            </a:pathLst>
+          </a:custGeom>
+          <a:solidFill>
+            <a:schemeClr val="accent1">
+              <a:alpha val="30000"/>
+            </a:schemeClr>
+          </a:solidFill>
+          <a:ln>
+            <a:noFill/>
+          </a:ln>
+        </p:spPr>
+        <p:style>
+          <a:lnRef idx="2">
+            <a:schemeClr val="accent1">
+              <a:shade val="50000"/>
+            </a:schemeClr>
+          </a:lnRef>
+          <a:fillRef idx="1">
+            <a:schemeClr val="accent1"/>
+          </a:fillRef>
+          <a:effectRef idx="0">
+            <a:schemeClr val="accent1"/>
+          </a:effectRef>
+          <a:fontRef idx="minor">
+            <a:schemeClr val="lt1"/>
+          </a:fontRef>
+        </p:style>
+        <p:txBody>
+          <a:bodyPr rtlCol="0" anchor="ctr"/>
+          <a:lstStyle/>
+          <a:p>
+            <a:pPr algn="ctr"/>
+            <a:endParaRPr lang="en-US" dirty="0"/>
+          </a:p>
+        </p:txBody>
+      </p:sp>
+      <p:sp>
+        <p:nvSpPr>
+          <p:cNvPr id="15" name="Rectangle 14">
+            <a:extLst>
+              <a:ext uri="{FF2B5EF4-FFF2-40B4-BE49-F238E27FC236}">
+                <a16:creationId xmlns:a16="http://schemas.microsoft.com/office/drawing/2014/main" id="{29FDB030-9B49-4CED-8CCD-4D99382388AC}"/>
+              </a:ext>
+              <a:ext uri="{C183D7F6-B498-43B3-948B-1728B52AA6E4}">
+                <adec:decorative xmlns:adec="http://schemas.microsoft.com/office/drawing/2017/decorative" val="1"/>
+              </a:ext>
+            </a:extLst>
+          </p:cNvPr>
+          <p:cNvSpPr>
+            <a:spLocks noGrp="1" noRot="1" noChangeAspect="1" noMove="1" noResize="1" noEditPoints="1" noAdjustHandles="1" noChangeArrowheads="1" noChangeShapeType="1" noTextEdit="1"/>
+          </p:cNvSpPr>
+          <p:nvPr>
+            <p:extLst>
+              <p:ext uri="{386F3935-93C4-4BCD-93E2-E3B085C9AB24}">
+                <p16:designElem xmlns:p16="http://schemas.microsoft.com/office/powerpoint/2015/main" val="1"/>
+              </p:ext>
+            </p:extLst>
+          </p:nvPr>
+        </p:nvSpPr>
+        <p:spPr>
+          <a:xfrm rot="18900000" flipH="1">
+            <a:off x="891641" y="422146"/>
+            <a:ext cx="645368" cy="645368"/>
+          </a:xfrm>
+          <a:prstGeom prst="rect">
+            <a:avLst/>
+          </a:prstGeom>
+          <a:solidFill>
+            <a:schemeClr val="accent1">
+              <a:alpha val="30000"/>
+            </a:schemeClr>
+          </a:solidFill>
+          <a:ln>
+            <a:noFill/>
+          </a:ln>
+        </p:spPr>
+        <p:style>
+          <a:lnRef idx="2">
+            <a:schemeClr val="accent1">
+              <a:shade val="50000"/>
+            </a:schemeClr>
+          </a:lnRef>
+          <a:fillRef idx="1">
+            <a:schemeClr val="accent1"/>
+          </a:fillRef>
+          <a:effectRef idx="0">
+            <a:schemeClr val="accent1"/>
+          </a:effectRef>
+          <a:fontRef idx="minor">
+            <a:schemeClr val="lt1"/>
+          </a:fontRef>
+        </p:style>
+        <p:txBody>
+          <a:bodyPr rtlCol="0" anchor="ctr"/>
+          <a:lstStyle/>
+          <a:p>
+            <a:pPr algn="ctr"/>
+            <a:endParaRPr lang="en-US"/>
+          </a:p>
+        </p:txBody>
+      </p:sp>
+      <p:sp>
+        <p:nvSpPr>
+          <p:cNvPr id="17" name="Rectangle 16">
+            <a:extLst>
+              <a:ext uri="{FF2B5EF4-FFF2-40B4-BE49-F238E27FC236}">
+                <a16:creationId xmlns:a16="http://schemas.microsoft.com/office/drawing/2014/main" id="{3783CA14-24A1-485C-8B30-D6A5D87987AD}"/>
+              </a:ext>
+              <a:ext uri="{C183D7F6-B498-43B3-948B-1728B52AA6E4}">
+                <adec:decorative xmlns:adec="http://schemas.microsoft.com/office/drawing/2017/decorative" val="1"/>
+              </a:ext>
+            </a:extLst>
+          </p:cNvPr>
+          <p:cNvSpPr>
+            <a:spLocks noGrp="1" noRot="1" noChangeAspect="1" noMove="1" noResize="1" noEditPoints="1" noAdjustHandles="1" noChangeArrowheads="1" noChangeShapeType="1" noTextEdit="1"/>
+          </p:cNvSpPr>
+          <p:nvPr>
+            <p:extLst>
+              <p:ext uri="{386F3935-93C4-4BCD-93E2-E3B085C9AB24}">
+                <p16:designElem xmlns:p16="http://schemas.microsoft.com/office/powerpoint/2015/main" val="1"/>
+              </p:ext>
+            </p:extLst>
+          </p:nvPr>
+        </p:nvSpPr>
+        <p:spPr>
+          <a:xfrm rot="18900000" flipH="1">
+            <a:off x="10043482" y="655140"/>
+            <a:ext cx="687472" cy="687472"/>
+          </a:xfrm>
+          <a:prstGeom prst="rect">
+            <a:avLst/>
+          </a:prstGeom>
+          <a:solidFill>
+            <a:schemeClr val="accent4">
+              <a:alpha val="30000"/>
+            </a:schemeClr>
+          </a:solidFill>
+          <a:ln>
+            <a:noFill/>
+          </a:ln>
+        </p:spPr>
+        <p:style>
+          <a:lnRef idx="2">
+            <a:schemeClr val="accent1">
+              <a:shade val="50000"/>
+            </a:schemeClr>
+          </a:lnRef>
+          <a:fillRef idx="1">
+            <a:schemeClr val="accent1"/>
+          </a:fillRef>
+          <a:effectRef idx="0">
+            <a:schemeClr val="accent1"/>
+          </a:effectRef>
+          <a:fontRef idx="minor">
+            <a:schemeClr val="lt1"/>
+          </a:fontRef>
+        </p:style>
+        <p:txBody>
+          <a:bodyPr rtlCol="0" anchor="ctr"/>
+          <a:lstStyle/>
+          <a:p>
+            <a:pPr algn="ctr"/>
+            <a:endParaRPr lang="en-US"/>
+          </a:p>
+        </p:txBody>
+      </p:sp>
+      <p:sp>
+        <p:nvSpPr>
+          <p:cNvPr id="19" name="Freeform: Shape 18">
+            <a:extLst>
+              <a:ext uri="{FF2B5EF4-FFF2-40B4-BE49-F238E27FC236}">
+                <a16:creationId xmlns:a16="http://schemas.microsoft.com/office/drawing/2014/main" id="{9A97C86A-04D6-40F7-AE84-31AB43E6A846}"/>
+              </a:ext>
+              <a:ext uri="{C183D7F6-B498-43B3-948B-1728B52AA6E4}">
+                <adec:decorative xmlns:adec="http://schemas.microsoft.com/office/drawing/2017/decorative" val="1"/>
+              </a:ext>
+            </a:extLst>
+          </p:cNvPr>
+          <p:cNvSpPr>
+            <a:spLocks noGrp="1" noRot="1" noChangeAspect="1" noMove="1" noResize="1" noEditPoints="1" noAdjustHandles="1" noChangeArrowheads="1" noChangeShapeType="1" noTextEdit="1"/>
+          </p:cNvSpPr>
+          <p:nvPr>
+            <p:extLst>
+              <p:ext uri="{386F3935-93C4-4BCD-93E2-E3B085C9AB24}">
+                <p16:designElem xmlns:p16="http://schemas.microsoft.com/office/powerpoint/2015/main" val="1"/>
+              </p:ext>
+            </p:extLst>
+          </p:nvPr>
+        </p:nvSpPr>
+        <p:spPr>
+          <a:xfrm rot="10800000" flipH="1">
+            <a:off x="9356643" y="0"/>
+            <a:ext cx="2835357" cy="1480837"/>
+          </a:xfrm>
+          <a:custGeom>
+            <a:avLst/>
+            <a:gdLst>
+              <a:gd name="connsiteX0" fmla="*/ 2835357 w 2835357"/>
+              <a:gd name="connsiteY0" fmla="*/ 1480837 h 1480837"/>
+              <a:gd name="connsiteX1" fmla="*/ 0 w 2835357"/>
+              <a:gd name="connsiteY1" fmla="*/ 1480837 h 1480837"/>
+              <a:gd name="connsiteX2" fmla="*/ 1552727 w 2835357"/>
+              <a:gd name="connsiteY2" fmla="*/ 0 h 1480837"/>
+              <a:gd name="connsiteX3" fmla="*/ 2835357 w 2835357"/>
+              <a:gd name="connsiteY3" fmla="*/ 1223245 h 1480837"/>
+            </a:gdLst>
+            <a:ahLst/>
+            <a:cxnLst>
+              <a:cxn ang="0">
+                <a:pos x="connsiteX0" y="connsiteY0"/>
+              </a:cxn>
+              <a:cxn ang="0">
+                <a:pos x="connsiteX1" y="connsiteY1"/>
+              </a:cxn>
+              <a:cxn ang="0">
+                <a:pos x="connsiteX2" y="connsiteY2"/>
+              </a:cxn>
+              <a:cxn ang="0">
+                <a:pos x="connsiteX3" y="connsiteY3"/>
+              </a:cxn>
+            </a:cxnLst>
+            <a:rect l="l" t="t" r="r" b="b"/>
+            <a:pathLst>
+              <a:path w="2835357" h="1480837">
+                <a:moveTo>
+                  <a:pt x="2835357" y="1480837"/>
+                </a:moveTo>
+                <a:lnTo>
+                  <a:pt x="0" y="1480837"/>
+                </a:lnTo>
+                <a:lnTo>
+                  <a:pt x="1552727" y="0"/>
+                </a:lnTo>
+                <a:lnTo>
+                  <a:pt x="2835357" y="1223245"/>
+                </a:lnTo>
+                <a:close/>
+              </a:path>
+            </a:pathLst>
+          </a:custGeom>
+          <a:solidFill>
+            <a:schemeClr val="accent4">
+              <a:alpha val="30000"/>
+            </a:schemeClr>
+          </a:solidFill>
+          <a:ln>
+            <a:noFill/>
+          </a:ln>
+        </p:spPr>
+        <p:style>
+          <a:lnRef idx="2">
+            <a:schemeClr val="accent1">
+              <a:shade val="50000"/>
+            </a:schemeClr>
+          </a:lnRef>
+          <a:fillRef idx="1">
+            <a:schemeClr val="accent1"/>
+          </a:fillRef>
+          <a:effectRef idx="0">
+            <a:schemeClr val="accent1"/>
+          </a:effectRef>
+          <a:fontRef idx="minor">
+            <a:schemeClr val="lt1"/>
+          </a:fontRef>
+        </p:style>
+        <p:txBody>
+          <a:bodyPr wrap="square" rtlCol="0" anchor="ctr">
+            <a:noAutofit/>
+          </a:bodyPr>
+          <a:lstStyle/>
+          <a:p>
+            <a:pPr algn="ctr"/>
+            <a:endParaRPr lang="en-US" dirty="0"/>
+          </a:p>
+        </p:txBody>
+      </p:sp>
+      <p:sp>
+        <p:nvSpPr>
+          <p:cNvPr id="21" name="Isosceles Triangle 20">
+            <a:extLst>
+              <a:ext uri="{FF2B5EF4-FFF2-40B4-BE49-F238E27FC236}">
+                <a16:creationId xmlns:a16="http://schemas.microsoft.com/office/drawing/2014/main" id="{FF9F2414-84E8-453E-B1F3-389FDE8192D9}"/>
+              </a:ext>
+              <a:ext uri="{C183D7F6-B498-43B3-948B-1728B52AA6E4}">
+                <adec:decorative xmlns:adec="http://schemas.microsoft.com/office/drawing/2017/decorative" val="1"/>
+              </a:ext>
+            </a:extLst>
+          </p:cNvPr>
+          <p:cNvSpPr>
+            <a:spLocks noGrp="1" noRot="1" noChangeAspect="1" noMove="1" noResize="1" noEditPoints="1" noAdjustHandles="1" noChangeArrowheads="1" noChangeShapeType="1" noTextEdit="1"/>
+          </p:cNvSpPr>
+          <p:nvPr>
+            <p:extLst>
+              <p:ext uri="{386F3935-93C4-4BCD-93E2-E3B085C9AB24}">
+                <p16:designElem xmlns:p16="http://schemas.microsoft.com/office/powerpoint/2015/main" val="1"/>
+              </p:ext>
+            </p:extLst>
+          </p:nvPr>
+        </p:nvSpPr>
+        <p:spPr>
+          <a:xfrm flipH="1">
+            <a:off x="7976344" y="6115501"/>
+            <a:ext cx="1494513" cy="742499"/>
+          </a:xfrm>
+          <a:prstGeom prst="triangle">
+            <a:avLst/>
+          </a:prstGeom>
+          <a:solidFill>
+            <a:schemeClr val="accent1">
+              <a:alpha val="30000"/>
+            </a:schemeClr>
+          </a:solidFill>
+          <a:ln>
+            <a:noFill/>
+          </a:ln>
+        </p:spPr>
+        <p:style>
+          <a:lnRef idx="2">
+            <a:schemeClr val="accent1">
+              <a:shade val="50000"/>
+            </a:schemeClr>
+          </a:lnRef>
+          <a:fillRef idx="1">
+            <a:schemeClr val="accent1"/>
+          </a:fillRef>
+          <a:effectRef idx="0">
+            <a:schemeClr val="accent1"/>
+          </a:effectRef>
+          <a:fontRef idx="minor">
+            <a:schemeClr val="lt1"/>
+          </a:fontRef>
+        </p:style>
+        <p:txBody>
+          <a:bodyPr rtlCol="0" anchor="ctr"/>
+          <a:lstStyle/>
+          <a:p>
+            <a:pPr algn="ctr"/>
+            <a:endParaRPr lang="en-US"/>
+          </a:p>
+        </p:txBody>
+      </p:sp>
+      <p:sp>
+        <p:nvSpPr>
+          <p:cNvPr id="23" name="Isosceles Triangle 22">
+            <a:extLst>
+              <a:ext uri="{FF2B5EF4-FFF2-40B4-BE49-F238E27FC236}">
+                <a16:creationId xmlns:a16="http://schemas.microsoft.com/office/drawing/2014/main" id="{3ECA69A1-7536-43AC-85EF-C7106179F5ED}"/>
+              </a:ext>
+              <a:ext uri="{C183D7F6-B498-43B3-948B-1728B52AA6E4}">
+                <adec:decorative xmlns:adec="http://schemas.microsoft.com/office/drawing/2017/decorative" val="1"/>
+              </a:ext>
+            </a:extLst>
+          </p:cNvPr>
+          <p:cNvSpPr>
+            <a:spLocks noGrp="1" noRot="1" noChangeAspect="1" noMove="1" noResize="1" noEditPoints="1" noAdjustHandles="1" noChangeArrowheads="1" noChangeShapeType="1" noTextEdit="1"/>
+          </p:cNvSpPr>
+          <p:nvPr>
+            <p:extLst>
+              <p:ext uri="{386F3935-93C4-4BCD-93E2-E3B085C9AB24}">
+                <p16:designElem xmlns:p16="http://schemas.microsoft.com/office/powerpoint/2015/main" val="1"/>
+              </p:ext>
+            </p:extLst>
+          </p:nvPr>
+        </p:nvSpPr>
+        <p:spPr>
+          <a:xfrm flipH="1">
+            <a:off x="7604080" y="6453143"/>
+            <a:ext cx="814903" cy="404857"/>
+          </a:xfrm>
+          <a:prstGeom prst="triangle">
+            <a:avLst/>
+          </a:prstGeom>
+          <a:solidFill>
+            <a:schemeClr val="accent1">
+              <a:alpha val="30000"/>
+            </a:schemeClr>
+          </a:solidFill>
+          <a:ln>
+            <a:noFill/>
+          </a:ln>
+        </p:spPr>
+        <p:style>
+          <a:lnRef idx="2">
+            <a:schemeClr val="accent1">
+              <a:shade val="50000"/>
+            </a:schemeClr>
+          </a:lnRef>
+          <a:fillRef idx="1">
+            <a:schemeClr val="accent1"/>
+          </a:fillRef>
+          <a:effectRef idx="0">
+            <a:schemeClr val="accent1"/>
+          </a:effectRef>
+          <a:fontRef idx="minor">
+            <a:schemeClr val="lt1"/>
+          </a:fontRef>
+        </p:style>
+        <p:txBody>
+          <a:bodyPr rtlCol="0" anchor="ctr"/>
+          <a:lstStyle/>
+          <a:p>
+            <a:pPr algn="ctr"/>
+            <a:endParaRPr lang="en-US"/>
+          </a:p>
+        </p:txBody>
+      </p:sp>
+      <p:pic>
+        <p:nvPicPr>
+          <p:cNvPr id="4" name="Picture 3" descr="A black screen with a black background&#10;&#10;AI-generated content may be incorrect.">
+            <a:extLst>
+              <a:ext uri="{FF2B5EF4-FFF2-40B4-BE49-F238E27FC236}">
+                <a16:creationId xmlns:a16="http://schemas.microsoft.com/office/drawing/2014/main" id="{014BE5EF-3106-8054-5130-E8BF4DFA8311}"/>
+              </a:ext>
+            </a:extLst>
+          </p:cNvPr>
+          <p:cNvPicPr>
+            <a:picLocks noChangeAspect="1"/>
+          </p:cNvPicPr>
+          <p:nvPr/>
+        </p:nvPicPr>
+        <p:blipFill>
+          <a:blip r:embed="rId2">
+            <a:extLst>
+              <a:ext uri="{28A0092B-C50C-407E-A947-70E740481C1C}">
+                <a14:useLocalDpi xmlns:a14="http://schemas.microsoft.com/office/drawing/2010/main" val="0"/>
+              </a:ext>
+            </a:extLst>
+          </a:blip>
+          <a:stretch>
+            <a:fillRect/>
+          </a:stretch>
+        </p:blipFill>
+        <p:spPr>
+          <a:xfrm>
+            <a:off x="629728" y="647697"/>
+            <a:ext cx="10804292" cy="5680292"/>
+          </a:xfrm>
+          <a:prstGeom prst="rect">
+            <a:avLst/>
+          </a:prstGeom>
+        </p:spPr>
+      </p:pic>
+      <p:sp>
+        <p:nvSpPr>
+          <p:cNvPr id="3" name="TextBox 2">
+            <a:extLst>
+              <a:ext uri="{FF2B5EF4-FFF2-40B4-BE49-F238E27FC236}">
+                <a16:creationId xmlns:a16="http://schemas.microsoft.com/office/drawing/2014/main" id="{E06B931A-545B-FD4E-7D3F-E790D916661C}"/>
+              </a:ext>
+            </a:extLst>
+          </p:cNvPr>
+          <p:cNvSpPr txBox="1"/>
+          <p:nvPr/>
+        </p:nvSpPr>
+        <p:spPr>
+          <a:xfrm>
+            <a:off x="2982437" y="59208"/>
+            <a:ext cx="6098874" cy="375616"/>
+          </a:xfrm>
+          <a:prstGeom prst="rect">
+            <a:avLst/>
+          </a:prstGeom>
+          <a:noFill/>
+        </p:spPr>
+        <p:txBody>
+          <a:bodyPr wrap="square">
+            <a:spAutoFit/>
+          </a:bodyPr>
+          <a:lstStyle/>
+          <a:p>
+            <a:pPr marL="342900" marR="0" lvl="0" indent="-342900" algn="ctr">
+              <a:lnSpc>
+                <a:spcPct val="107000"/>
+              </a:lnSpc>
+              <a:spcBef>
+                <a:spcPts val="0"/>
+              </a:spcBef>
+              <a:spcAft>
+                <a:spcPts val="800"/>
+              </a:spcAft>
+              <a:buFont typeface="Symbol" panose="05050102010706020507" pitchFamily="18" charset="2"/>
+              <a:buBlip>
+                <a:blip r:embed="rId3"/>
+              </a:buBlip>
+              <a:tabLst>
+                <a:tab pos="5212080" algn="l"/>
+              </a:tabLst>
+            </a:pPr>
+            <a:r>
+              <a:rPr lang="en-US" sz="1800" kern="100" dirty="0">
+                <a:effectLst/>
+                <a:latin typeface="Arial Rounded MT Bold" panose="020F0704030504030204" pitchFamily="34" charset="0"/>
+                <a:ea typeface="Aptos" panose="020B0004020202020204" pitchFamily="34" charset="0"/>
+                <a:cs typeface="Leelawadee UI" panose="020B0502040204020203" pitchFamily="34" charset="-34"/>
+              </a:rPr>
+              <a:t>User Side Pages</a:t>
+            </a:r>
+            <a:endParaRPr lang="en-US" sz="1200" kern="100" dirty="0">
+              <a:effectLst/>
+              <a:latin typeface="Aptos" panose="020B0004020202020204" pitchFamily="34" charset="0"/>
+              <a:ea typeface="Aptos" panose="020B0004020202020204" pitchFamily="34" charset="0"/>
+              <a:cs typeface="Shruti" panose="020B0502040204020203" pitchFamily="34" charset="0"/>
+            </a:endParaRPr>
+          </a:p>
+        </p:txBody>
+      </p:sp>
+      <p:sp>
+        <p:nvSpPr>
+          <p:cNvPr id="6" name="TextBox 5">
+            <a:extLst>
+              <a:ext uri="{FF2B5EF4-FFF2-40B4-BE49-F238E27FC236}">
+                <a16:creationId xmlns:a16="http://schemas.microsoft.com/office/drawing/2014/main" id="{E8799DC4-B79E-6DEC-0A0E-5D95C2AB8FAB}"/>
+              </a:ext>
+            </a:extLst>
+          </p:cNvPr>
+          <p:cNvSpPr txBox="1"/>
+          <p:nvPr/>
+        </p:nvSpPr>
+        <p:spPr>
+          <a:xfrm>
+            <a:off x="629728" y="6218798"/>
+            <a:ext cx="6098874" cy="377476"/>
+          </a:xfrm>
+          <a:prstGeom prst="rect">
+            <a:avLst/>
+          </a:prstGeom>
+          <a:noFill/>
+        </p:spPr>
+        <p:txBody>
+          <a:bodyPr wrap="square">
+            <a:spAutoFit/>
+          </a:bodyPr>
+          <a:lstStyle/>
+          <a:p>
+            <a:pPr marR="0" lvl="0">
+              <a:lnSpc>
+                <a:spcPct val="107000"/>
+              </a:lnSpc>
+              <a:spcBef>
+                <a:spcPts val="0"/>
+              </a:spcBef>
+              <a:spcAft>
+                <a:spcPts val="800"/>
+              </a:spcAft>
+              <a:tabLst>
+                <a:tab pos="5212080" algn="l"/>
+              </a:tabLst>
+            </a:pPr>
+            <a:r>
+              <a:rPr lang="en-US" sz="1800" kern="100" dirty="0">
+                <a:effectLst/>
+                <a:latin typeface="Abadi" panose="020B0604020104020204" pitchFamily="34" charset="0"/>
+                <a:ea typeface="Aptos" panose="020B0004020202020204" pitchFamily="34" charset="0"/>
+                <a:cs typeface="Leelawadee UI" panose="020B0502040204020203" pitchFamily="34" charset="-34"/>
+              </a:rPr>
+              <a:t>1. User Registration</a:t>
+            </a:r>
+            <a:endParaRPr lang="en-US" sz="1200" kern="100" dirty="0">
+              <a:effectLst/>
+              <a:latin typeface="Aptos" panose="020B0004020202020204" pitchFamily="34" charset="0"/>
+              <a:ea typeface="Aptos" panose="020B0004020202020204" pitchFamily="34" charset="0"/>
+              <a:cs typeface="Shruti" panose="020B0502040204020203" pitchFamily="34" charset="0"/>
+            </a:endParaRPr>
+          </a:p>
+        </p:txBody>
+      </p:sp>
+      <p:pic>
+        <p:nvPicPr>
+          <p:cNvPr id="8" name="Picture 7" descr="A screenshot of a computer&#10;&#10;AI-generated content may be incorrect.">
+            <a:extLst>
+              <a:ext uri="{FF2B5EF4-FFF2-40B4-BE49-F238E27FC236}">
+                <a16:creationId xmlns:a16="http://schemas.microsoft.com/office/drawing/2014/main" id="{470D0744-EAF5-BD7A-589E-16C4A96A528D}"/>
+              </a:ext>
+            </a:extLst>
+          </p:cNvPr>
+          <p:cNvPicPr>
+            <a:picLocks noChangeAspect="1"/>
+          </p:cNvPicPr>
+          <p:nvPr/>
+        </p:nvPicPr>
+        <p:blipFill>
+          <a:blip r:embed="rId4">
+            <a:extLst>
+              <a:ext uri="{28A0092B-C50C-407E-A947-70E740481C1C}">
+                <a14:useLocalDpi xmlns:a14="http://schemas.microsoft.com/office/drawing/2010/main" val="0"/>
+              </a:ext>
+            </a:extLst>
+          </a:blip>
+          <a:stretch>
+            <a:fillRect/>
+          </a:stretch>
+        </p:blipFill>
+        <p:spPr>
+          <a:xfrm>
+            <a:off x="1894246" y="907479"/>
+            <a:ext cx="8319429" cy="4846320"/>
+          </a:xfrm>
+          <a:prstGeom prst="rect">
+            <a:avLst/>
+          </a:prstGeom>
+        </p:spPr>
+      </p:pic>
+    </p:spTree>
+    <p:extLst>
+      <p:ext uri="{BB962C8B-B14F-4D97-AF65-F5344CB8AC3E}">
+        <p14:creationId xmlns:p14="http://schemas.microsoft.com/office/powerpoint/2010/main" val="583837838"/>
       </p:ext>
     </p:extLst>
   </p:cSld>
@@ -23575,74 +24050,10 @@
       </p:pic>
       <p:sp>
         <p:nvSpPr>
-          <p:cNvPr id="3" name="TextBox 2">
+          <p:cNvPr id="2" name="TextBox 1">
             <a:extLst>
               <a:ext uri="{FF2B5EF4-FFF2-40B4-BE49-F238E27FC236}">
-                <a16:creationId xmlns:a16="http://schemas.microsoft.com/office/drawing/2014/main" id="{E06B931A-545B-FD4E-7D3F-E790D916661C}"/>
-              </a:ext>
-            </a:extLst>
-          </p:cNvPr>
-          <p:cNvSpPr txBox="1"/>
-          <p:nvPr/>
-        </p:nvSpPr>
-        <p:spPr>
-          <a:xfrm>
-            <a:off x="2982437" y="59208"/>
-            <a:ext cx="6098874" cy="375616"/>
-          </a:xfrm>
-          <a:prstGeom prst="rect">
-            <a:avLst/>
-          </a:prstGeom>
-          <a:noFill/>
-        </p:spPr>
-        <p:txBody>
-          <a:bodyPr wrap="square">
-            <a:spAutoFit/>
-          </a:bodyPr>
-          <a:lstStyle/>
-          <a:p>
-            <a:pPr marL="342900" marR="0" lvl="0" indent="-342900" algn="ctr">
-              <a:lnSpc>
-                <a:spcPct val="107000"/>
-              </a:lnSpc>
-              <a:spcBef>
-                <a:spcPts val="0"/>
-              </a:spcBef>
-              <a:spcAft>
-                <a:spcPts val="800"/>
-              </a:spcAft>
-              <a:buFont typeface="Symbol" panose="05050102010706020507" pitchFamily="18" charset="2"/>
-              <a:buBlip>
-                <a:blip r:embed="rId3"/>
-              </a:buBlip>
-              <a:tabLst>
-                <a:tab pos="5212080" algn="l"/>
-              </a:tabLst>
-            </a:pPr>
-            <a:r>
-              <a:rPr lang="en-US" sz="1800" kern="100" dirty="0">
-                <a:effectLst/>
-                <a:latin typeface="Arial Rounded MT Bold" panose="020F0704030504030204" pitchFamily="34" charset="0"/>
-                <a:ea typeface="Aptos" panose="020B0004020202020204" pitchFamily="34" charset="0"/>
-                <a:cs typeface="Leelawadee UI" panose="020B0502040204020203" pitchFamily="34" charset="-34"/>
-              </a:rPr>
-              <a:t>User Side Pages</a:t>
-            </a:r>
-            <a:endParaRPr lang="en-US" sz="1200" kern="100" dirty="0">
-              <a:effectLst/>
-              <a:latin typeface="Aptos" panose="020B0004020202020204" pitchFamily="34" charset="0"/>
-              <a:ea typeface="Aptos" panose="020B0004020202020204" pitchFamily="34" charset="0"/>
-              <a:cs typeface="Shruti" panose="020B0502040204020203" pitchFamily="34" charset="0"/>
-            </a:endParaRPr>
-          </a:p>
-        </p:txBody>
-      </p:sp>
-      <p:sp>
-        <p:nvSpPr>
-          <p:cNvPr id="6" name="TextBox 5">
-            <a:extLst>
-              <a:ext uri="{FF2B5EF4-FFF2-40B4-BE49-F238E27FC236}">
-                <a16:creationId xmlns:a16="http://schemas.microsoft.com/office/drawing/2014/main" id="{E8799DC4-B79E-6DEC-0A0E-5D95C2AB8FAB}"/>
+                <a16:creationId xmlns:a16="http://schemas.microsoft.com/office/drawing/2014/main" id="{8431DCAF-210E-5E99-D199-71347518E905}"/>
               </a:ext>
             </a:extLst>
           </p:cNvPr>
@@ -23680,13 +24091,21 @@
               </a:tabLst>
             </a:pPr>
             <a:r>
+              <a:rPr lang="en-US" kern="100" dirty="0">
+                <a:latin typeface="Abadi" panose="020B0604020104020204" pitchFamily="34" charset="0"/>
+                <a:ea typeface="Aptos" panose="020B0004020202020204" pitchFamily="34" charset="0"/>
+                <a:cs typeface="Leelawadee UI" panose="020B0502040204020203" pitchFamily="34" charset="-34"/>
+              </a:rPr>
+              <a:t>2</a:t>
+            </a:r>
+            <a:r>
               <a:rPr lang="en-US" sz="1800" kern="100" dirty="0">
                 <a:effectLst/>
                 <a:latin typeface="Abadi" panose="020B0604020104020204" pitchFamily="34" charset="0"/>
                 <a:ea typeface="Aptos" panose="020B0004020202020204" pitchFamily="34" charset="0"/>
                 <a:cs typeface="Leelawadee UI" panose="020B0502040204020203" pitchFamily="34" charset="-34"/>
               </a:rPr>
-              <a:t>1. User Registration</a:t>
+              <a:t>. User Login</a:t>
             </a:r>
             <a:endParaRPr lang="en-US" sz="1200" kern="100" dirty="0">
               <a:effectLst/>
@@ -23699,10 +24118,10 @@
       </p:sp>
       <p:pic>
         <p:nvPicPr>
-          <p:cNvPr id="8" name="Picture 7" descr="A screenshot of a computer&#10;&#10;AI-generated content may be incorrect.">
+          <p:cNvPr id="5" name="Picture 4" descr="A screenshot of a login form&#10;&#10;AI-generated content may be incorrect.">
             <a:extLst>
               <a:ext uri="{FF2B5EF4-FFF2-40B4-BE49-F238E27FC236}">
-                <a16:creationId xmlns:a16="http://schemas.microsoft.com/office/drawing/2014/main" id="{470D0744-EAF5-BD7A-589E-16C4A96A528D}"/>
+                <a16:creationId xmlns:a16="http://schemas.microsoft.com/office/drawing/2014/main" id="{68EF6057-EAAA-8A51-50EA-CE48EBFAA5CE}"/>
               </a:ext>
             </a:extLst>
           </p:cNvPr>
@@ -23712,7 +24131,7 @@
           <p:nvPr/>
         </p:nvPicPr>
         <p:blipFill>
-          <a:blip r:embed="rId4">
+          <a:blip r:embed="rId3">
             <a:extLst>
               <a:ext uri="{28A0092B-C50C-407E-A947-70E740481C1C}">
                 <a14:useLocalDpi xmlns:a14="http://schemas.microsoft.com/office/drawing/2010/main" val="0"/>
@@ -23725,8 +24144,8 @@
         </p:blipFill>
         <p:spPr>
           <a:xfrm>
-            <a:off x="1894246" y="907479"/>
-            <a:ext cx="8319429" cy="4846320"/>
+            <a:off x="1897812" y="906791"/>
+            <a:ext cx="8324490" cy="4846320"/>
           </a:xfrm>
           <a:prstGeom prst="rect">
             <a:avLst/>
@@ -23736,7 +24155,7 @@
     </p:spTree>
     <p:extLst>
       <p:ext uri="{BB962C8B-B14F-4D97-AF65-F5344CB8AC3E}">
-        <p14:creationId xmlns:p14="http://schemas.microsoft.com/office/powerpoint/2010/main" val="583837838"/>
+        <p14:creationId xmlns:p14="http://schemas.microsoft.com/office/powerpoint/2010/main" val="12794220"/>
       </p:ext>
     </p:extLst>
   </p:cSld>
@@ -24416,7 +24835,7 @@
                 <a:ea typeface="Aptos" panose="020B0004020202020204" pitchFamily="34" charset="0"/>
                 <a:cs typeface="Leelawadee UI" panose="020B0502040204020203" pitchFamily="34" charset="-34"/>
               </a:rPr>
-              <a:t>2</a:t>
+              <a:t>3. </a:t>
             </a:r>
             <a:r>
               <a:rPr lang="en-US" sz="1800" kern="100" dirty="0">
@@ -24425,7 +24844,15 @@
                 <a:ea typeface="Aptos" panose="020B0004020202020204" pitchFamily="34" charset="0"/>
                 <a:cs typeface="Leelawadee UI" panose="020B0502040204020203" pitchFamily="34" charset="-34"/>
               </a:rPr>
-              <a:t>. User Login</a:t>
+              <a:t>User </a:t>
+            </a:r>
+            <a:r>
+              <a:rPr lang="en-US" kern="100" dirty="0">
+                <a:latin typeface="Abadi" panose="020B0604020104020204" pitchFamily="34" charset="0"/>
+                <a:ea typeface="Aptos" panose="020B0004020202020204" pitchFamily="34" charset="0"/>
+                <a:cs typeface="Leelawadee UI" panose="020B0502040204020203" pitchFamily="34" charset="-34"/>
+              </a:rPr>
+              <a:t>Profile</a:t>
             </a:r>
             <a:endParaRPr lang="en-US" sz="1200" kern="100" dirty="0">
               <a:effectLst/>
@@ -24438,10 +24865,10 @@
       </p:sp>
       <p:pic>
         <p:nvPicPr>
-          <p:cNvPr id="5" name="Picture 4" descr="A screenshot of a login form&#10;&#10;AI-generated content may be incorrect.">
+          <p:cNvPr id="6" name="Picture 5" descr="A screenshot of a login page&#10;&#10;AI-generated content may be incorrect.">
             <a:extLst>
               <a:ext uri="{FF2B5EF4-FFF2-40B4-BE49-F238E27FC236}">
-                <a16:creationId xmlns:a16="http://schemas.microsoft.com/office/drawing/2014/main" id="{68EF6057-EAAA-8A51-50EA-CE48EBFAA5CE}"/>
+                <a16:creationId xmlns:a16="http://schemas.microsoft.com/office/drawing/2014/main" id="{CFF1113B-8F11-98D7-9AE0-701A5F63CFF0}"/>
               </a:ext>
             </a:extLst>
           </p:cNvPr>
@@ -24464,8 +24891,8 @@
         </p:blipFill>
         <p:spPr>
           <a:xfrm>
-            <a:off x="1897812" y="906791"/>
-            <a:ext cx="8324490" cy="4846320"/>
+            <a:off x="1897813" y="902367"/>
+            <a:ext cx="8324489" cy="4846320"/>
           </a:xfrm>
           <a:prstGeom prst="rect">
             <a:avLst/>
@@ -24475,7 +24902,7 @@
     </p:spTree>
     <p:extLst>
       <p:ext uri="{BB962C8B-B14F-4D97-AF65-F5344CB8AC3E}">
-        <p14:creationId xmlns:p14="http://schemas.microsoft.com/office/powerpoint/2010/main" val="12794220"/>
+        <p14:creationId xmlns:p14="http://schemas.microsoft.com/office/powerpoint/2010/main" val="3239797601"/>
       </p:ext>
     </p:extLst>
   </p:cSld>
@@ -25155,7 +25582,7 @@
                 <a:ea typeface="Aptos" panose="020B0004020202020204" pitchFamily="34" charset="0"/>
                 <a:cs typeface="Leelawadee UI" panose="020B0502040204020203" pitchFamily="34" charset="-34"/>
               </a:rPr>
-              <a:t>3. </a:t>
+              <a:t>4. Update u</a:t>
             </a:r>
             <a:r>
               <a:rPr lang="en-US" sz="1800" kern="100" dirty="0">
@@ -25164,15 +25591,7 @@
                 <a:ea typeface="Aptos" panose="020B0004020202020204" pitchFamily="34" charset="0"/>
                 <a:cs typeface="Leelawadee UI" panose="020B0502040204020203" pitchFamily="34" charset="-34"/>
               </a:rPr>
-              <a:t>User </a:t>
-            </a:r>
-            <a:r>
-              <a:rPr lang="en-US" kern="100" dirty="0">
-                <a:latin typeface="Abadi" panose="020B0604020104020204" pitchFamily="34" charset="0"/>
-                <a:ea typeface="Aptos" panose="020B0004020202020204" pitchFamily="34" charset="0"/>
-                <a:cs typeface="Leelawadee UI" panose="020B0502040204020203" pitchFamily="34" charset="-34"/>
-              </a:rPr>
-              <a:t>Profile</a:t>
+              <a:t>ser profile</a:t>
             </a:r>
             <a:endParaRPr lang="en-US" sz="1200" kern="100" dirty="0">
               <a:effectLst/>
@@ -25185,10 +25604,10 @@
       </p:sp>
       <p:pic>
         <p:nvPicPr>
-          <p:cNvPr id="6" name="Picture 5" descr="A screenshot of a login page&#10;&#10;AI-generated content may be incorrect.">
+          <p:cNvPr id="5" name="Picture 4" descr="A screenshot of a computer&#10;&#10;AI-generated content may be incorrect.">
             <a:extLst>
               <a:ext uri="{FF2B5EF4-FFF2-40B4-BE49-F238E27FC236}">
-                <a16:creationId xmlns:a16="http://schemas.microsoft.com/office/drawing/2014/main" id="{CFF1113B-8F11-98D7-9AE0-701A5F63CFF0}"/>
+                <a16:creationId xmlns:a16="http://schemas.microsoft.com/office/drawing/2014/main" id="{2DDAED1F-0A8B-7409-9CB7-C58C3F5F0D58}"/>
               </a:ext>
             </a:extLst>
           </p:cNvPr>
@@ -25211,8 +25630,8 @@
         </p:blipFill>
         <p:spPr>
           <a:xfrm>
-            <a:off x="1897813" y="902367"/>
-            <a:ext cx="8324489" cy="4846320"/>
+            <a:off x="1885182" y="902838"/>
+            <a:ext cx="8345746" cy="4876860"/>
           </a:xfrm>
           <a:prstGeom prst="rect">
             <a:avLst/>
@@ -25222,7 +25641,7 @@
     </p:spTree>
     <p:extLst>
       <p:ext uri="{BB962C8B-B14F-4D97-AF65-F5344CB8AC3E}">
-        <p14:creationId xmlns:p14="http://schemas.microsoft.com/office/powerpoint/2010/main" val="3239797601"/>
+        <p14:creationId xmlns:p14="http://schemas.microsoft.com/office/powerpoint/2010/main" val="3713095813"/>
       </p:ext>
     </p:extLst>
   </p:cSld>
@@ -25897,21 +26316,13 @@
               </a:tabLst>
             </a:pPr>
             <a:r>
-              <a:rPr lang="en-US" kern="100" dirty="0">
-                <a:latin typeface="Abadi" panose="020B0604020104020204" pitchFamily="34" charset="0"/>
-                <a:ea typeface="Aptos" panose="020B0004020202020204" pitchFamily="34" charset="0"/>
-                <a:cs typeface="Leelawadee UI" panose="020B0502040204020203" pitchFamily="34" charset="-34"/>
-              </a:rPr>
-              <a:t>4. Update u</a:t>
-            </a:r>
-            <a:r>
               <a:rPr lang="en-US" sz="1800" kern="100" dirty="0">
                 <a:effectLst/>
                 <a:latin typeface="Abadi" panose="020B0604020104020204" pitchFamily="34" charset="0"/>
                 <a:ea typeface="Aptos" panose="020B0004020202020204" pitchFamily="34" charset="0"/>
                 <a:cs typeface="Leelawadee UI" panose="020B0502040204020203" pitchFamily="34" charset="-34"/>
               </a:rPr>
-              <a:t>ser profile</a:t>
+              <a:t>5. Chatbot Conversation</a:t>
             </a:r>
             <a:endParaRPr lang="en-US" sz="1200" kern="100" dirty="0">
               <a:effectLst/>
@@ -25924,10 +26335,10 @@
       </p:sp>
       <p:pic>
         <p:nvPicPr>
-          <p:cNvPr id="5" name="Picture 4" descr="A screenshot of a computer&#10;&#10;AI-generated content may be incorrect.">
+          <p:cNvPr id="5" name="Picture 4" descr="A screenshot of a chat&#10;&#10;AI-generated content may be incorrect.">
             <a:extLst>
               <a:ext uri="{FF2B5EF4-FFF2-40B4-BE49-F238E27FC236}">
-                <a16:creationId xmlns:a16="http://schemas.microsoft.com/office/drawing/2014/main" id="{2DDAED1F-0A8B-7409-9CB7-C58C3F5F0D58}"/>
+                <a16:creationId xmlns:a16="http://schemas.microsoft.com/office/drawing/2014/main" id="{2847BFCC-0CC4-0536-A270-4D515C1754E5}"/>
               </a:ext>
             </a:extLst>
           </p:cNvPr>
@@ -25950,8 +26361,8 @@
         </p:blipFill>
         <p:spPr>
           <a:xfrm>
-            <a:off x="1885182" y="902838"/>
-            <a:ext cx="8345746" cy="4876860"/>
+            <a:off x="1889185" y="906791"/>
+            <a:ext cx="8315864" cy="4855654"/>
           </a:xfrm>
           <a:prstGeom prst="rect">
             <a:avLst/>
@@ -25961,7 +26372,7 @@
     </p:spTree>
     <p:extLst>
       <p:ext uri="{BB962C8B-B14F-4D97-AF65-F5344CB8AC3E}">
-        <p14:creationId xmlns:p14="http://schemas.microsoft.com/office/powerpoint/2010/main" val="3713095813"/>
+        <p14:creationId xmlns:p14="http://schemas.microsoft.com/office/powerpoint/2010/main" val="2564450192"/>
       </p:ext>
     </p:extLst>
   </p:cSld>
@@ -26636,13 +27047,21 @@
               </a:tabLst>
             </a:pPr>
             <a:r>
+              <a:rPr lang="en-US" kern="100" dirty="0">
+                <a:latin typeface="Abadi" panose="020B0604020104020204" pitchFamily="34" charset="0"/>
+                <a:ea typeface="Aptos" panose="020B0004020202020204" pitchFamily="34" charset="0"/>
+                <a:cs typeface="Leelawadee UI" panose="020B0502040204020203" pitchFamily="34" charset="-34"/>
+              </a:rPr>
+              <a:t>6</a:t>
+            </a:r>
+            <a:r>
               <a:rPr lang="en-US" sz="1800" kern="100" dirty="0">
                 <a:effectLst/>
                 <a:latin typeface="Abadi" panose="020B0604020104020204" pitchFamily="34" charset="0"/>
                 <a:ea typeface="Aptos" panose="020B0004020202020204" pitchFamily="34" charset="0"/>
                 <a:cs typeface="Leelawadee UI" panose="020B0502040204020203" pitchFamily="34" charset="-34"/>
               </a:rPr>
-              <a:t>5. Chatbot Conversation</a:t>
+              <a:t>. User Chat History</a:t>
             </a:r>
             <a:endParaRPr lang="en-US" sz="1200" kern="100" dirty="0">
               <a:effectLst/>
@@ -26658,7 +27077,7 @@
           <p:cNvPr id="5" name="Picture 4" descr="A screenshot of a chat&#10;&#10;AI-generated content may be incorrect.">
             <a:extLst>
               <a:ext uri="{FF2B5EF4-FFF2-40B4-BE49-F238E27FC236}">
-                <a16:creationId xmlns:a16="http://schemas.microsoft.com/office/drawing/2014/main" id="{2847BFCC-0CC4-0536-A270-4D515C1754E5}"/>
+                <a16:creationId xmlns:a16="http://schemas.microsoft.com/office/drawing/2014/main" id="{ECE69C2C-978D-EC03-C10A-6E4469B90FEE}"/>
               </a:ext>
             </a:extLst>
           </p:cNvPr>
@@ -26681,8 +27100,8 @@
         </p:blipFill>
         <p:spPr>
           <a:xfrm>
-            <a:off x="1889185" y="906791"/>
-            <a:ext cx="8315864" cy="4855654"/>
+            <a:off x="1889189" y="903776"/>
+            <a:ext cx="8341739" cy="4875922"/>
           </a:xfrm>
           <a:prstGeom prst="rect">
             <a:avLst/>
@@ -26692,7 +27111,7 @@
     </p:spTree>
     <p:extLst>
       <p:ext uri="{BB962C8B-B14F-4D97-AF65-F5344CB8AC3E}">
-        <p14:creationId xmlns:p14="http://schemas.microsoft.com/office/powerpoint/2010/main" val="2564450192"/>
+        <p14:creationId xmlns:p14="http://schemas.microsoft.com/office/powerpoint/2010/main" val="4074243346"/>
       </p:ext>
     </p:extLst>
   </p:cSld>
@@ -27372,745 +27791,6 @@
                 <a:ea typeface="Aptos" panose="020B0004020202020204" pitchFamily="34" charset="0"/>
                 <a:cs typeface="Leelawadee UI" panose="020B0502040204020203" pitchFamily="34" charset="-34"/>
               </a:rPr>
-              <a:t>6</a:t>
-            </a:r>
-            <a:r>
-              <a:rPr lang="en-US" sz="1800" kern="100" dirty="0">
-                <a:effectLst/>
-                <a:latin typeface="Abadi" panose="020B0604020104020204" pitchFamily="34" charset="0"/>
-                <a:ea typeface="Aptos" panose="020B0004020202020204" pitchFamily="34" charset="0"/>
-                <a:cs typeface="Leelawadee UI" panose="020B0502040204020203" pitchFamily="34" charset="-34"/>
-              </a:rPr>
-              <a:t>. User Chat History</a:t>
-            </a:r>
-            <a:endParaRPr lang="en-US" sz="1200" kern="100" dirty="0">
-              <a:effectLst/>
-              <a:latin typeface="Aptos" panose="020B0004020202020204" pitchFamily="34" charset="0"/>
-              <a:ea typeface="Aptos" panose="020B0004020202020204" pitchFamily="34" charset="0"/>
-              <a:cs typeface="Shruti" panose="020B0502040204020203" pitchFamily="34" charset="0"/>
-            </a:endParaRPr>
-          </a:p>
-        </p:txBody>
-      </p:sp>
-      <p:pic>
-        <p:nvPicPr>
-          <p:cNvPr id="5" name="Picture 4" descr="A screenshot of a chat&#10;&#10;AI-generated content may be incorrect.">
-            <a:extLst>
-              <a:ext uri="{FF2B5EF4-FFF2-40B4-BE49-F238E27FC236}">
-                <a16:creationId xmlns:a16="http://schemas.microsoft.com/office/drawing/2014/main" id="{ECE69C2C-978D-EC03-C10A-6E4469B90FEE}"/>
-              </a:ext>
-            </a:extLst>
-          </p:cNvPr>
-          <p:cNvPicPr>
-            <a:picLocks noChangeAspect="1"/>
-          </p:cNvPicPr>
-          <p:nvPr/>
-        </p:nvPicPr>
-        <p:blipFill>
-          <a:blip r:embed="rId3">
-            <a:extLst>
-              <a:ext uri="{28A0092B-C50C-407E-A947-70E740481C1C}">
-                <a14:useLocalDpi xmlns:a14="http://schemas.microsoft.com/office/drawing/2010/main" val="0"/>
-              </a:ext>
-            </a:extLst>
-          </a:blip>
-          <a:stretch>
-            <a:fillRect/>
-          </a:stretch>
-        </p:blipFill>
-        <p:spPr>
-          <a:xfrm>
-            <a:off x="1889189" y="903776"/>
-            <a:ext cx="8341739" cy="4875922"/>
-          </a:xfrm>
-          <a:prstGeom prst="rect">
-            <a:avLst/>
-          </a:prstGeom>
-        </p:spPr>
-      </p:pic>
-    </p:spTree>
-    <p:extLst>
-      <p:ext uri="{BB962C8B-B14F-4D97-AF65-F5344CB8AC3E}">
-        <p14:creationId xmlns:p14="http://schemas.microsoft.com/office/powerpoint/2010/main" val="4074243346"/>
-      </p:ext>
-    </p:extLst>
-  </p:cSld>
-  <p:clrMapOvr>
-    <a:masterClrMapping/>
-  </p:clrMapOvr>
-  <mc:AlternateContent xmlns:mc="http://schemas.openxmlformats.org/markup-compatibility/2006" xmlns:p14="http://schemas.microsoft.com/office/powerpoint/2010/main">
-    <mc:Choice Requires="p14">
-      <p:transition spd="med" p14:dur="700">
-        <p:fade/>
-      </p:transition>
-    </mc:Choice>
-    <mc:Fallback xmlns="">
-      <p:transition spd="med">
-        <p:fade/>
-      </p:transition>
-    </mc:Fallback>
-  </mc:AlternateContent>
-</p:sld>
-</file>
-
-<file path=ppt/slides/slide36.xml><?xml version="1.0" encoding="utf-8"?>
-<p:sld xmlns:a="http://schemas.openxmlformats.org/drawingml/2006/main" xmlns:r="http://schemas.openxmlformats.org/officeDocument/2006/relationships" xmlns:p="http://schemas.openxmlformats.org/presentationml/2006/main">
-  <p:cSld>
-    <p:bg>
-      <p:bgPr>
-        <a:solidFill>
-          <a:schemeClr val="bg1"/>
-        </a:solidFill>
-        <a:effectLst/>
-      </p:bgPr>
-    </p:bg>
-    <p:spTree>
-      <p:nvGrpSpPr>
-        <p:cNvPr id="1" name=""/>
-        <p:cNvGrpSpPr/>
-        <p:nvPr/>
-      </p:nvGrpSpPr>
-      <p:grpSpPr>
-        <a:xfrm>
-          <a:off x="0" y="0"/>
-          <a:ext cx="0" cy="0"/>
-          <a:chOff x="0" y="0"/>
-          <a:chExt cx="0" cy="0"/>
-        </a:xfrm>
-      </p:grpSpPr>
-      <p:sp>
-        <p:nvSpPr>
-          <p:cNvPr id="11" name="Rectangle 10">
-            <a:extLst>
-              <a:ext uri="{FF2B5EF4-FFF2-40B4-BE49-F238E27FC236}">
-                <a16:creationId xmlns:a16="http://schemas.microsoft.com/office/drawing/2014/main" id="{F3060C83-F051-4F0E-ABAD-AA0DFC48B218}"/>
-              </a:ext>
-              <a:ext uri="{C183D7F6-B498-43B3-948B-1728B52AA6E4}">
-                <adec:decorative xmlns:adec="http://schemas.microsoft.com/office/drawing/2017/decorative" val="1"/>
-              </a:ext>
-            </a:extLst>
-          </p:cNvPr>
-          <p:cNvSpPr>
-            <a:spLocks noGrp="1" noRot="1" noChangeAspect="1" noMove="1" noResize="1" noEditPoints="1" noAdjustHandles="1" noChangeArrowheads="1" noChangeShapeType="1" noTextEdit="1"/>
-          </p:cNvSpPr>
-          <p:nvPr>
-            <p:extLst>
-              <p:ext uri="{386F3935-93C4-4BCD-93E2-E3B085C9AB24}">
-                <p16:designElem xmlns:p16="http://schemas.microsoft.com/office/powerpoint/2015/main" val="1"/>
-              </p:ext>
-            </p:extLst>
-          </p:nvPr>
-        </p:nvSpPr>
-        <p:spPr>
-          <a:xfrm>
-            <a:off x="0" y="0"/>
-            <a:ext cx="12192000" cy="6858000"/>
-          </a:xfrm>
-          <a:prstGeom prst="rect">
-            <a:avLst/>
-          </a:prstGeom>
-          <a:solidFill>
-            <a:schemeClr val="bg1"/>
-          </a:solidFill>
-          <a:ln>
-            <a:noFill/>
-          </a:ln>
-        </p:spPr>
-        <p:style>
-          <a:lnRef idx="2">
-            <a:schemeClr val="accent1">
-              <a:shade val="50000"/>
-            </a:schemeClr>
-          </a:lnRef>
-          <a:fillRef idx="1">
-            <a:schemeClr val="accent1"/>
-          </a:fillRef>
-          <a:effectRef idx="0">
-            <a:schemeClr val="accent1"/>
-          </a:effectRef>
-          <a:fontRef idx="minor">
-            <a:schemeClr val="lt1"/>
-          </a:fontRef>
-        </p:style>
-        <p:txBody>
-          <a:bodyPr rtlCol="0" anchor="ctr"/>
-          <a:lstStyle/>
-          <a:p>
-            <a:pPr algn="ctr"/>
-            <a:endParaRPr lang="en-US" dirty="0"/>
-          </a:p>
-        </p:txBody>
-      </p:sp>
-      <p:sp>
-        <p:nvSpPr>
-          <p:cNvPr id="13" name="Freeform: Shape 12">
-            <a:extLst>
-              <a:ext uri="{FF2B5EF4-FFF2-40B4-BE49-F238E27FC236}">
-                <a16:creationId xmlns:a16="http://schemas.microsoft.com/office/drawing/2014/main" id="{83C98ABE-055B-441F-B07E-44F97F083C39}"/>
-              </a:ext>
-              <a:ext uri="{C183D7F6-B498-43B3-948B-1728B52AA6E4}">
-                <adec:decorative xmlns:adec="http://schemas.microsoft.com/office/drawing/2017/decorative" val="1"/>
-              </a:ext>
-            </a:extLst>
-          </p:cNvPr>
-          <p:cNvSpPr>
-            <a:spLocks noGrp="1" noRot="1" noChangeAspect="1" noMove="1" noResize="1" noEditPoints="1" noAdjustHandles="1" noChangeArrowheads="1" noChangeShapeType="1" noTextEdit="1"/>
-          </p:cNvSpPr>
-          <p:nvPr>
-            <p:extLst>
-              <p:ext uri="{386F3935-93C4-4BCD-93E2-E3B085C9AB24}">
-                <p16:designElem xmlns:p16="http://schemas.microsoft.com/office/powerpoint/2015/main" val="1"/>
-              </p:ext>
-            </p:extLst>
-          </p:nvPr>
-        </p:nvSpPr>
-        <p:spPr>
-          <a:xfrm rot="18900000" flipH="1">
-            <a:off x="-376156" y="-253670"/>
-            <a:ext cx="1827638" cy="1376989"/>
-          </a:xfrm>
-          <a:custGeom>
-            <a:avLst/>
-            <a:gdLst>
-              <a:gd name="connsiteX0" fmla="*/ 0 w 1827638"/>
-              <a:gd name="connsiteY0" fmla="*/ 987379 h 1376989"/>
-              <a:gd name="connsiteX1" fmla="*/ 987379 w 1827638"/>
-              <a:gd name="connsiteY1" fmla="*/ 0 h 1376989"/>
-              <a:gd name="connsiteX2" fmla="*/ 1827638 w 1827638"/>
-              <a:gd name="connsiteY2" fmla="*/ 840260 h 1376989"/>
-              <a:gd name="connsiteX3" fmla="*/ 1827638 w 1827638"/>
-              <a:gd name="connsiteY3" fmla="*/ 1376989 h 1376989"/>
-              <a:gd name="connsiteX4" fmla="*/ 0 w 1827638"/>
-              <a:gd name="connsiteY4" fmla="*/ 1376989 h 1376989"/>
-            </a:gdLst>
-            <a:ahLst/>
-            <a:cxnLst>
-              <a:cxn ang="0">
-                <a:pos x="connsiteX0" y="connsiteY0"/>
-              </a:cxn>
-              <a:cxn ang="0">
-                <a:pos x="connsiteX1" y="connsiteY1"/>
-              </a:cxn>
-              <a:cxn ang="0">
-                <a:pos x="connsiteX2" y="connsiteY2"/>
-              </a:cxn>
-              <a:cxn ang="0">
-                <a:pos x="connsiteX3" y="connsiteY3"/>
-              </a:cxn>
-              <a:cxn ang="0">
-                <a:pos x="connsiteX4" y="connsiteY4"/>
-              </a:cxn>
-            </a:cxnLst>
-            <a:rect l="l" t="t" r="r" b="b"/>
-            <a:pathLst>
-              <a:path w="1827638" h="1376989">
-                <a:moveTo>
-                  <a:pt x="0" y="987379"/>
-                </a:moveTo>
-                <a:lnTo>
-                  <a:pt x="987379" y="0"/>
-                </a:lnTo>
-                <a:lnTo>
-                  <a:pt x="1827638" y="840260"/>
-                </a:lnTo>
-                <a:lnTo>
-                  <a:pt x="1827638" y="1376989"/>
-                </a:lnTo>
-                <a:lnTo>
-                  <a:pt x="0" y="1376989"/>
-                </a:lnTo>
-                <a:close/>
-              </a:path>
-            </a:pathLst>
-          </a:custGeom>
-          <a:solidFill>
-            <a:schemeClr val="accent1">
-              <a:alpha val="30000"/>
-            </a:schemeClr>
-          </a:solidFill>
-          <a:ln>
-            <a:noFill/>
-          </a:ln>
-        </p:spPr>
-        <p:style>
-          <a:lnRef idx="2">
-            <a:schemeClr val="accent1">
-              <a:shade val="50000"/>
-            </a:schemeClr>
-          </a:lnRef>
-          <a:fillRef idx="1">
-            <a:schemeClr val="accent1"/>
-          </a:fillRef>
-          <a:effectRef idx="0">
-            <a:schemeClr val="accent1"/>
-          </a:effectRef>
-          <a:fontRef idx="minor">
-            <a:schemeClr val="lt1"/>
-          </a:fontRef>
-        </p:style>
-        <p:txBody>
-          <a:bodyPr rtlCol="0" anchor="ctr"/>
-          <a:lstStyle/>
-          <a:p>
-            <a:pPr algn="ctr"/>
-            <a:endParaRPr lang="en-US" dirty="0"/>
-          </a:p>
-        </p:txBody>
-      </p:sp>
-      <p:sp>
-        <p:nvSpPr>
-          <p:cNvPr id="15" name="Rectangle 14">
-            <a:extLst>
-              <a:ext uri="{FF2B5EF4-FFF2-40B4-BE49-F238E27FC236}">
-                <a16:creationId xmlns:a16="http://schemas.microsoft.com/office/drawing/2014/main" id="{29FDB030-9B49-4CED-8CCD-4D99382388AC}"/>
-              </a:ext>
-              <a:ext uri="{C183D7F6-B498-43B3-948B-1728B52AA6E4}">
-                <adec:decorative xmlns:adec="http://schemas.microsoft.com/office/drawing/2017/decorative" val="1"/>
-              </a:ext>
-            </a:extLst>
-          </p:cNvPr>
-          <p:cNvSpPr>
-            <a:spLocks noGrp="1" noRot="1" noChangeAspect="1" noMove="1" noResize="1" noEditPoints="1" noAdjustHandles="1" noChangeArrowheads="1" noChangeShapeType="1" noTextEdit="1"/>
-          </p:cNvSpPr>
-          <p:nvPr>
-            <p:extLst>
-              <p:ext uri="{386F3935-93C4-4BCD-93E2-E3B085C9AB24}">
-                <p16:designElem xmlns:p16="http://schemas.microsoft.com/office/powerpoint/2015/main" val="1"/>
-              </p:ext>
-            </p:extLst>
-          </p:nvPr>
-        </p:nvSpPr>
-        <p:spPr>
-          <a:xfrm rot="18900000" flipH="1">
-            <a:off x="891641" y="422146"/>
-            <a:ext cx="645368" cy="645368"/>
-          </a:xfrm>
-          <a:prstGeom prst="rect">
-            <a:avLst/>
-          </a:prstGeom>
-          <a:solidFill>
-            <a:schemeClr val="accent1">
-              <a:alpha val="30000"/>
-            </a:schemeClr>
-          </a:solidFill>
-          <a:ln>
-            <a:noFill/>
-          </a:ln>
-        </p:spPr>
-        <p:style>
-          <a:lnRef idx="2">
-            <a:schemeClr val="accent1">
-              <a:shade val="50000"/>
-            </a:schemeClr>
-          </a:lnRef>
-          <a:fillRef idx="1">
-            <a:schemeClr val="accent1"/>
-          </a:fillRef>
-          <a:effectRef idx="0">
-            <a:schemeClr val="accent1"/>
-          </a:effectRef>
-          <a:fontRef idx="minor">
-            <a:schemeClr val="lt1"/>
-          </a:fontRef>
-        </p:style>
-        <p:txBody>
-          <a:bodyPr rtlCol="0" anchor="ctr"/>
-          <a:lstStyle/>
-          <a:p>
-            <a:pPr algn="ctr"/>
-            <a:endParaRPr lang="en-US"/>
-          </a:p>
-        </p:txBody>
-      </p:sp>
-      <p:sp>
-        <p:nvSpPr>
-          <p:cNvPr id="17" name="Rectangle 16">
-            <a:extLst>
-              <a:ext uri="{FF2B5EF4-FFF2-40B4-BE49-F238E27FC236}">
-                <a16:creationId xmlns:a16="http://schemas.microsoft.com/office/drawing/2014/main" id="{3783CA14-24A1-485C-8B30-D6A5D87987AD}"/>
-              </a:ext>
-              <a:ext uri="{C183D7F6-B498-43B3-948B-1728B52AA6E4}">
-                <adec:decorative xmlns:adec="http://schemas.microsoft.com/office/drawing/2017/decorative" val="1"/>
-              </a:ext>
-            </a:extLst>
-          </p:cNvPr>
-          <p:cNvSpPr>
-            <a:spLocks noGrp="1" noRot="1" noChangeAspect="1" noMove="1" noResize="1" noEditPoints="1" noAdjustHandles="1" noChangeArrowheads="1" noChangeShapeType="1" noTextEdit="1"/>
-          </p:cNvSpPr>
-          <p:nvPr>
-            <p:extLst>
-              <p:ext uri="{386F3935-93C4-4BCD-93E2-E3B085C9AB24}">
-                <p16:designElem xmlns:p16="http://schemas.microsoft.com/office/powerpoint/2015/main" val="1"/>
-              </p:ext>
-            </p:extLst>
-          </p:nvPr>
-        </p:nvSpPr>
-        <p:spPr>
-          <a:xfrm rot="18900000" flipH="1">
-            <a:off x="10043482" y="655140"/>
-            <a:ext cx="687472" cy="687472"/>
-          </a:xfrm>
-          <a:prstGeom prst="rect">
-            <a:avLst/>
-          </a:prstGeom>
-          <a:solidFill>
-            <a:schemeClr val="accent4">
-              <a:alpha val="30000"/>
-            </a:schemeClr>
-          </a:solidFill>
-          <a:ln>
-            <a:noFill/>
-          </a:ln>
-        </p:spPr>
-        <p:style>
-          <a:lnRef idx="2">
-            <a:schemeClr val="accent1">
-              <a:shade val="50000"/>
-            </a:schemeClr>
-          </a:lnRef>
-          <a:fillRef idx="1">
-            <a:schemeClr val="accent1"/>
-          </a:fillRef>
-          <a:effectRef idx="0">
-            <a:schemeClr val="accent1"/>
-          </a:effectRef>
-          <a:fontRef idx="minor">
-            <a:schemeClr val="lt1"/>
-          </a:fontRef>
-        </p:style>
-        <p:txBody>
-          <a:bodyPr rtlCol="0" anchor="ctr"/>
-          <a:lstStyle/>
-          <a:p>
-            <a:pPr algn="ctr"/>
-            <a:endParaRPr lang="en-US"/>
-          </a:p>
-        </p:txBody>
-      </p:sp>
-      <p:sp>
-        <p:nvSpPr>
-          <p:cNvPr id="19" name="Freeform: Shape 18">
-            <a:extLst>
-              <a:ext uri="{FF2B5EF4-FFF2-40B4-BE49-F238E27FC236}">
-                <a16:creationId xmlns:a16="http://schemas.microsoft.com/office/drawing/2014/main" id="{9A97C86A-04D6-40F7-AE84-31AB43E6A846}"/>
-              </a:ext>
-              <a:ext uri="{C183D7F6-B498-43B3-948B-1728B52AA6E4}">
-                <adec:decorative xmlns:adec="http://schemas.microsoft.com/office/drawing/2017/decorative" val="1"/>
-              </a:ext>
-            </a:extLst>
-          </p:cNvPr>
-          <p:cNvSpPr>
-            <a:spLocks noGrp="1" noRot="1" noChangeAspect="1" noMove="1" noResize="1" noEditPoints="1" noAdjustHandles="1" noChangeArrowheads="1" noChangeShapeType="1" noTextEdit="1"/>
-          </p:cNvSpPr>
-          <p:nvPr>
-            <p:extLst>
-              <p:ext uri="{386F3935-93C4-4BCD-93E2-E3B085C9AB24}">
-                <p16:designElem xmlns:p16="http://schemas.microsoft.com/office/powerpoint/2015/main" val="1"/>
-              </p:ext>
-            </p:extLst>
-          </p:nvPr>
-        </p:nvSpPr>
-        <p:spPr>
-          <a:xfrm rot="10800000" flipH="1">
-            <a:off x="9356643" y="0"/>
-            <a:ext cx="2835357" cy="1480837"/>
-          </a:xfrm>
-          <a:custGeom>
-            <a:avLst/>
-            <a:gdLst>
-              <a:gd name="connsiteX0" fmla="*/ 2835357 w 2835357"/>
-              <a:gd name="connsiteY0" fmla="*/ 1480837 h 1480837"/>
-              <a:gd name="connsiteX1" fmla="*/ 0 w 2835357"/>
-              <a:gd name="connsiteY1" fmla="*/ 1480837 h 1480837"/>
-              <a:gd name="connsiteX2" fmla="*/ 1552727 w 2835357"/>
-              <a:gd name="connsiteY2" fmla="*/ 0 h 1480837"/>
-              <a:gd name="connsiteX3" fmla="*/ 2835357 w 2835357"/>
-              <a:gd name="connsiteY3" fmla="*/ 1223245 h 1480837"/>
-            </a:gdLst>
-            <a:ahLst/>
-            <a:cxnLst>
-              <a:cxn ang="0">
-                <a:pos x="connsiteX0" y="connsiteY0"/>
-              </a:cxn>
-              <a:cxn ang="0">
-                <a:pos x="connsiteX1" y="connsiteY1"/>
-              </a:cxn>
-              <a:cxn ang="0">
-                <a:pos x="connsiteX2" y="connsiteY2"/>
-              </a:cxn>
-              <a:cxn ang="0">
-                <a:pos x="connsiteX3" y="connsiteY3"/>
-              </a:cxn>
-            </a:cxnLst>
-            <a:rect l="l" t="t" r="r" b="b"/>
-            <a:pathLst>
-              <a:path w="2835357" h="1480837">
-                <a:moveTo>
-                  <a:pt x="2835357" y="1480837"/>
-                </a:moveTo>
-                <a:lnTo>
-                  <a:pt x="0" y="1480837"/>
-                </a:lnTo>
-                <a:lnTo>
-                  <a:pt x="1552727" y="0"/>
-                </a:lnTo>
-                <a:lnTo>
-                  <a:pt x="2835357" y="1223245"/>
-                </a:lnTo>
-                <a:close/>
-              </a:path>
-            </a:pathLst>
-          </a:custGeom>
-          <a:solidFill>
-            <a:schemeClr val="accent4">
-              <a:alpha val="30000"/>
-            </a:schemeClr>
-          </a:solidFill>
-          <a:ln>
-            <a:noFill/>
-          </a:ln>
-        </p:spPr>
-        <p:style>
-          <a:lnRef idx="2">
-            <a:schemeClr val="accent1">
-              <a:shade val="50000"/>
-            </a:schemeClr>
-          </a:lnRef>
-          <a:fillRef idx="1">
-            <a:schemeClr val="accent1"/>
-          </a:fillRef>
-          <a:effectRef idx="0">
-            <a:schemeClr val="accent1"/>
-          </a:effectRef>
-          <a:fontRef idx="minor">
-            <a:schemeClr val="lt1"/>
-          </a:fontRef>
-        </p:style>
-        <p:txBody>
-          <a:bodyPr wrap="square" rtlCol="0" anchor="ctr">
-            <a:noAutofit/>
-          </a:bodyPr>
-          <a:lstStyle/>
-          <a:p>
-            <a:pPr algn="ctr"/>
-            <a:endParaRPr lang="en-US" dirty="0"/>
-          </a:p>
-        </p:txBody>
-      </p:sp>
-      <p:sp>
-        <p:nvSpPr>
-          <p:cNvPr id="21" name="Isosceles Triangle 20">
-            <a:extLst>
-              <a:ext uri="{FF2B5EF4-FFF2-40B4-BE49-F238E27FC236}">
-                <a16:creationId xmlns:a16="http://schemas.microsoft.com/office/drawing/2014/main" id="{FF9F2414-84E8-453E-B1F3-389FDE8192D9}"/>
-              </a:ext>
-              <a:ext uri="{C183D7F6-B498-43B3-948B-1728B52AA6E4}">
-                <adec:decorative xmlns:adec="http://schemas.microsoft.com/office/drawing/2017/decorative" val="1"/>
-              </a:ext>
-            </a:extLst>
-          </p:cNvPr>
-          <p:cNvSpPr>
-            <a:spLocks noGrp="1" noRot="1" noChangeAspect="1" noMove="1" noResize="1" noEditPoints="1" noAdjustHandles="1" noChangeArrowheads="1" noChangeShapeType="1" noTextEdit="1"/>
-          </p:cNvSpPr>
-          <p:nvPr>
-            <p:extLst>
-              <p:ext uri="{386F3935-93C4-4BCD-93E2-E3B085C9AB24}">
-                <p16:designElem xmlns:p16="http://schemas.microsoft.com/office/powerpoint/2015/main" val="1"/>
-              </p:ext>
-            </p:extLst>
-          </p:nvPr>
-        </p:nvSpPr>
-        <p:spPr>
-          <a:xfrm flipH="1">
-            <a:off x="7976344" y="6115501"/>
-            <a:ext cx="1494513" cy="742499"/>
-          </a:xfrm>
-          <a:prstGeom prst="triangle">
-            <a:avLst/>
-          </a:prstGeom>
-          <a:solidFill>
-            <a:schemeClr val="accent1">
-              <a:alpha val="30000"/>
-            </a:schemeClr>
-          </a:solidFill>
-          <a:ln>
-            <a:noFill/>
-          </a:ln>
-        </p:spPr>
-        <p:style>
-          <a:lnRef idx="2">
-            <a:schemeClr val="accent1">
-              <a:shade val="50000"/>
-            </a:schemeClr>
-          </a:lnRef>
-          <a:fillRef idx="1">
-            <a:schemeClr val="accent1"/>
-          </a:fillRef>
-          <a:effectRef idx="0">
-            <a:schemeClr val="accent1"/>
-          </a:effectRef>
-          <a:fontRef idx="minor">
-            <a:schemeClr val="lt1"/>
-          </a:fontRef>
-        </p:style>
-        <p:txBody>
-          <a:bodyPr rtlCol="0" anchor="ctr"/>
-          <a:lstStyle/>
-          <a:p>
-            <a:pPr algn="ctr"/>
-            <a:endParaRPr lang="en-US"/>
-          </a:p>
-        </p:txBody>
-      </p:sp>
-      <p:sp>
-        <p:nvSpPr>
-          <p:cNvPr id="23" name="Isosceles Triangle 22">
-            <a:extLst>
-              <a:ext uri="{FF2B5EF4-FFF2-40B4-BE49-F238E27FC236}">
-                <a16:creationId xmlns:a16="http://schemas.microsoft.com/office/drawing/2014/main" id="{3ECA69A1-7536-43AC-85EF-C7106179F5ED}"/>
-              </a:ext>
-              <a:ext uri="{C183D7F6-B498-43B3-948B-1728B52AA6E4}">
-                <adec:decorative xmlns:adec="http://schemas.microsoft.com/office/drawing/2017/decorative" val="1"/>
-              </a:ext>
-            </a:extLst>
-          </p:cNvPr>
-          <p:cNvSpPr>
-            <a:spLocks noGrp="1" noRot="1" noChangeAspect="1" noMove="1" noResize="1" noEditPoints="1" noAdjustHandles="1" noChangeArrowheads="1" noChangeShapeType="1" noTextEdit="1"/>
-          </p:cNvSpPr>
-          <p:nvPr>
-            <p:extLst>
-              <p:ext uri="{386F3935-93C4-4BCD-93E2-E3B085C9AB24}">
-                <p16:designElem xmlns:p16="http://schemas.microsoft.com/office/powerpoint/2015/main" val="1"/>
-              </p:ext>
-            </p:extLst>
-          </p:nvPr>
-        </p:nvSpPr>
-        <p:spPr>
-          <a:xfrm flipH="1">
-            <a:off x="7604080" y="6453143"/>
-            <a:ext cx="814903" cy="404857"/>
-          </a:xfrm>
-          <a:prstGeom prst="triangle">
-            <a:avLst/>
-          </a:prstGeom>
-          <a:solidFill>
-            <a:schemeClr val="accent1">
-              <a:alpha val="30000"/>
-            </a:schemeClr>
-          </a:solidFill>
-          <a:ln>
-            <a:noFill/>
-          </a:ln>
-        </p:spPr>
-        <p:style>
-          <a:lnRef idx="2">
-            <a:schemeClr val="accent1">
-              <a:shade val="50000"/>
-            </a:schemeClr>
-          </a:lnRef>
-          <a:fillRef idx="1">
-            <a:schemeClr val="accent1"/>
-          </a:fillRef>
-          <a:effectRef idx="0">
-            <a:schemeClr val="accent1"/>
-          </a:effectRef>
-          <a:fontRef idx="minor">
-            <a:schemeClr val="lt1"/>
-          </a:fontRef>
-        </p:style>
-        <p:txBody>
-          <a:bodyPr rtlCol="0" anchor="ctr"/>
-          <a:lstStyle/>
-          <a:p>
-            <a:pPr algn="ctr"/>
-            <a:endParaRPr lang="en-US"/>
-          </a:p>
-        </p:txBody>
-      </p:sp>
-      <p:pic>
-        <p:nvPicPr>
-          <p:cNvPr id="4" name="Picture 3" descr="A black screen with a black background&#10;&#10;AI-generated content may be incorrect.">
-            <a:extLst>
-              <a:ext uri="{FF2B5EF4-FFF2-40B4-BE49-F238E27FC236}">
-                <a16:creationId xmlns:a16="http://schemas.microsoft.com/office/drawing/2014/main" id="{014BE5EF-3106-8054-5130-E8BF4DFA8311}"/>
-              </a:ext>
-            </a:extLst>
-          </p:cNvPr>
-          <p:cNvPicPr>
-            <a:picLocks noChangeAspect="1"/>
-          </p:cNvPicPr>
-          <p:nvPr/>
-        </p:nvPicPr>
-        <p:blipFill>
-          <a:blip r:embed="rId2">
-            <a:extLst>
-              <a:ext uri="{28A0092B-C50C-407E-A947-70E740481C1C}">
-                <a14:useLocalDpi xmlns:a14="http://schemas.microsoft.com/office/drawing/2010/main" val="0"/>
-              </a:ext>
-            </a:extLst>
-          </a:blip>
-          <a:stretch>
-            <a:fillRect/>
-          </a:stretch>
-        </p:blipFill>
-        <p:spPr>
-          <a:xfrm>
-            <a:off x="629728" y="647697"/>
-            <a:ext cx="10804292" cy="5680292"/>
-          </a:xfrm>
-          <a:prstGeom prst="rect">
-            <a:avLst/>
-          </a:prstGeom>
-        </p:spPr>
-      </p:pic>
-      <p:sp>
-        <p:nvSpPr>
-          <p:cNvPr id="2" name="TextBox 1">
-            <a:extLst>
-              <a:ext uri="{FF2B5EF4-FFF2-40B4-BE49-F238E27FC236}">
-                <a16:creationId xmlns:a16="http://schemas.microsoft.com/office/drawing/2014/main" id="{8431DCAF-210E-5E99-D199-71347518E905}"/>
-              </a:ext>
-            </a:extLst>
-          </p:cNvPr>
-          <p:cNvSpPr txBox="1"/>
-          <p:nvPr/>
-        </p:nvSpPr>
-        <p:spPr>
-          <a:xfrm>
-            <a:off x="629728" y="6218798"/>
-            <a:ext cx="6098874" cy="377476"/>
-          </a:xfrm>
-          <a:prstGeom prst="rect">
-            <a:avLst/>
-          </a:prstGeom>
-          <a:noFill/>
-        </p:spPr>
-        <p:txBody>
-          <a:bodyPr wrap="square">
-            <a:spAutoFit/>
-          </a:bodyPr>
-          <a:lstStyle/>
-          <a:p>
-            <a:pPr marR="0" lvl="0">
-              <a:lnSpc>
-                <a:spcPct val="107000"/>
-              </a:lnSpc>
-              <a:spcBef>
-                <a:spcPts val="0"/>
-              </a:spcBef>
-              <a:spcAft>
-                <a:spcPts val="800"/>
-              </a:spcAft>
-              <a:tabLst>
-                <a:tab pos="5212080" algn="l"/>
-              </a:tabLst>
-            </a:pPr>
-            <a:r>
-              <a:rPr lang="en-US" kern="100" dirty="0">
-                <a:latin typeface="Abadi" panose="020B0604020104020204" pitchFamily="34" charset="0"/>
-                <a:ea typeface="Aptos" panose="020B0004020202020204" pitchFamily="34" charset="0"/>
-                <a:cs typeface="Leelawadee UI" panose="020B0502040204020203" pitchFamily="34" charset="-34"/>
-              </a:rPr>
               <a:t>7. </a:t>
             </a:r>
             <a:r>
@@ -28192,7 +27872,7 @@
 </p:sld>
 </file>
 
-<file path=ppt/slides/slide37.xml><?xml version="1.0" encoding="utf-8"?>
+<file path=ppt/slides/slide36.xml><?xml version="1.0" encoding="utf-8"?>
 <p:sld xmlns:a="http://schemas.openxmlformats.org/drawingml/2006/main" xmlns:r="http://schemas.openxmlformats.org/officeDocument/2006/relationships" xmlns:p="http://schemas.openxmlformats.org/presentationml/2006/main">
   <p:cSld>
     <p:bg>
@@ -29604,7 +29284,7 @@
 </p:sld>
 </file>
 
-<file path=ppt/slides/slide38.xml><?xml version="1.0" encoding="utf-8"?>
+<file path=ppt/slides/slide37.xml><?xml version="1.0" encoding="utf-8"?>
 <p:sld xmlns:a="http://schemas.openxmlformats.org/drawingml/2006/main" xmlns:r="http://schemas.openxmlformats.org/officeDocument/2006/relationships" xmlns:p="http://schemas.openxmlformats.org/presentationml/2006/main">
   <p:cSld>
     <p:bg>
@@ -31136,7 +30816,7 @@
 </p:sld>
 </file>
 
-<file path=ppt/slides/slide39.xml><?xml version="1.0" encoding="utf-8"?>
+<file path=ppt/slides/slide38.xml><?xml version="1.0" encoding="utf-8"?>
 <p:sld xmlns:a="http://schemas.openxmlformats.org/drawingml/2006/main" xmlns:r="http://schemas.openxmlformats.org/officeDocument/2006/relationships" xmlns:p="http://schemas.openxmlformats.org/presentationml/2006/main">
   <p:cSld>
     <p:bg>
@@ -32764,1065 +32444,7 @@
 </p:sld>
 </file>
 
-<file path=ppt/slides/slide4.xml><?xml version="1.0" encoding="utf-8"?>
-<p:sld xmlns:a="http://schemas.openxmlformats.org/drawingml/2006/main" xmlns:r="http://schemas.openxmlformats.org/officeDocument/2006/relationships" xmlns:p="http://schemas.openxmlformats.org/presentationml/2006/main">
-  <p:cSld>
-    <p:bg>
-      <p:bgPr>
-        <a:solidFill>
-          <a:schemeClr val="bg1"/>
-        </a:solidFill>
-        <a:effectLst/>
-      </p:bgPr>
-    </p:bg>
-    <p:spTree>
-      <p:nvGrpSpPr>
-        <p:cNvPr id="1" name=""/>
-        <p:cNvGrpSpPr/>
-        <p:nvPr/>
-      </p:nvGrpSpPr>
-      <p:grpSpPr>
-        <a:xfrm>
-          <a:off x="0" y="0"/>
-          <a:ext cx="0" cy="0"/>
-          <a:chOff x="0" y="0"/>
-          <a:chExt cx="0" cy="0"/>
-        </a:xfrm>
-      </p:grpSpPr>
-      <p:sp useBgFill="1">
-        <p:nvSpPr>
-          <p:cNvPr id="8" name="Rectangle 7">
-            <a:extLst>
-              <a:ext uri="{FF2B5EF4-FFF2-40B4-BE49-F238E27FC236}">
-                <a16:creationId xmlns:a16="http://schemas.microsoft.com/office/drawing/2014/main" id="{F837543A-6020-4505-A233-C9DB4BF74011}"/>
-              </a:ext>
-              <a:ext uri="{C183D7F6-B498-43B3-948B-1728B52AA6E4}">
-                <adec:decorative xmlns:adec="http://schemas.microsoft.com/office/drawing/2017/decorative" val="1"/>
-              </a:ext>
-            </a:extLst>
-          </p:cNvPr>
-          <p:cNvSpPr>
-            <a:spLocks noGrp="1" noRot="1" noChangeAspect="1" noMove="1" noResize="1" noEditPoints="1" noAdjustHandles="1" noChangeArrowheads="1" noChangeShapeType="1" noTextEdit="1"/>
-          </p:cNvSpPr>
-          <p:nvPr>
-            <p:extLst>
-              <p:ext uri="{386F3935-93C4-4BCD-93E2-E3B085C9AB24}">
-                <p16:designElem xmlns:p16="http://schemas.microsoft.com/office/powerpoint/2015/main" val="1"/>
-              </p:ext>
-            </p:extLst>
-          </p:nvPr>
-        </p:nvSpPr>
-        <p:spPr>
-          <a:xfrm>
-            <a:off x="3048" y="0"/>
-            <a:ext cx="12188952" cy="6858000"/>
-          </a:xfrm>
-          <a:prstGeom prst="rect">
-            <a:avLst/>
-          </a:prstGeom>
-          <a:ln>
-            <a:noFill/>
-          </a:ln>
-        </p:spPr>
-        <p:style>
-          <a:lnRef idx="2">
-            <a:schemeClr val="accent1">
-              <a:shade val="50000"/>
-            </a:schemeClr>
-          </a:lnRef>
-          <a:fillRef idx="1">
-            <a:schemeClr val="accent1"/>
-          </a:fillRef>
-          <a:effectRef idx="0">
-            <a:schemeClr val="accent1"/>
-          </a:effectRef>
-          <a:fontRef idx="minor">
-            <a:schemeClr val="lt1"/>
-          </a:fontRef>
-        </p:style>
-        <p:txBody>
-          <a:bodyPr rtlCol="0" anchor="ctr"/>
-          <a:lstStyle/>
-          <a:p>
-            <a:pPr algn="ctr"/>
-            <a:endParaRPr lang="en-US"/>
-          </a:p>
-        </p:txBody>
-      </p:sp>
-      <p:sp>
-        <p:nvSpPr>
-          <p:cNvPr id="2" name="Title 1">
-            <a:extLst>
-              <a:ext uri="{FF2B5EF4-FFF2-40B4-BE49-F238E27FC236}">
-                <a16:creationId xmlns:a16="http://schemas.microsoft.com/office/drawing/2014/main" id="{8225481D-4D46-E6D3-D7E7-964881F2F401}"/>
-              </a:ext>
-            </a:extLst>
-          </p:cNvPr>
-          <p:cNvSpPr>
-            <a:spLocks noGrp="1"/>
-          </p:cNvSpPr>
-          <p:nvPr>
-            <p:ph type="title"/>
-          </p:nvPr>
-        </p:nvSpPr>
-        <p:spPr>
-          <a:xfrm>
-            <a:off x="838200" y="365125"/>
-            <a:ext cx="5558489" cy="1325563"/>
-          </a:xfrm>
-        </p:spPr>
-        <p:txBody>
-          <a:bodyPr>
-            <a:normAutofit/>
-          </a:bodyPr>
-          <a:lstStyle/>
-          <a:p>
-            <a:r>
-              <a:rPr lang="en-US" dirty="0"/>
-              <a:t>Key Features of Gujarat Vidyapith Chatbot</a:t>
-            </a:r>
-          </a:p>
-        </p:txBody>
-      </p:sp>
-      <p:sp>
-        <p:nvSpPr>
-          <p:cNvPr id="10" name="Freeform: Shape 9">
-            <a:extLst>
-              <a:ext uri="{FF2B5EF4-FFF2-40B4-BE49-F238E27FC236}">
-                <a16:creationId xmlns:a16="http://schemas.microsoft.com/office/drawing/2014/main" id="{35B16301-FB18-48BA-A6DD-C37CAF6F9A18}"/>
-              </a:ext>
-              <a:ext uri="{C183D7F6-B498-43B3-948B-1728B52AA6E4}">
-                <adec:decorative xmlns:adec="http://schemas.microsoft.com/office/drawing/2017/decorative" val="1"/>
-              </a:ext>
-            </a:extLst>
-          </p:cNvPr>
-          <p:cNvSpPr>
-            <a:spLocks noGrp="1" noRot="1" noChangeAspect="1" noMove="1" noResize="1" noEditPoints="1" noAdjustHandles="1" noChangeArrowheads="1" noChangeShapeType="1" noTextEdit="1"/>
-          </p:cNvSpPr>
-          <p:nvPr>
-            <p:extLst>
-              <p:ext uri="{386F3935-93C4-4BCD-93E2-E3B085C9AB24}">
-                <p16:designElem xmlns:p16="http://schemas.microsoft.com/office/powerpoint/2015/main" val="1"/>
-              </p:ext>
-            </p:extLst>
-          </p:nvPr>
-        </p:nvSpPr>
-        <p:spPr>
-          <a:xfrm>
-            <a:off x="10208695" y="1"/>
-            <a:ext cx="1135066" cy="477997"/>
-          </a:xfrm>
-          <a:custGeom>
-            <a:avLst/>
-            <a:gdLst>
-              <a:gd name="connsiteX0" fmla="*/ 0 w 1135066"/>
-              <a:gd name="connsiteY0" fmla="*/ 0 h 477997"/>
-              <a:gd name="connsiteX1" fmla="*/ 1135066 w 1135066"/>
-              <a:gd name="connsiteY1" fmla="*/ 0 h 477997"/>
-              <a:gd name="connsiteX2" fmla="*/ 1133370 w 1135066"/>
-              <a:gd name="connsiteY2" fmla="*/ 16827 h 477997"/>
-              <a:gd name="connsiteX3" fmla="*/ 567533 w 1135066"/>
-              <a:gd name="connsiteY3" fmla="*/ 477997 h 477997"/>
-              <a:gd name="connsiteX4" fmla="*/ 1696 w 1135066"/>
-              <a:gd name="connsiteY4" fmla="*/ 16827 h 477997"/>
-            </a:gdLst>
-            <a:ahLst/>
-            <a:cxnLst>
-              <a:cxn ang="0">
-                <a:pos x="connsiteX0" y="connsiteY0"/>
-              </a:cxn>
-              <a:cxn ang="0">
-                <a:pos x="connsiteX1" y="connsiteY1"/>
-              </a:cxn>
-              <a:cxn ang="0">
-                <a:pos x="connsiteX2" y="connsiteY2"/>
-              </a:cxn>
-              <a:cxn ang="0">
-                <a:pos x="connsiteX3" y="connsiteY3"/>
-              </a:cxn>
-              <a:cxn ang="0">
-                <a:pos x="connsiteX4" y="connsiteY4"/>
-              </a:cxn>
-            </a:cxnLst>
-            <a:rect l="l" t="t" r="r" b="b"/>
-            <a:pathLst>
-              <a:path w="1135066" h="477997">
-                <a:moveTo>
-                  <a:pt x="0" y="0"/>
-                </a:moveTo>
-                <a:lnTo>
-                  <a:pt x="1135066" y="0"/>
-                </a:lnTo>
-                <a:lnTo>
-                  <a:pt x="1133370" y="16827"/>
-                </a:lnTo>
-                <a:cubicBezTo>
-                  <a:pt x="1079514" y="280016"/>
-                  <a:pt x="846644" y="477997"/>
-                  <a:pt x="567533" y="477997"/>
-                </a:cubicBezTo>
-                <a:cubicBezTo>
-                  <a:pt x="288422" y="477997"/>
-                  <a:pt x="55552" y="280016"/>
-                  <a:pt x="1696" y="16827"/>
-                </a:cubicBezTo>
-                <a:close/>
-              </a:path>
-            </a:pathLst>
-          </a:custGeom>
-          <a:solidFill>
-            <a:schemeClr val="accent5"/>
-          </a:solidFill>
-          <a:ln>
-            <a:noFill/>
-          </a:ln>
-        </p:spPr>
-        <p:style>
-          <a:lnRef idx="2">
-            <a:schemeClr val="accent1">
-              <a:shade val="50000"/>
-            </a:schemeClr>
-          </a:lnRef>
-          <a:fillRef idx="1">
-            <a:schemeClr val="accent1"/>
-          </a:fillRef>
-          <a:effectRef idx="0">
-            <a:schemeClr val="accent1"/>
-          </a:effectRef>
-          <a:fontRef idx="minor">
-            <a:schemeClr val="lt1"/>
-          </a:fontRef>
-        </p:style>
-        <p:txBody>
-          <a:bodyPr wrap="square" rtlCol="0" anchor="ctr">
-            <a:noAutofit/>
-          </a:bodyPr>
-          <a:lstStyle/>
-          <a:p>
-            <a:pPr algn="ctr"/>
-            <a:endParaRPr lang="en-US"/>
-          </a:p>
-        </p:txBody>
-      </p:sp>
-      <p:sp>
-        <p:nvSpPr>
-          <p:cNvPr id="3" name="Content Placeholder 2">
-            <a:extLst>
-              <a:ext uri="{FF2B5EF4-FFF2-40B4-BE49-F238E27FC236}">
-                <a16:creationId xmlns:a16="http://schemas.microsoft.com/office/drawing/2014/main" id="{EE34D7B9-864C-B14A-FE23-E8B147F244B3}"/>
-              </a:ext>
-            </a:extLst>
-          </p:cNvPr>
-          <p:cNvSpPr>
-            <a:spLocks noGrp="1"/>
-          </p:cNvSpPr>
-          <p:nvPr>
-            <p:ph idx="1"/>
-          </p:nvPr>
-        </p:nvSpPr>
-        <p:spPr>
-          <a:xfrm>
-            <a:off x="838200" y="1825625"/>
-            <a:ext cx="5983109" cy="4601054"/>
-          </a:xfrm>
-        </p:spPr>
-        <p:txBody>
-          <a:bodyPr>
-            <a:normAutofit lnSpcReduction="10000"/>
-          </a:bodyPr>
-          <a:lstStyle/>
-          <a:p>
-            <a:r>
-              <a:rPr lang="en-US" sz="1800" dirty="0"/>
-              <a:t>Provides instant answers to university-related queries</a:t>
-            </a:r>
-          </a:p>
-          <a:p>
-            <a:r>
-              <a:rPr lang="en-US" sz="1800" dirty="0"/>
-              <a:t>Covers departments, courses, admissions and general campus information</a:t>
-            </a:r>
-          </a:p>
-          <a:p>
-            <a:r>
-              <a:rPr lang="en-US" sz="1800" dirty="0"/>
-              <a:t>Works on intent-based training to maintain accuracy</a:t>
-            </a:r>
-          </a:p>
-          <a:p>
-            <a:r>
-              <a:rPr lang="en-US" sz="1800" dirty="0"/>
-              <a:t>Simple and clean chat interface for students and visitors</a:t>
-            </a:r>
-          </a:p>
-          <a:p>
-            <a:r>
-              <a:rPr lang="en-US" sz="1800" dirty="0"/>
-              <a:t>Centralized admin panel to add, update or remove intents</a:t>
-            </a:r>
-          </a:p>
-          <a:p>
-            <a:r>
-              <a:rPr lang="en-US" sz="1800" dirty="0"/>
-              <a:t>Responds 24/7 without depending on staff availability</a:t>
-            </a:r>
-          </a:p>
-          <a:p>
-            <a:r>
-              <a:rPr lang="en-US" sz="1800" dirty="0"/>
-              <a:t>Reduces repetitive workload for faculty and office staff</a:t>
-            </a:r>
-          </a:p>
-          <a:p>
-            <a:r>
-              <a:rPr lang="en-US" sz="1800" dirty="0"/>
-              <a:t>Supports structured responses for important topics like fees, programs and eligibility</a:t>
-            </a:r>
-          </a:p>
-          <a:p>
-            <a:r>
-              <a:rPr lang="en-US" sz="1800" dirty="0"/>
-              <a:t>Can be expanded with automatic model training in future</a:t>
-            </a:r>
-          </a:p>
-          <a:p>
-            <a:r>
-              <a:rPr lang="en-US" sz="1800" dirty="0"/>
-              <a:t>Lightweight design that works on the web without heavy setup</a:t>
-            </a:r>
-          </a:p>
-        </p:txBody>
-      </p:sp>
-      <p:sp>
-        <p:nvSpPr>
-          <p:cNvPr id="12" name="Oval 11">
-            <a:extLst>
-              <a:ext uri="{FF2B5EF4-FFF2-40B4-BE49-F238E27FC236}">
-                <a16:creationId xmlns:a16="http://schemas.microsoft.com/office/drawing/2014/main" id="{C3C0D90E-074A-4F52-9B11-B52BEF4BCBE5}"/>
-              </a:ext>
-              <a:ext uri="{C183D7F6-B498-43B3-948B-1728B52AA6E4}">
-                <adec:decorative xmlns:adec="http://schemas.microsoft.com/office/drawing/2017/decorative" val="1"/>
-              </a:ext>
-            </a:extLst>
-          </p:cNvPr>
-          <p:cNvSpPr>
-            <a:spLocks noGrp="1" noRot="1" noChangeAspect="1" noMove="1" noResize="1" noEditPoints="1" noAdjustHandles="1" noChangeArrowheads="1" noChangeShapeType="1" noTextEdit="1"/>
-          </p:cNvSpPr>
-          <p:nvPr>
-            <p:extLst>
-              <p:ext uri="{386F3935-93C4-4BCD-93E2-E3B085C9AB24}">
-                <p16:designElem xmlns:p16="http://schemas.microsoft.com/office/powerpoint/2015/main" val="1"/>
-              </p:ext>
-            </p:extLst>
-          </p:nvPr>
-        </p:nvSpPr>
-        <p:spPr>
-          <a:xfrm>
-            <a:off x="6821310" y="2624479"/>
-            <a:ext cx="812427" cy="812427"/>
-          </a:xfrm>
-          <a:prstGeom prst="ellipse">
-            <a:avLst/>
-          </a:prstGeom>
-          <a:noFill/>
-          <a:ln w="127000">
-            <a:solidFill>
-              <a:schemeClr val="accent5"/>
-            </a:solidFill>
-          </a:ln>
-        </p:spPr>
-        <p:style>
-          <a:lnRef idx="2">
-            <a:schemeClr val="accent1">
-              <a:shade val="50000"/>
-            </a:schemeClr>
-          </a:lnRef>
-          <a:fillRef idx="1">
-            <a:schemeClr val="accent1"/>
-          </a:fillRef>
-          <a:effectRef idx="0">
-            <a:schemeClr val="accent1"/>
-          </a:effectRef>
-          <a:fontRef idx="minor">
-            <a:schemeClr val="lt1"/>
-          </a:fontRef>
-        </p:style>
-        <p:txBody>
-          <a:bodyPr rtlCol="0" anchor="ctr"/>
-          <a:lstStyle/>
-          <a:p>
-            <a:pPr algn="ctr"/>
-            <a:endParaRPr lang="en-US" dirty="0"/>
-          </a:p>
-        </p:txBody>
-      </p:sp>
-      <p:sp>
-        <p:nvSpPr>
-          <p:cNvPr id="14" name="Block Arc 13">
-            <a:extLst>
-              <a:ext uri="{FF2B5EF4-FFF2-40B4-BE49-F238E27FC236}">
-                <a16:creationId xmlns:a16="http://schemas.microsoft.com/office/drawing/2014/main" id="{CABBD4C1-E6F8-46F6-8152-A8A97490BF4D}"/>
-              </a:ext>
-              <a:ext uri="{C183D7F6-B498-43B3-948B-1728B52AA6E4}">
-                <adec:decorative xmlns:adec="http://schemas.microsoft.com/office/drawing/2017/decorative" val="1"/>
-              </a:ext>
-            </a:extLst>
-          </p:cNvPr>
-          <p:cNvSpPr>
-            <a:spLocks noGrp="1" noRot="1" noChangeAspect="1" noMove="1" noResize="1" noEditPoints="1" noAdjustHandles="1" noChangeArrowheads="1" noChangeShapeType="1" noTextEdit="1"/>
-          </p:cNvSpPr>
-          <p:nvPr>
-            <p:extLst>
-              <p:ext uri="{386F3935-93C4-4BCD-93E2-E3B085C9AB24}">
-                <p16:designElem xmlns:p16="http://schemas.microsoft.com/office/powerpoint/2015/main" val="1"/>
-              </p:ext>
-            </p:extLst>
-          </p:nvPr>
-        </p:nvSpPr>
-        <p:spPr>
-          <a:xfrm rot="16200000">
-            <a:off x="8912417" y="1218531"/>
-            <a:ext cx="2387600" cy="2387600"/>
-          </a:xfrm>
-          <a:prstGeom prst="blockArc">
-            <a:avLst/>
-          </a:prstGeom>
-          <a:solidFill>
-            <a:schemeClr val="accent2"/>
-          </a:solidFill>
-          <a:ln>
-            <a:noFill/>
-          </a:ln>
-        </p:spPr>
-        <p:style>
-          <a:lnRef idx="2">
-            <a:schemeClr val="accent1">
-              <a:shade val="50000"/>
-            </a:schemeClr>
-          </a:lnRef>
-          <a:fillRef idx="1">
-            <a:schemeClr val="accent1"/>
-          </a:fillRef>
-          <a:effectRef idx="0">
-            <a:schemeClr val="accent1"/>
-          </a:effectRef>
-          <a:fontRef idx="minor">
-            <a:schemeClr val="lt1"/>
-          </a:fontRef>
-        </p:style>
-        <p:txBody>
-          <a:bodyPr rtlCol="0" anchor="ctr"/>
-          <a:lstStyle/>
-          <a:p>
-            <a:pPr algn="ctr"/>
-            <a:endParaRPr lang="en-US">
-              <a:solidFill>
-                <a:schemeClr val="tx1"/>
-              </a:solidFill>
-            </a:endParaRPr>
-          </a:p>
-        </p:txBody>
-      </p:sp>
-      <p:sp>
-        <p:nvSpPr>
-          <p:cNvPr id="16" name="Freeform: Shape 15">
-            <a:extLst>
-              <a:ext uri="{FF2B5EF4-FFF2-40B4-BE49-F238E27FC236}">
-                <a16:creationId xmlns:a16="http://schemas.microsoft.com/office/drawing/2014/main" id="{83BA5EF5-1FE9-4BF9-83BB-269BCDDF6156}"/>
-              </a:ext>
-              <a:ext uri="{C183D7F6-B498-43B3-948B-1728B52AA6E4}">
-                <adec:decorative xmlns:adec="http://schemas.microsoft.com/office/drawing/2017/decorative" val="1"/>
-              </a:ext>
-            </a:extLst>
-          </p:cNvPr>
-          <p:cNvSpPr>
-            <a:spLocks noGrp="1" noRot="1" noChangeAspect="1" noMove="1" noResize="1" noEditPoints="1" noAdjustHandles="1" noChangeArrowheads="1" noChangeShapeType="1" noTextEdit="1"/>
-          </p:cNvSpPr>
-          <p:nvPr>
-            <p:extLst>
-              <p:ext uri="{386F3935-93C4-4BCD-93E2-E3B085C9AB24}">
-                <p16:designElem xmlns:p16="http://schemas.microsoft.com/office/powerpoint/2015/main" val="1"/>
-              </p:ext>
-            </p:extLst>
-          </p:nvPr>
-        </p:nvSpPr>
-        <p:spPr>
-          <a:xfrm>
-            <a:off x="6821310" y="0"/>
-            <a:ext cx="2315251" cy="1550992"/>
-          </a:xfrm>
-          <a:custGeom>
-            <a:avLst/>
-            <a:gdLst>
-              <a:gd name="connsiteX0" fmla="*/ 0 w 2315251"/>
-              <a:gd name="connsiteY0" fmla="*/ 0 h 1550992"/>
-              <a:gd name="connsiteX1" fmla="*/ 138700 w 2315251"/>
-              <a:gd name="connsiteY1" fmla="*/ 0 h 1550992"/>
-              <a:gd name="connsiteX2" fmla="*/ 138700 w 2315251"/>
-              <a:gd name="connsiteY2" fmla="*/ 1361400 h 1550992"/>
-              <a:gd name="connsiteX3" fmla="*/ 2107387 w 2315251"/>
-              <a:gd name="connsiteY3" fmla="*/ 222673 h 1550992"/>
-              <a:gd name="connsiteX4" fmla="*/ 1722420 w 2315251"/>
-              <a:gd name="connsiteY4" fmla="*/ 0 h 1550992"/>
-              <a:gd name="connsiteX5" fmla="*/ 1999436 w 2315251"/>
-              <a:gd name="connsiteY5" fmla="*/ 0 h 1550992"/>
-              <a:gd name="connsiteX6" fmla="*/ 2280549 w 2315251"/>
-              <a:gd name="connsiteY6" fmla="*/ 162605 h 1550992"/>
-              <a:gd name="connsiteX7" fmla="*/ 2305953 w 2315251"/>
-              <a:gd name="connsiteY7" fmla="*/ 257336 h 1550992"/>
-              <a:gd name="connsiteX8" fmla="*/ 2280549 w 2315251"/>
-              <a:gd name="connsiteY8" fmla="*/ 282740 h 1550992"/>
-              <a:gd name="connsiteX9" fmla="*/ 104026 w 2315251"/>
-              <a:gd name="connsiteY9" fmla="*/ 1541710 h 1550992"/>
-              <a:gd name="connsiteX10" fmla="*/ 69351 w 2315251"/>
-              <a:gd name="connsiteY10" fmla="*/ 1550992 h 1550992"/>
-              <a:gd name="connsiteX11" fmla="*/ 0 w 2315251"/>
-              <a:gd name="connsiteY11" fmla="*/ 1481643 h 1550992"/>
-            </a:gdLst>
-            <a:ahLst/>
-            <a:cxnLst>
-              <a:cxn ang="0">
-                <a:pos x="connsiteX0" y="connsiteY0"/>
-              </a:cxn>
-              <a:cxn ang="0">
-                <a:pos x="connsiteX1" y="connsiteY1"/>
-              </a:cxn>
-              <a:cxn ang="0">
-                <a:pos x="connsiteX2" y="connsiteY2"/>
-              </a:cxn>
-              <a:cxn ang="0">
-                <a:pos x="connsiteX3" y="connsiteY3"/>
-              </a:cxn>
-              <a:cxn ang="0">
-                <a:pos x="connsiteX4" y="connsiteY4"/>
-              </a:cxn>
-              <a:cxn ang="0">
-                <a:pos x="connsiteX5" y="connsiteY5"/>
-              </a:cxn>
-              <a:cxn ang="0">
-                <a:pos x="connsiteX6" y="connsiteY6"/>
-              </a:cxn>
-              <a:cxn ang="0">
-                <a:pos x="connsiteX7" y="connsiteY7"/>
-              </a:cxn>
-              <a:cxn ang="0">
-                <a:pos x="connsiteX8" y="connsiteY8"/>
-              </a:cxn>
-              <a:cxn ang="0">
-                <a:pos x="connsiteX9" y="connsiteY9"/>
-              </a:cxn>
-              <a:cxn ang="0">
-                <a:pos x="connsiteX10" y="connsiteY10"/>
-              </a:cxn>
-              <a:cxn ang="0">
-                <a:pos x="connsiteX11" y="connsiteY11"/>
-              </a:cxn>
-            </a:cxnLst>
-            <a:rect l="l" t="t" r="r" b="b"/>
-            <a:pathLst>
-              <a:path w="2315251" h="1550992">
-                <a:moveTo>
-                  <a:pt x="0" y="0"/>
-                </a:moveTo>
-                <a:lnTo>
-                  <a:pt x="138700" y="0"/>
-                </a:lnTo>
-                <a:lnTo>
-                  <a:pt x="138700" y="1361400"/>
-                </a:lnTo>
-                <a:lnTo>
-                  <a:pt x="2107387" y="222673"/>
-                </a:lnTo>
-                <a:lnTo>
-                  <a:pt x="1722420" y="0"/>
-                </a:lnTo>
-                <a:lnTo>
-                  <a:pt x="1999436" y="0"/>
-                </a:lnTo>
-                <a:lnTo>
-                  <a:pt x="2280549" y="162605"/>
-                </a:lnTo>
-                <a:cubicBezTo>
-                  <a:pt x="2313720" y="181745"/>
-                  <a:pt x="2325104" y="224155"/>
-                  <a:pt x="2305953" y="257336"/>
-                </a:cubicBezTo>
-                <a:cubicBezTo>
-                  <a:pt x="2299872" y="267889"/>
-                  <a:pt x="2291101" y="276648"/>
-                  <a:pt x="2280549" y="282740"/>
-                </a:cubicBezTo>
-                <a:lnTo>
-                  <a:pt x="104026" y="1541710"/>
-                </a:lnTo>
-                <a:cubicBezTo>
-                  <a:pt x="93484" y="1547802"/>
-                  <a:pt x="81523" y="1551003"/>
-                  <a:pt x="69351" y="1550992"/>
-                </a:cubicBezTo>
-                <a:cubicBezTo>
-                  <a:pt x="31049" y="1550992"/>
-                  <a:pt x="0" y="1519944"/>
-                  <a:pt x="0" y="1481643"/>
-                </a:cubicBezTo>
-                <a:close/>
-              </a:path>
-            </a:pathLst>
-          </a:custGeom>
-          <a:solidFill>
-            <a:schemeClr val="accent6"/>
-          </a:solidFill>
-          <a:ln w="9525" cap="flat">
-            <a:noFill/>
-            <a:prstDash val="solid"/>
-            <a:miter/>
-          </a:ln>
-        </p:spPr>
-        <p:txBody>
-          <a:bodyPr rtlCol="0" anchor="ctr"/>
-          <a:lstStyle/>
-          <a:p>
-            <a:endParaRPr lang="en-US" dirty="0"/>
-          </a:p>
-        </p:txBody>
-      </p:sp>
-      <p:cxnSp>
-        <p:nvCxnSpPr>
-          <p:cNvPr id="18" name="Straight Connector 17">
-            <a:extLst>
-              <a:ext uri="{FF2B5EF4-FFF2-40B4-BE49-F238E27FC236}">
-                <a16:creationId xmlns:a16="http://schemas.microsoft.com/office/drawing/2014/main" id="{4B3BCACB-5880-460B-9606-8C433A9AF99D}"/>
-              </a:ext>
-              <a:ext uri="{C183D7F6-B498-43B3-948B-1728B52AA6E4}">
-                <adec:decorative xmlns:adec="http://schemas.microsoft.com/office/drawing/2017/decorative" val="1"/>
-              </a:ext>
-            </a:extLst>
-          </p:cNvPr>
-          <p:cNvCxnSpPr>
-            <a:cxnSpLocks noGrp="1" noRot="1" noChangeAspect="1" noMove="1" noResize="1" noEditPoints="1" noAdjustHandles="1" noChangeArrowheads="1" noChangeShapeType="1"/>
-          </p:cNvCxnSpPr>
-          <p:nvPr>
-            <p:extLst>
-              <p:ext uri="{386F3935-93C4-4BCD-93E2-E3B085C9AB24}">
-                <p16:designElem xmlns:p16="http://schemas.microsoft.com/office/powerpoint/2015/main" val="1"/>
-              </p:ext>
-            </p:extLst>
-          </p:nvPr>
-        </p:nvCxnSpPr>
-        <p:spPr>
-          <a:xfrm>
-            <a:off x="11724638" y="1331572"/>
-            <a:ext cx="0" cy="1597708"/>
-          </a:xfrm>
-          <a:prstGeom prst="line">
-            <a:avLst/>
-          </a:prstGeom>
-          <a:ln w="127000" cap="rnd">
-            <a:solidFill>
-              <a:schemeClr val="accent4"/>
-            </a:solidFill>
-            <a:prstDash val="dash"/>
-          </a:ln>
-        </p:spPr>
-        <p:style>
-          <a:lnRef idx="1">
-            <a:schemeClr val="accent1"/>
-          </a:lnRef>
-          <a:fillRef idx="0">
-            <a:schemeClr val="accent1"/>
-          </a:fillRef>
-          <a:effectRef idx="0">
-            <a:schemeClr val="accent1"/>
-          </a:effectRef>
-          <a:fontRef idx="minor">
-            <a:schemeClr val="tx1"/>
-          </a:fontRef>
-        </p:style>
-      </p:cxnSp>
-      <p:sp>
-        <p:nvSpPr>
-          <p:cNvPr id="20" name="Freeform: Shape 19">
-            <a:extLst>
-              <a:ext uri="{FF2B5EF4-FFF2-40B4-BE49-F238E27FC236}">
-                <a16:creationId xmlns:a16="http://schemas.microsoft.com/office/drawing/2014/main" id="{88853921-7BC9-4BDE-ACAB-133C683C82D6}"/>
-              </a:ext>
-              <a:ext uri="{C183D7F6-B498-43B3-948B-1728B52AA6E4}">
-                <adec:decorative xmlns:adec="http://schemas.microsoft.com/office/drawing/2017/decorative" val="1"/>
-              </a:ext>
-            </a:extLst>
-          </p:cNvPr>
-          <p:cNvSpPr>
-            <a:spLocks noGrp="1" noRot="1" noChangeAspect="1" noMove="1" noResize="1" noEditPoints="1" noAdjustHandles="1" noChangeArrowheads="1" noChangeShapeType="1" noTextEdit="1"/>
-          </p:cNvSpPr>
-          <p:nvPr>
-            <p:extLst>
-              <p:ext uri="{386F3935-93C4-4BCD-93E2-E3B085C9AB24}">
-                <p16:designElem xmlns:p16="http://schemas.microsoft.com/office/powerpoint/2015/main" val="1"/>
-              </p:ext>
-            </p:extLst>
-          </p:nvPr>
-        </p:nvSpPr>
-        <p:spPr>
-          <a:xfrm>
-            <a:off x="11005550" y="4112081"/>
-            <a:ext cx="1186451" cy="1771650"/>
-          </a:xfrm>
-          <a:custGeom>
-            <a:avLst/>
-            <a:gdLst>
-              <a:gd name="connsiteX0" fmla="*/ 61913 w 1186451"/>
-              <a:gd name="connsiteY0" fmla="*/ 0 h 1771650"/>
-              <a:gd name="connsiteX1" fmla="*/ 1186451 w 1186451"/>
-              <a:gd name="connsiteY1" fmla="*/ 0 h 1771650"/>
-              <a:gd name="connsiteX2" fmla="*/ 1186451 w 1186451"/>
-              <a:gd name="connsiteY2" fmla="*/ 123825 h 1771650"/>
-              <a:gd name="connsiteX3" fmla="*/ 123825 w 1186451"/>
-              <a:gd name="connsiteY3" fmla="*/ 123825 h 1771650"/>
-              <a:gd name="connsiteX4" fmla="*/ 123825 w 1186451"/>
-              <a:gd name="connsiteY4" fmla="*/ 1647825 h 1771650"/>
-              <a:gd name="connsiteX5" fmla="*/ 1186451 w 1186451"/>
-              <a:gd name="connsiteY5" fmla="*/ 1647825 h 1771650"/>
-              <a:gd name="connsiteX6" fmla="*/ 1186451 w 1186451"/>
-              <a:gd name="connsiteY6" fmla="*/ 1771650 h 1771650"/>
-              <a:gd name="connsiteX7" fmla="*/ 61913 w 1186451"/>
-              <a:gd name="connsiteY7" fmla="*/ 1771650 h 1771650"/>
-              <a:gd name="connsiteX8" fmla="*/ 0 w 1186451"/>
-              <a:gd name="connsiteY8" fmla="*/ 1709738 h 1771650"/>
-              <a:gd name="connsiteX9" fmla="*/ 0 w 1186451"/>
-              <a:gd name="connsiteY9" fmla="*/ 61913 h 1771650"/>
-              <a:gd name="connsiteX10" fmla="*/ 61913 w 1186451"/>
-              <a:gd name="connsiteY10" fmla="*/ 0 h 1771650"/>
-            </a:gdLst>
-            <a:ahLst/>
-            <a:cxnLst>
-              <a:cxn ang="0">
-                <a:pos x="connsiteX0" y="connsiteY0"/>
-              </a:cxn>
-              <a:cxn ang="0">
-                <a:pos x="connsiteX1" y="connsiteY1"/>
-              </a:cxn>
-              <a:cxn ang="0">
-                <a:pos x="connsiteX2" y="connsiteY2"/>
-              </a:cxn>
-              <a:cxn ang="0">
-                <a:pos x="connsiteX3" y="connsiteY3"/>
-              </a:cxn>
-              <a:cxn ang="0">
-                <a:pos x="connsiteX4" y="connsiteY4"/>
-              </a:cxn>
-              <a:cxn ang="0">
-                <a:pos x="connsiteX5" y="connsiteY5"/>
-              </a:cxn>
-              <a:cxn ang="0">
-                <a:pos x="connsiteX6" y="connsiteY6"/>
-              </a:cxn>
-              <a:cxn ang="0">
-                <a:pos x="connsiteX7" y="connsiteY7"/>
-              </a:cxn>
-              <a:cxn ang="0">
-                <a:pos x="connsiteX8" y="connsiteY8"/>
-              </a:cxn>
-              <a:cxn ang="0">
-                <a:pos x="connsiteX9" y="connsiteY9"/>
-              </a:cxn>
-              <a:cxn ang="0">
-                <a:pos x="connsiteX10" y="connsiteY10"/>
-              </a:cxn>
-            </a:cxnLst>
-            <a:rect l="l" t="t" r="r" b="b"/>
-            <a:pathLst>
-              <a:path w="1186451" h="1771650">
-                <a:moveTo>
-                  <a:pt x="61913" y="0"/>
-                </a:moveTo>
-                <a:lnTo>
-                  <a:pt x="1186451" y="0"/>
-                </a:lnTo>
-                <a:lnTo>
-                  <a:pt x="1186451" y="123825"/>
-                </a:lnTo>
-                <a:lnTo>
-                  <a:pt x="123825" y="123825"/>
-                </a:lnTo>
-                <a:lnTo>
-                  <a:pt x="123825" y="1647825"/>
-                </a:lnTo>
-                <a:lnTo>
-                  <a:pt x="1186451" y="1647825"/>
-                </a:lnTo>
-                <a:lnTo>
-                  <a:pt x="1186451" y="1771650"/>
-                </a:lnTo>
-                <a:lnTo>
-                  <a:pt x="61913" y="1771650"/>
-                </a:lnTo>
-                <a:cubicBezTo>
-                  <a:pt x="27719" y="1771650"/>
-                  <a:pt x="0" y="1743932"/>
-                  <a:pt x="0" y="1709738"/>
-                </a:cubicBezTo>
-                <a:lnTo>
-                  <a:pt x="0" y="61913"/>
-                </a:lnTo>
-                <a:cubicBezTo>
-                  <a:pt x="0" y="27719"/>
-                  <a:pt x="27719" y="0"/>
-                  <a:pt x="61913" y="0"/>
-                </a:cubicBezTo>
-                <a:close/>
-              </a:path>
-            </a:pathLst>
-          </a:custGeom>
-          <a:solidFill>
-            <a:schemeClr val="accent6"/>
-          </a:solidFill>
-          <a:ln w="9525" cap="flat">
-            <a:noFill/>
-            <a:prstDash val="solid"/>
-            <a:miter/>
-          </a:ln>
-        </p:spPr>
-        <p:txBody>
-          <a:bodyPr rtlCol="0" anchor="ctr"/>
-          <a:lstStyle/>
-          <a:p>
-            <a:endParaRPr lang="en-US"/>
-          </a:p>
-        </p:txBody>
-      </p:sp>
-      <p:sp>
-        <p:nvSpPr>
-          <p:cNvPr id="22" name="Arc 21">
-            <a:extLst>
-              <a:ext uri="{FF2B5EF4-FFF2-40B4-BE49-F238E27FC236}">
-                <a16:creationId xmlns:a16="http://schemas.microsoft.com/office/drawing/2014/main" id="{09192968-3AE7-4470-A61C-97294BB92731}"/>
-              </a:ext>
-              <a:ext uri="{C183D7F6-B498-43B3-948B-1728B52AA6E4}">
-                <adec:decorative xmlns:adec="http://schemas.microsoft.com/office/drawing/2017/decorative" val="1"/>
-              </a:ext>
-            </a:extLst>
-          </p:cNvPr>
-          <p:cNvSpPr>
-            <a:spLocks noGrp="1" noRot="1" noChangeAspect="1" noMove="1" noResize="1" noEditPoints="1" noAdjustHandles="1" noChangeArrowheads="1" noChangeShapeType="1" noTextEdit="1"/>
-          </p:cNvSpPr>
-          <p:nvPr>
-            <p:extLst>
-              <p:ext uri="{386F3935-93C4-4BCD-93E2-E3B085C9AB24}">
-                <p16:designElem xmlns:p16="http://schemas.microsoft.com/office/powerpoint/2015/main" val="1"/>
-              </p:ext>
-            </p:extLst>
-          </p:nvPr>
-        </p:nvSpPr>
-        <p:spPr>
-          <a:xfrm rot="20992895">
-            <a:off x="6086940" y="4145122"/>
-            <a:ext cx="4083433" cy="4083433"/>
-          </a:xfrm>
-          <a:prstGeom prst="arc">
-            <a:avLst/>
-          </a:prstGeom>
-          <a:ln w="127000" cap="rnd">
-            <a:solidFill>
-              <a:schemeClr val="accent4"/>
-            </a:solidFill>
-            <a:prstDash val="dash"/>
-          </a:ln>
-        </p:spPr>
-        <p:style>
-          <a:lnRef idx="1">
-            <a:schemeClr val="accent1"/>
-          </a:lnRef>
-          <a:fillRef idx="0">
-            <a:schemeClr val="accent1"/>
-          </a:fillRef>
-          <a:effectRef idx="0">
-            <a:schemeClr val="accent1"/>
-          </a:effectRef>
-          <a:fontRef idx="minor">
-            <a:schemeClr val="tx1"/>
-          </a:fontRef>
-        </p:style>
-        <p:txBody>
-          <a:bodyPr rtlCol="0" anchor="ctr"/>
-          <a:lstStyle/>
-          <a:p>
-            <a:pPr algn="ctr"/>
-            <a:endParaRPr lang="en-US" dirty="0"/>
-          </a:p>
-        </p:txBody>
-      </p:sp>
-      <p:sp>
-        <p:nvSpPr>
-          <p:cNvPr id="24" name="Freeform: Shape 23">
-            <a:extLst>
-              <a:ext uri="{FF2B5EF4-FFF2-40B4-BE49-F238E27FC236}">
-                <a16:creationId xmlns:a16="http://schemas.microsoft.com/office/drawing/2014/main" id="{3AB72E55-43E4-4356-BFE8-E2102CB0B505}"/>
-              </a:ext>
-              <a:ext uri="{C183D7F6-B498-43B3-948B-1728B52AA6E4}">
-                <adec:decorative xmlns:adec="http://schemas.microsoft.com/office/drawing/2017/decorative" val="1"/>
-              </a:ext>
-            </a:extLst>
-          </p:cNvPr>
-          <p:cNvSpPr>
-            <a:spLocks noGrp="1" noRot="1" noChangeAspect="1" noMove="1" noResize="1" noEditPoints="1" noAdjustHandles="1" noChangeArrowheads="1" noChangeShapeType="1" noTextEdit="1"/>
-          </p:cNvSpPr>
-          <p:nvPr>
-            <p:extLst>
-              <p:ext uri="{386F3935-93C4-4BCD-93E2-E3B085C9AB24}">
-                <p16:designElem xmlns:p16="http://schemas.microsoft.com/office/powerpoint/2015/main" val="1"/>
-              </p:ext>
-            </p:extLst>
-          </p:nvPr>
-        </p:nvSpPr>
-        <p:spPr>
-          <a:xfrm>
-            <a:off x="6821310" y="4962670"/>
-            <a:ext cx="2643352" cy="1895331"/>
-          </a:xfrm>
-          <a:custGeom>
-            <a:avLst/>
-            <a:gdLst>
-              <a:gd name="connsiteX0" fmla="*/ 1321676 w 2643352"/>
-              <a:gd name="connsiteY0" fmla="*/ 0 h 1895331"/>
-              <a:gd name="connsiteX1" fmla="*/ 2643352 w 2643352"/>
-              <a:gd name="connsiteY1" fmla="*/ 1321676 h 1895331"/>
-              <a:gd name="connsiteX2" fmla="*/ 2539488 w 2643352"/>
-              <a:gd name="connsiteY2" fmla="*/ 1836132 h 1895331"/>
-              <a:gd name="connsiteX3" fmla="*/ 2510970 w 2643352"/>
-              <a:gd name="connsiteY3" fmla="*/ 1895331 h 1895331"/>
-              <a:gd name="connsiteX4" fmla="*/ 132382 w 2643352"/>
-              <a:gd name="connsiteY4" fmla="*/ 1895331 h 1895331"/>
-              <a:gd name="connsiteX5" fmla="*/ 103864 w 2643352"/>
-              <a:gd name="connsiteY5" fmla="*/ 1836132 h 1895331"/>
-              <a:gd name="connsiteX6" fmla="*/ 0 w 2643352"/>
-              <a:gd name="connsiteY6" fmla="*/ 1321676 h 1895331"/>
-              <a:gd name="connsiteX7" fmla="*/ 1321676 w 2643352"/>
-              <a:gd name="connsiteY7" fmla="*/ 0 h 1895331"/>
-            </a:gdLst>
-            <a:ahLst/>
-            <a:cxnLst>
-              <a:cxn ang="0">
-                <a:pos x="connsiteX0" y="connsiteY0"/>
-              </a:cxn>
-              <a:cxn ang="0">
-                <a:pos x="connsiteX1" y="connsiteY1"/>
-              </a:cxn>
-              <a:cxn ang="0">
-                <a:pos x="connsiteX2" y="connsiteY2"/>
-              </a:cxn>
-              <a:cxn ang="0">
-                <a:pos x="connsiteX3" y="connsiteY3"/>
-              </a:cxn>
-              <a:cxn ang="0">
-                <a:pos x="connsiteX4" y="connsiteY4"/>
-              </a:cxn>
-              <a:cxn ang="0">
-                <a:pos x="connsiteX5" y="connsiteY5"/>
-              </a:cxn>
-              <a:cxn ang="0">
-                <a:pos x="connsiteX6" y="connsiteY6"/>
-              </a:cxn>
-              <a:cxn ang="0">
-                <a:pos x="connsiteX7" y="connsiteY7"/>
-              </a:cxn>
-            </a:cxnLst>
-            <a:rect l="l" t="t" r="r" b="b"/>
-            <a:pathLst>
-              <a:path w="2643352" h="1895331">
-                <a:moveTo>
-                  <a:pt x="1321676" y="0"/>
-                </a:moveTo>
-                <a:cubicBezTo>
-                  <a:pt x="2051617" y="0"/>
-                  <a:pt x="2643352" y="591735"/>
-                  <a:pt x="2643352" y="1321676"/>
-                </a:cubicBezTo>
-                <a:cubicBezTo>
-                  <a:pt x="2643352" y="1504161"/>
-                  <a:pt x="2606369" y="1678009"/>
-                  <a:pt x="2539488" y="1836132"/>
-                </a:cubicBezTo>
-                <a:lnTo>
-                  <a:pt x="2510970" y="1895331"/>
-                </a:lnTo>
-                <a:lnTo>
-                  <a:pt x="132382" y="1895331"/>
-                </a:lnTo>
-                <a:lnTo>
-                  <a:pt x="103864" y="1836132"/>
-                </a:lnTo>
-                <a:cubicBezTo>
-                  <a:pt x="36984" y="1678009"/>
-                  <a:pt x="0" y="1504161"/>
-                  <a:pt x="0" y="1321676"/>
-                </a:cubicBezTo>
-                <a:cubicBezTo>
-                  <a:pt x="0" y="591735"/>
-                  <a:pt x="591735" y="0"/>
-                  <a:pt x="1321676" y="0"/>
-                </a:cubicBezTo>
-                <a:close/>
-              </a:path>
-            </a:pathLst>
-          </a:custGeom>
-          <a:solidFill>
-            <a:schemeClr val="accent2"/>
-          </a:solidFill>
-          <a:ln>
-            <a:noFill/>
-          </a:ln>
-        </p:spPr>
-        <p:style>
-          <a:lnRef idx="2">
-            <a:schemeClr val="accent1">
-              <a:shade val="50000"/>
-            </a:schemeClr>
-          </a:lnRef>
-          <a:fillRef idx="1">
-            <a:schemeClr val="accent1"/>
-          </a:fillRef>
-          <a:effectRef idx="0">
-            <a:schemeClr val="accent1"/>
-          </a:effectRef>
-          <a:fontRef idx="minor">
-            <a:schemeClr val="lt1"/>
-          </a:fontRef>
-        </p:style>
-        <p:txBody>
-          <a:bodyPr rtlCol="0" anchor="ctr"/>
-          <a:lstStyle/>
-          <a:p>
-            <a:pPr algn="ctr"/>
-            <a:endParaRPr lang="en-US"/>
-          </a:p>
-        </p:txBody>
-      </p:sp>
-    </p:spTree>
-    <p:extLst>
-      <p:ext uri="{BB962C8B-B14F-4D97-AF65-F5344CB8AC3E}">
-        <p14:creationId xmlns:p14="http://schemas.microsoft.com/office/powerpoint/2010/main" val="1304852369"/>
-      </p:ext>
-    </p:extLst>
-  </p:cSld>
-  <p:clrMapOvr>
-    <a:masterClrMapping/>
-  </p:clrMapOvr>
-  <mc:AlternateContent xmlns:mc="http://schemas.openxmlformats.org/markup-compatibility/2006" xmlns:p14="http://schemas.microsoft.com/office/powerpoint/2010/main">
-    <mc:Choice Requires="p14">
-      <p:transition spd="med" p14:dur="700">
-        <p:fade/>
-      </p:transition>
-    </mc:Choice>
-    <mc:Fallback xmlns="">
-      <p:transition spd="med">
-        <p:fade/>
-      </p:transition>
-    </mc:Fallback>
-  </mc:AlternateContent>
-</p:sld>
-</file>
-
-<file path=ppt/slides/slide40.xml><?xml version="1.0" encoding="utf-8"?>
+<file path=ppt/slides/slide39.xml><?xml version="1.0" encoding="utf-8"?>
 <p:sld xmlns:a="http://schemas.openxmlformats.org/drawingml/2006/main" xmlns:r="http://schemas.openxmlformats.org/officeDocument/2006/relationships" xmlns:p="http://schemas.openxmlformats.org/presentationml/2006/main">
   <p:cSld>
     <p:bg>
@@ -34693,6 +33315,1064 @@
     <p:extLst>
       <p:ext uri="{BB962C8B-B14F-4D97-AF65-F5344CB8AC3E}">
         <p14:creationId xmlns:p14="http://schemas.microsoft.com/office/powerpoint/2010/main" val="1780808773"/>
+      </p:ext>
+    </p:extLst>
+  </p:cSld>
+  <p:clrMapOvr>
+    <a:masterClrMapping/>
+  </p:clrMapOvr>
+  <mc:AlternateContent xmlns:mc="http://schemas.openxmlformats.org/markup-compatibility/2006" xmlns:p14="http://schemas.microsoft.com/office/powerpoint/2010/main">
+    <mc:Choice Requires="p14">
+      <p:transition spd="med" p14:dur="700">
+        <p:fade/>
+      </p:transition>
+    </mc:Choice>
+    <mc:Fallback xmlns="">
+      <p:transition spd="med">
+        <p:fade/>
+      </p:transition>
+    </mc:Fallback>
+  </mc:AlternateContent>
+</p:sld>
+</file>
+
+<file path=ppt/slides/slide4.xml><?xml version="1.0" encoding="utf-8"?>
+<p:sld xmlns:a="http://schemas.openxmlformats.org/drawingml/2006/main" xmlns:r="http://schemas.openxmlformats.org/officeDocument/2006/relationships" xmlns:p="http://schemas.openxmlformats.org/presentationml/2006/main">
+  <p:cSld>
+    <p:bg>
+      <p:bgPr>
+        <a:solidFill>
+          <a:schemeClr val="bg1"/>
+        </a:solidFill>
+        <a:effectLst/>
+      </p:bgPr>
+    </p:bg>
+    <p:spTree>
+      <p:nvGrpSpPr>
+        <p:cNvPr id="1" name=""/>
+        <p:cNvGrpSpPr/>
+        <p:nvPr/>
+      </p:nvGrpSpPr>
+      <p:grpSpPr>
+        <a:xfrm>
+          <a:off x="0" y="0"/>
+          <a:ext cx="0" cy="0"/>
+          <a:chOff x="0" y="0"/>
+          <a:chExt cx="0" cy="0"/>
+        </a:xfrm>
+      </p:grpSpPr>
+      <p:sp useBgFill="1">
+        <p:nvSpPr>
+          <p:cNvPr id="8" name="Rectangle 7">
+            <a:extLst>
+              <a:ext uri="{FF2B5EF4-FFF2-40B4-BE49-F238E27FC236}">
+                <a16:creationId xmlns:a16="http://schemas.microsoft.com/office/drawing/2014/main" id="{F837543A-6020-4505-A233-C9DB4BF74011}"/>
+              </a:ext>
+              <a:ext uri="{C183D7F6-B498-43B3-948B-1728B52AA6E4}">
+                <adec:decorative xmlns:adec="http://schemas.microsoft.com/office/drawing/2017/decorative" val="1"/>
+              </a:ext>
+            </a:extLst>
+          </p:cNvPr>
+          <p:cNvSpPr>
+            <a:spLocks noGrp="1" noRot="1" noChangeAspect="1" noMove="1" noResize="1" noEditPoints="1" noAdjustHandles="1" noChangeArrowheads="1" noChangeShapeType="1" noTextEdit="1"/>
+          </p:cNvSpPr>
+          <p:nvPr>
+            <p:extLst>
+              <p:ext uri="{386F3935-93C4-4BCD-93E2-E3B085C9AB24}">
+                <p16:designElem xmlns:p16="http://schemas.microsoft.com/office/powerpoint/2015/main" val="1"/>
+              </p:ext>
+            </p:extLst>
+          </p:nvPr>
+        </p:nvSpPr>
+        <p:spPr>
+          <a:xfrm>
+            <a:off x="3048" y="0"/>
+            <a:ext cx="12188952" cy="6858000"/>
+          </a:xfrm>
+          <a:prstGeom prst="rect">
+            <a:avLst/>
+          </a:prstGeom>
+          <a:ln>
+            <a:noFill/>
+          </a:ln>
+        </p:spPr>
+        <p:style>
+          <a:lnRef idx="2">
+            <a:schemeClr val="accent1">
+              <a:shade val="50000"/>
+            </a:schemeClr>
+          </a:lnRef>
+          <a:fillRef idx="1">
+            <a:schemeClr val="accent1"/>
+          </a:fillRef>
+          <a:effectRef idx="0">
+            <a:schemeClr val="accent1"/>
+          </a:effectRef>
+          <a:fontRef idx="minor">
+            <a:schemeClr val="lt1"/>
+          </a:fontRef>
+        </p:style>
+        <p:txBody>
+          <a:bodyPr rtlCol="0" anchor="ctr"/>
+          <a:lstStyle/>
+          <a:p>
+            <a:pPr algn="ctr"/>
+            <a:endParaRPr lang="en-US"/>
+          </a:p>
+        </p:txBody>
+      </p:sp>
+      <p:sp>
+        <p:nvSpPr>
+          <p:cNvPr id="2" name="Title 1">
+            <a:extLst>
+              <a:ext uri="{FF2B5EF4-FFF2-40B4-BE49-F238E27FC236}">
+                <a16:creationId xmlns:a16="http://schemas.microsoft.com/office/drawing/2014/main" id="{8225481D-4D46-E6D3-D7E7-964881F2F401}"/>
+              </a:ext>
+            </a:extLst>
+          </p:cNvPr>
+          <p:cNvSpPr>
+            <a:spLocks noGrp="1"/>
+          </p:cNvSpPr>
+          <p:nvPr>
+            <p:ph type="title"/>
+          </p:nvPr>
+        </p:nvSpPr>
+        <p:spPr>
+          <a:xfrm>
+            <a:off x="838200" y="365125"/>
+            <a:ext cx="5558489" cy="1325563"/>
+          </a:xfrm>
+        </p:spPr>
+        <p:txBody>
+          <a:bodyPr>
+            <a:normAutofit/>
+          </a:bodyPr>
+          <a:lstStyle/>
+          <a:p>
+            <a:r>
+              <a:rPr lang="en-US" dirty="0"/>
+              <a:t>Key Features of Gujarat Vidyapith Chatbot</a:t>
+            </a:r>
+          </a:p>
+        </p:txBody>
+      </p:sp>
+      <p:sp>
+        <p:nvSpPr>
+          <p:cNvPr id="10" name="Freeform: Shape 9">
+            <a:extLst>
+              <a:ext uri="{FF2B5EF4-FFF2-40B4-BE49-F238E27FC236}">
+                <a16:creationId xmlns:a16="http://schemas.microsoft.com/office/drawing/2014/main" id="{35B16301-FB18-48BA-A6DD-C37CAF6F9A18}"/>
+              </a:ext>
+              <a:ext uri="{C183D7F6-B498-43B3-948B-1728B52AA6E4}">
+                <adec:decorative xmlns:adec="http://schemas.microsoft.com/office/drawing/2017/decorative" val="1"/>
+              </a:ext>
+            </a:extLst>
+          </p:cNvPr>
+          <p:cNvSpPr>
+            <a:spLocks noGrp="1" noRot="1" noChangeAspect="1" noMove="1" noResize="1" noEditPoints="1" noAdjustHandles="1" noChangeArrowheads="1" noChangeShapeType="1" noTextEdit="1"/>
+          </p:cNvSpPr>
+          <p:nvPr>
+            <p:extLst>
+              <p:ext uri="{386F3935-93C4-4BCD-93E2-E3B085C9AB24}">
+                <p16:designElem xmlns:p16="http://schemas.microsoft.com/office/powerpoint/2015/main" val="1"/>
+              </p:ext>
+            </p:extLst>
+          </p:nvPr>
+        </p:nvSpPr>
+        <p:spPr>
+          <a:xfrm>
+            <a:off x="10208695" y="1"/>
+            <a:ext cx="1135066" cy="477997"/>
+          </a:xfrm>
+          <a:custGeom>
+            <a:avLst/>
+            <a:gdLst>
+              <a:gd name="connsiteX0" fmla="*/ 0 w 1135066"/>
+              <a:gd name="connsiteY0" fmla="*/ 0 h 477997"/>
+              <a:gd name="connsiteX1" fmla="*/ 1135066 w 1135066"/>
+              <a:gd name="connsiteY1" fmla="*/ 0 h 477997"/>
+              <a:gd name="connsiteX2" fmla="*/ 1133370 w 1135066"/>
+              <a:gd name="connsiteY2" fmla="*/ 16827 h 477997"/>
+              <a:gd name="connsiteX3" fmla="*/ 567533 w 1135066"/>
+              <a:gd name="connsiteY3" fmla="*/ 477997 h 477997"/>
+              <a:gd name="connsiteX4" fmla="*/ 1696 w 1135066"/>
+              <a:gd name="connsiteY4" fmla="*/ 16827 h 477997"/>
+            </a:gdLst>
+            <a:ahLst/>
+            <a:cxnLst>
+              <a:cxn ang="0">
+                <a:pos x="connsiteX0" y="connsiteY0"/>
+              </a:cxn>
+              <a:cxn ang="0">
+                <a:pos x="connsiteX1" y="connsiteY1"/>
+              </a:cxn>
+              <a:cxn ang="0">
+                <a:pos x="connsiteX2" y="connsiteY2"/>
+              </a:cxn>
+              <a:cxn ang="0">
+                <a:pos x="connsiteX3" y="connsiteY3"/>
+              </a:cxn>
+              <a:cxn ang="0">
+                <a:pos x="connsiteX4" y="connsiteY4"/>
+              </a:cxn>
+            </a:cxnLst>
+            <a:rect l="l" t="t" r="r" b="b"/>
+            <a:pathLst>
+              <a:path w="1135066" h="477997">
+                <a:moveTo>
+                  <a:pt x="0" y="0"/>
+                </a:moveTo>
+                <a:lnTo>
+                  <a:pt x="1135066" y="0"/>
+                </a:lnTo>
+                <a:lnTo>
+                  <a:pt x="1133370" y="16827"/>
+                </a:lnTo>
+                <a:cubicBezTo>
+                  <a:pt x="1079514" y="280016"/>
+                  <a:pt x="846644" y="477997"/>
+                  <a:pt x="567533" y="477997"/>
+                </a:cubicBezTo>
+                <a:cubicBezTo>
+                  <a:pt x="288422" y="477997"/>
+                  <a:pt x="55552" y="280016"/>
+                  <a:pt x="1696" y="16827"/>
+                </a:cubicBezTo>
+                <a:close/>
+              </a:path>
+            </a:pathLst>
+          </a:custGeom>
+          <a:solidFill>
+            <a:schemeClr val="accent5"/>
+          </a:solidFill>
+          <a:ln>
+            <a:noFill/>
+          </a:ln>
+        </p:spPr>
+        <p:style>
+          <a:lnRef idx="2">
+            <a:schemeClr val="accent1">
+              <a:shade val="50000"/>
+            </a:schemeClr>
+          </a:lnRef>
+          <a:fillRef idx="1">
+            <a:schemeClr val="accent1"/>
+          </a:fillRef>
+          <a:effectRef idx="0">
+            <a:schemeClr val="accent1"/>
+          </a:effectRef>
+          <a:fontRef idx="minor">
+            <a:schemeClr val="lt1"/>
+          </a:fontRef>
+        </p:style>
+        <p:txBody>
+          <a:bodyPr wrap="square" rtlCol="0" anchor="ctr">
+            <a:noAutofit/>
+          </a:bodyPr>
+          <a:lstStyle/>
+          <a:p>
+            <a:pPr algn="ctr"/>
+            <a:endParaRPr lang="en-US"/>
+          </a:p>
+        </p:txBody>
+      </p:sp>
+      <p:sp>
+        <p:nvSpPr>
+          <p:cNvPr id="3" name="Content Placeholder 2">
+            <a:extLst>
+              <a:ext uri="{FF2B5EF4-FFF2-40B4-BE49-F238E27FC236}">
+                <a16:creationId xmlns:a16="http://schemas.microsoft.com/office/drawing/2014/main" id="{EE34D7B9-864C-B14A-FE23-E8B147F244B3}"/>
+              </a:ext>
+            </a:extLst>
+          </p:cNvPr>
+          <p:cNvSpPr>
+            <a:spLocks noGrp="1"/>
+          </p:cNvSpPr>
+          <p:nvPr>
+            <p:ph idx="1"/>
+          </p:nvPr>
+        </p:nvSpPr>
+        <p:spPr>
+          <a:xfrm>
+            <a:off x="838200" y="1825625"/>
+            <a:ext cx="5983109" cy="4601054"/>
+          </a:xfrm>
+        </p:spPr>
+        <p:txBody>
+          <a:bodyPr>
+            <a:normAutofit lnSpcReduction="10000"/>
+          </a:bodyPr>
+          <a:lstStyle/>
+          <a:p>
+            <a:r>
+              <a:rPr lang="en-US" sz="1800" dirty="0"/>
+              <a:t>Provides instant answers to university-related queries</a:t>
+            </a:r>
+          </a:p>
+          <a:p>
+            <a:r>
+              <a:rPr lang="en-US" sz="1800" dirty="0"/>
+              <a:t>Covers departments, courses, admissions and general campus information</a:t>
+            </a:r>
+          </a:p>
+          <a:p>
+            <a:r>
+              <a:rPr lang="en-US" sz="1800" dirty="0"/>
+              <a:t>Works on intent-based training to maintain accuracy</a:t>
+            </a:r>
+          </a:p>
+          <a:p>
+            <a:r>
+              <a:rPr lang="en-US" sz="1800" dirty="0"/>
+              <a:t>Simple and clean chat interface for students and visitors</a:t>
+            </a:r>
+          </a:p>
+          <a:p>
+            <a:r>
+              <a:rPr lang="en-US" sz="1800" dirty="0"/>
+              <a:t>Centralized admin panel to add, update or remove intents</a:t>
+            </a:r>
+          </a:p>
+          <a:p>
+            <a:r>
+              <a:rPr lang="en-US" sz="1800" dirty="0"/>
+              <a:t>Responds 24/7 without depending on staff availability</a:t>
+            </a:r>
+          </a:p>
+          <a:p>
+            <a:r>
+              <a:rPr lang="en-US" sz="1800" dirty="0"/>
+              <a:t>Reduces repetitive workload for faculty and office staff</a:t>
+            </a:r>
+          </a:p>
+          <a:p>
+            <a:r>
+              <a:rPr lang="en-US" sz="1800" dirty="0"/>
+              <a:t>Supports structured responses for important topics like fees, programs and eligibility</a:t>
+            </a:r>
+          </a:p>
+          <a:p>
+            <a:r>
+              <a:rPr lang="en-US" sz="1800" dirty="0"/>
+              <a:t>Can be expanded with automatic model training in future</a:t>
+            </a:r>
+          </a:p>
+          <a:p>
+            <a:r>
+              <a:rPr lang="en-US" sz="1800" dirty="0"/>
+              <a:t>Lightweight design that works on the web without heavy setup</a:t>
+            </a:r>
+          </a:p>
+        </p:txBody>
+      </p:sp>
+      <p:sp>
+        <p:nvSpPr>
+          <p:cNvPr id="12" name="Oval 11">
+            <a:extLst>
+              <a:ext uri="{FF2B5EF4-FFF2-40B4-BE49-F238E27FC236}">
+                <a16:creationId xmlns:a16="http://schemas.microsoft.com/office/drawing/2014/main" id="{C3C0D90E-074A-4F52-9B11-B52BEF4BCBE5}"/>
+              </a:ext>
+              <a:ext uri="{C183D7F6-B498-43B3-948B-1728B52AA6E4}">
+                <adec:decorative xmlns:adec="http://schemas.microsoft.com/office/drawing/2017/decorative" val="1"/>
+              </a:ext>
+            </a:extLst>
+          </p:cNvPr>
+          <p:cNvSpPr>
+            <a:spLocks noGrp="1" noRot="1" noChangeAspect="1" noMove="1" noResize="1" noEditPoints="1" noAdjustHandles="1" noChangeArrowheads="1" noChangeShapeType="1" noTextEdit="1"/>
+          </p:cNvSpPr>
+          <p:nvPr>
+            <p:extLst>
+              <p:ext uri="{386F3935-93C4-4BCD-93E2-E3B085C9AB24}">
+                <p16:designElem xmlns:p16="http://schemas.microsoft.com/office/powerpoint/2015/main" val="1"/>
+              </p:ext>
+            </p:extLst>
+          </p:nvPr>
+        </p:nvSpPr>
+        <p:spPr>
+          <a:xfrm>
+            <a:off x="6821310" y="2624479"/>
+            <a:ext cx="812427" cy="812427"/>
+          </a:xfrm>
+          <a:prstGeom prst="ellipse">
+            <a:avLst/>
+          </a:prstGeom>
+          <a:noFill/>
+          <a:ln w="127000">
+            <a:solidFill>
+              <a:schemeClr val="accent5"/>
+            </a:solidFill>
+          </a:ln>
+        </p:spPr>
+        <p:style>
+          <a:lnRef idx="2">
+            <a:schemeClr val="accent1">
+              <a:shade val="50000"/>
+            </a:schemeClr>
+          </a:lnRef>
+          <a:fillRef idx="1">
+            <a:schemeClr val="accent1"/>
+          </a:fillRef>
+          <a:effectRef idx="0">
+            <a:schemeClr val="accent1"/>
+          </a:effectRef>
+          <a:fontRef idx="minor">
+            <a:schemeClr val="lt1"/>
+          </a:fontRef>
+        </p:style>
+        <p:txBody>
+          <a:bodyPr rtlCol="0" anchor="ctr"/>
+          <a:lstStyle/>
+          <a:p>
+            <a:pPr algn="ctr"/>
+            <a:endParaRPr lang="en-US" dirty="0"/>
+          </a:p>
+        </p:txBody>
+      </p:sp>
+      <p:sp>
+        <p:nvSpPr>
+          <p:cNvPr id="14" name="Block Arc 13">
+            <a:extLst>
+              <a:ext uri="{FF2B5EF4-FFF2-40B4-BE49-F238E27FC236}">
+                <a16:creationId xmlns:a16="http://schemas.microsoft.com/office/drawing/2014/main" id="{CABBD4C1-E6F8-46F6-8152-A8A97490BF4D}"/>
+              </a:ext>
+              <a:ext uri="{C183D7F6-B498-43B3-948B-1728B52AA6E4}">
+                <adec:decorative xmlns:adec="http://schemas.microsoft.com/office/drawing/2017/decorative" val="1"/>
+              </a:ext>
+            </a:extLst>
+          </p:cNvPr>
+          <p:cNvSpPr>
+            <a:spLocks noGrp="1" noRot="1" noChangeAspect="1" noMove="1" noResize="1" noEditPoints="1" noAdjustHandles="1" noChangeArrowheads="1" noChangeShapeType="1" noTextEdit="1"/>
+          </p:cNvSpPr>
+          <p:nvPr>
+            <p:extLst>
+              <p:ext uri="{386F3935-93C4-4BCD-93E2-E3B085C9AB24}">
+                <p16:designElem xmlns:p16="http://schemas.microsoft.com/office/powerpoint/2015/main" val="1"/>
+              </p:ext>
+            </p:extLst>
+          </p:nvPr>
+        </p:nvSpPr>
+        <p:spPr>
+          <a:xfrm rot="16200000">
+            <a:off x="8912417" y="1218531"/>
+            <a:ext cx="2387600" cy="2387600"/>
+          </a:xfrm>
+          <a:prstGeom prst="blockArc">
+            <a:avLst/>
+          </a:prstGeom>
+          <a:solidFill>
+            <a:schemeClr val="accent2"/>
+          </a:solidFill>
+          <a:ln>
+            <a:noFill/>
+          </a:ln>
+        </p:spPr>
+        <p:style>
+          <a:lnRef idx="2">
+            <a:schemeClr val="accent1">
+              <a:shade val="50000"/>
+            </a:schemeClr>
+          </a:lnRef>
+          <a:fillRef idx="1">
+            <a:schemeClr val="accent1"/>
+          </a:fillRef>
+          <a:effectRef idx="0">
+            <a:schemeClr val="accent1"/>
+          </a:effectRef>
+          <a:fontRef idx="minor">
+            <a:schemeClr val="lt1"/>
+          </a:fontRef>
+        </p:style>
+        <p:txBody>
+          <a:bodyPr rtlCol="0" anchor="ctr"/>
+          <a:lstStyle/>
+          <a:p>
+            <a:pPr algn="ctr"/>
+            <a:endParaRPr lang="en-US">
+              <a:solidFill>
+                <a:schemeClr val="tx1"/>
+              </a:solidFill>
+            </a:endParaRPr>
+          </a:p>
+        </p:txBody>
+      </p:sp>
+      <p:sp>
+        <p:nvSpPr>
+          <p:cNvPr id="16" name="Freeform: Shape 15">
+            <a:extLst>
+              <a:ext uri="{FF2B5EF4-FFF2-40B4-BE49-F238E27FC236}">
+                <a16:creationId xmlns:a16="http://schemas.microsoft.com/office/drawing/2014/main" id="{83BA5EF5-1FE9-4BF9-83BB-269BCDDF6156}"/>
+              </a:ext>
+              <a:ext uri="{C183D7F6-B498-43B3-948B-1728B52AA6E4}">
+                <adec:decorative xmlns:adec="http://schemas.microsoft.com/office/drawing/2017/decorative" val="1"/>
+              </a:ext>
+            </a:extLst>
+          </p:cNvPr>
+          <p:cNvSpPr>
+            <a:spLocks noGrp="1" noRot="1" noChangeAspect="1" noMove="1" noResize="1" noEditPoints="1" noAdjustHandles="1" noChangeArrowheads="1" noChangeShapeType="1" noTextEdit="1"/>
+          </p:cNvSpPr>
+          <p:nvPr>
+            <p:extLst>
+              <p:ext uri="{386F3935-93C4-4BCD-93E2-E3B085C9AB24}">
+                <p16:designElem xmlns:p16="http://schemas.microsoft.com/office/powerpoint/2015/main" val="1"/>
+              </p:ext>
+            </p:extLst>
+          </p:nvPr>
+        </p:nvSpPr>
+        <p:spPr>
+          <a:xfrm>
+            <a:off x="6821310" y="0"/>
+            <a:ext cx="2315251" cy="1550992"/>
+          </a:xfrm>
+          <a:custGeom>
+            <a:avLst/>
+            <a:gdLst>
+              <a:gd name="connsiteX0" fmla="*/ 0 w 2315251"/>
+              <a:gd name="connsiteY0" fmla="*/ 0 h 1550992"/>
+              <a:gd name="connsiteX1" fmla="*/ 138700 w 2315251"/>
+              <a:gd name="connsiteY1" fmla="*/ 0 h 1550992"/>
+              <a:gd name="connsiteX2" fmla="*/ 138700 w 2315251"/>
+              <a:gd name="connsiteY2" fmla="*/ 1361400 h 1550992"/>
+              <a:gd name="connsiteX3" fmla="*/ 2107387 w 2315251"/>
+              <a:gd name="connsiteY3" fmla="*/ 222673 h 1550992"/>
+              <a:gd name="connsiteX4" fmla="*/ 1722420 w 2315251"/>
+              <a:gd name="connsiteY4" fmla="*/ 0 h 1550992"/>
+              <a:gd name="connsiteX5" fmla="*/ 1999436 w 2315251"/>
+              <a:gd name="connsiteY5" fmla="*/ 0 h 1550992"/>
+              <a:gd name="connsiteX6" fmla="*/ 2280549 w 2315251"/>
+              <a:gd name="connsiteY6" fmla="*/ 162605 h 1550992"/>
+              <a:gd name="connsiteX7" fmla="*/ 2305953 w 2315251"/>
+              <a:gd name="connsiteY7" fmla="*/ 257336 h 1550992"/>
+              <a:gd name="connsiteX8" fmla="*/ 2280549 w 2315251"/>
+              <a:gd name="connsiteY8" fmla="*/ 282740 h 1550992"/>
+              <a:gd name="connsiteX9" fmla="*/ 104026 w 2315251"/>
+              <a:gd name="connsiteY9" fmla="*/ 1541710 h 1550992"/>
+              <a:gd name="connsiteX10" fmla="*/ 69351 w 2315251"/>
+              <a:gd name="connsiteY10" fmla="*/ 1550992 h 1550992"/>
+              <a:gd name="connsiteX11" fmla="*/ 0 w 2315251"/>
+              <a:gd name="connsiteY11" fmla="*/ 1481643 h 1550992"/>
+            </a:gdLst>
+            <a:ahLst/>
+            <a:cxnLst>
+              <a:cxn ang="0">
+                <a:pos x="connsiteX0" y="connsiteY0"/>
+              </a:cxn>
+              <a:cxn ang="0">
+                <a:pos x="connsiteX1" y="connsiteY1"/>
+              </a:cxn>
+              <a:cxn ang="0">
+                <a:pos x="connsiteX2" y="connsiteY2"/>
+              </a:cxn>
+              <a:cxn ang="0">
+                <a:pos x="connsiteX3" y="connsiteY3"/>
+              </a:cxn>
+              <a:cxn ang="0">
+                <a:pos x="connsiteX4" y="connsiteY4"/>
+              </a:cxn>
+              <a:cxn ang="0">
+                <a:pos x="connsiteX5" y="connsiteY5"/>
+              </a:cxn>
+              <a:cxn ang="0">
+                <a:pos x="connsiteX6" y="connsiteY6"/>
+              </a:cxn>
+              <a:cxn ang="0">
+                <a:pos x="connsiteX7" y="connsiteY7"/>
+              </a:cxn>
+              <a:cxn ang="0">
+                <a:pos x="connsiteX8" y="connsiteY8"/>
+              </a:cxn>
+              <a:cxn ang="0">
+                <a:pos x="connsiteX9" y="connsiteY9"/>
+              </a:cxn>
+              <a:cxn ang="0">
+                <a:pos x="connsiteX10" y="connsiteY10"/>
+              </a:cxn>
+              <a:cxn ang="0">
+                <a:pos x="connsiteX11" y="connsiteY11"/>
+              </a:cxn>
+            </a:cxnLst>
+            <a:rect l="l" t="t" r="r" b="b"/>
+            <a:pathLst>
+              <a:path w="2315251" h="1550992">
+                <a:moveTo>
+                  <a:pt x="0" y="0"/>
+                </a:moveTo>
+                <a:lnTo>
+                  <a:pt x="138700" y="0"/>
+                </a:lnTo>
+                <a:lnTo>
+                  <a:pt x="138700" y="1361400"/>
+                </a:lnTo>
+                <a:lnTo>
+                  <a:pt x="2107387" y="222673"/>
+                </a:lnTo>
+                <a:lnTo>
+                  <a:pt x="1722420" y="0"/>
+                </a:lnTo>
+                <a:lnTo>
+                  <a:pt x="1999436" y="0"/>
+                </a:lnTo>
+                <a:lnTo>
+                  <a:pt x="2280549" y="162605"/>
+                </a:lnTo>
+                <a:cubicBezTo>
+                  <a:pt x="2313720" y="181745"/>
+                  <a:pt x="2325104" y="224155"/>
+                  <a:pt x="2305953" y="257336"/>
+                </a:cubicBezTo>
+                <a:cubicBezTo>
+                  <a:pt x="2299872" y="267889"/>
+                  <a:pt x="2291101" y="276648"/>
+                  <a:pt x="2280549" y="282740"/>
+                </a:cubicBezTo>
+                <a:lnTo>
+                  <a:pt x="104026" y="1541710"/>
+                </a:lnTo>
+                <a:cubicBezTo>
+                  <a:pt x="93484" y="1547802"/>
+                  <a:pt x="81523" y="1551003"/>
+                  <a:pt x="69351" y="1550992"/>
+                </a:cubicBezTo>
+                <a:cubicBezTo>
+                  <a:pt x="31049" y="1550992"/>
+                  <a:pt x="0" y="1519944"/>
+                  <a:pt x="0" y="1481643"/>
+                </a:cubicBezTo>
+                <a:close/>
+              </a:path>
+            </a:pathLst>
+          </a:custGeom>
+          <a:solidFill>
+            <a:schemeClr val="accent6"/>
+          </a:solidFill>
+          <a:ln w="9525" cap="flat">
+            <a:noFill/>
+            <a:prstDash val="solid"/>
+            <a:miter/>
+          </a:ln>
+        </p:spPr>
+        <p:txBody>
+          <a:bodyPr rtlCol="0" anchor="ctr"/>
+          <a:lstStyle/>
+          <a:p>
+            <a:endParaRPr lang="en-US" dirty="0"/>
+          </a:p>
+        </p:txBody>
+      </p:sp>
+      <p:cxnSp>
+        <p:nvCxnSpPr>
+          <p:cNvPr id="18" name="Straight Connector 17">
+            <a:extLst>
+              <a:ext uri="{FF2B5EF4-FFF2-40B4-BE49-F238E27FC236}">
+                <a16:creationId xmlns:a16="http://schemas.microsoft.com/office/drawing/2014/main" id="{4B3BCACB-5880-460B-9606-8C433A9AF99D}"/>
+              </a:ext>
+              <a:ext uri="{C183D7F6-B498-43B3-948B-1728B52AA6E4}">
+                <adec:decorative xmlns:adec="http://schemas.microsoft.com/office/drawing/2017/decorative" val="1"/>
+              </a:ext>
+            </a:extLst>
+          </p:cNvPr>
+          <p:cNvCxnSpPr>
+            <a:cxnSpLocks noGrp="1" noRot="1" noChangeAspect="1" noMove="1" noResize="1" noEditPoints="1" noAdjustHandles="1" noChangeArrowheads="1" noChangeShapeType="1"/>
+          </p:cNvCxnSpPr>
+          <p:nvPr>
+            <p:extLst>
+              <p:ext uri="{386F3935-93C4-4BCD-93E2-E3B085C9AB24}">
+                <p16:designElem xmlns:p16="http://schemas.microsoft.com/office/powerpoint/2015/main" val="1"/>
+              </p:ext>
+            </p:extLst>
+          </p:nvPr>
+        </p:nvCxnSpPr>
+        <p:spPr>
+          <a:xfrm>
+            <a:off x="11724638" y="1331572"/>
+            <a:ext cx="0" cy="1597708"/>
+          </a:xfrm>
+          <a:prstGeom prst="line">
+            <a:avLst/>
+          </a:prstGeom>
+          <a:ln w="127000" cap="rnd">
+            <a:solidFill>
+              <a:schemeClr val="accent4"/>
+            </a:solidFill>
+            <a:prstDash val="dash"/>
+          </a:ln>
+        </p:spPr>
+        <p:style>
+          <a:lnRef idx="1">
+            <a:schemeClr val="accent1"/>
+          </a:lnRef>
+          <a:fillRef idx="0">
+            <a:schemeClr val="accent1"/>
+          </a:fillRef>
+          <a:effectRef idx="0">
+            <a:schemeClr val="accent1"/>
+          </a:effectRef>
+          <a:fontRef idx="minor">
+            <a:schemeClr val="tx1"/>
+          </a:fontRef>
+        </p:style>
+      </p:cxnSp>
+      <p:sp>
+        <p:nvSpPr>
+          <p:cNvPr id="20" name="Freeform: Shape 19">
+            <a:extLst>
+              <a:ext uri="{FF2B5EF4-FFF2-40B4-BE49-F238E27FC236}">
+                <a16:creationId xmlns:a16="http://schemas.microsoft.com/office/drawing/2014/main" id="{88853921-7BC9-4BDE-ACAB-133C683C82D6}"/>
+              </a:ext>
+              <a:ext uri="{C183D7F6-B498-43B3-948B-1728B52AA6E4}">
+                <adec:decorative xmlns:adec="http://schemas.microsoft.com/office/drawing/2017/decorative" val="1"/>
+              </a:ext>
+            </a:extLst>
+          </p:cNvPr>
+          <p:cNvSpPr>
+            <a:spLocks noGrp="1" noRot="1" noChangeAspect="1" noMove="1" noResize="1" noEditPoints="1" noAdjustHandles="1" noChangeArrowheads="1" noChangeShapeType="1" noTextEdit="1"/>
+          </p:cNvSpPr>
+          <p:nvPr>
+            <p:extLst>
+              <p:ext uri="{386F3935-93C4-4BCD-93E2-E3B085C9AB24}">
+                <p16:designElem xmlns:p16="http://schemas.microsoft.com/office/powerpoint/2015/main" val="1"/>
+              </p:ext>
+            </p:extLst>
+          </p:nvPr>
+        </p:nvSpPr>
+        <p:spPr>
+          <a:xfrm>
+            <a:off x="11005550" y="4112081"/>
+            <a:ext cx="1186451" cy="1771650"/>
+          </a:xfrm>
+          <a:custGeom>
+            <a:avLst/>
+            <a:gdLst>
+              <a:gd name="connsiteX0" fmla="*/ 61913 w 1186451"/>
+              <a:gd name="connsiteY0" fmla="*/ 0 h 1771650"/>
+              <a:gd name="connsiteX1" fmla="*/ 1186451 w 1186451"/>
+              <a:gd name="connsiteY1" fmla="*/ 0 h 1771650"/>
+              <a:gd name="connsiteX2" fmla="*/ 1186451 w 1186451"/>
+              <a:gd name="connsiteY2" fmla="*/ 123825 h 1771650"/>
+              <a:gd name="connsiteX3" fmla="*/ 123825 w 1186451"/>
+              <a:gd name="connsiteY3" fmla="*/ 123825 h 1771650"/>
+              <a:gd name="connsiteX4" fmla="*/ 123825 w 1186451"/>
+              <a:gd name="connsiteY4" fmla="*/ 1647825 h 1771650"/>
+              <a:gd name="connsiteX5" fmla="*/ 1186451 w 1186451"/>
+              <a:gd name="connsiteY5" fmla="*/ 1647825 h 1771650"/>
+              <a:gd name="connsiteX6" fmla="*/ 1186451 w 1186451"/>
+              <a:gd name="connsiteY6" fmla="*/ 1771650 h 1771650"/>
+              <a:gd name="connsiteX7" fmla="*/ 61913 w 1186451"/>
+              <a:gd name="connsiteY7" fmla="*/ 1771650 h 1771650"/>
+              <a:gd name="connsiteX8" fmla="*/ 0 w 1186451"/>
+              <a:gd name="connsiteY8" fmla="*/ 1709738 h 1771650"/>
+              <a:gd name="connsiteX9" fmla="*/ 0 w 1186451"/>
+              <a:gd name="connsiteY9" fmla="*/ 61913 h 1771650"/>
+              <a:gd name="connsiteX10" fmla="*/ 61913 w 1186451"/>
+              <a:gd name="connsiteY10" fmla="*/ 0 h 1771650"/>
+            </a:gdLst>
+            <a:ahLst/>
+            <a:cxnLst>
+              <a:cxn ang="0">
+                <a:pos x="connsiteX0" y="connsiteY0"/>
+              </a:cxn>
+              <a:cxn ang="0">
+                <a:pos x="connsiteX1" y="connsiteY1"/>
+              </a:cxn>
+              <a:cxn ang="0">
+                <a:pos x="connsiteX2" y="connsiteY2"/>
+              </a:cxn>
+              <a:cxn ang="0">
+                <a:pos x="connsiteX3" y="connsiteY3"/>
+              </a:cxn>
+              <a:cxn ang="0">
+                <a:pos x="connsiteX4" y="connsiteY4"/>
+              </a:cxn>
+              <a:cxn ang="0">
+                <a:pos x="connsiteX5" y="connsiteY5"/>
+              </a:cxn>
+              <a:cxn ang="0">
+                <a:pos x="connsiteX6" y="connsiteY6"/>
+              </a:cxn>
+              <a:cxn ang="0">
+                <a:pos x="connsiteX7" y="connsiteY7"/>
+              </a:cxn>
+              <a:cxn ang="0">
+                <a:pos x="connsiteX8" y="connsiteY8"/>
+              </a:cxn>
+              <a:cxn ang="0">
+                <a:pos x="connsiteX9" y="connsiteY9"/>
+              </a:cxn>
+              <a:cxn ang="0">
+                <a:pos x="connsiteX10" y="connsiteY10"/>
+              </a:cxn>
+            </a:cxnLst>
+            <a:rect l="l" t="t" r="r" b="b"/>
+            <a:pathLst>
+              <a:path w="1186451" h="1771650">
+                <a:moveTo>
+                  <a:pt x="61913" y="0"/>
+                </a:moveTo>
+                <a:lnTo>
+                  <a:pt x="1186451" y="0"/>
+                </a:lnTo>
+                <a:lnTo>
+                  <a:pt x="1186451" y="123825"/>
+                </a:lnTo>
+                <a:lnTo>
+                  <a:pt x="123825" y="123825"/>
+                </a:lnTo>
+                <a:lnTo>
+                  <a:pt x="123825" y="1647825"/>
+                </a:lnTo>
+                <a:lnTo>
+                  <a:pt x="1186451" y="1647825"/>
+                </a:lnTo>
+                <a:lnTo>
+                  <a:pt x="1186451" y="1771650"/>
+                </a:lnTo>
+                <a:lnTo>
+                  <a:pt x="61913" y="1771650"/>
+                </a:lnTo>
+                <a:cubicBezTo>
+                  <a:pt x="27719" y="1771650"/>
+                  <a:pt x="0" y="1743932"/>
+                  <a:pt x="0" y="1709738"/>
+                </a:cubicBezTo>
+                <a:lnTo>
+                  <a:pt x="0" y="61913"/>
+                </a:lnTo>
+                <a:cubicBezTo>
+                  <a:pt x="0" y="27719"/>
+                  <a:pt x="27719" y="0"/>
+                  <a:pt x="61913" y="0"/>
+                </a:cubicBezTo>
+                <a:close/>
+              </a:path>
+            </a:pathLst>
+          </a:custGeom>
+          <a:solidFill>
+            <a:schemeClr val="accent6"/>
+          </a:solidFill>
+          <a:ln w="9525" cap="flat">
+            <a:noFill/>
+            <a:prstDash val="solid"/>
+            <a:miter/>
+          </a:ln>
+        </p:spPr>
+        <p:txBody>
+          <a:bodyPr rtlCol="0" anchor="ctr"/>
+          <a:lstStyle/>
+          <a:p>
+            <a:endParaRPr lang="en-US"/>
+          </a:p>
+        </p:txBody>
+      </p:sp>
+      <p:sp>
+        <p:nvSpPr>
+          <p:cNvPr id="22" name="Arc 21">
+            <a:extLst>
+              <a:ext uri="{FF2B5EF4-FFF2-40B4-BE49-F238E27FC236}">
+                <a16:creationId xmlns:a16="http://schemas.microsoft.com/office/drawing/2014/main" id="{09192968-3AE7-4470-A61C-97294BB92731}"/>
+              </a:ext>
+              <a:ext uri="{C183D7F6-B498-43B3-948B-1728B52AA6E4}">
+                <adec:decorative xmlns:adec="http://schemas.microsoft.com/office/drawing/2017/decorative" val="1"/>
+              </a:ext>
+            </a:extLst>
+          </p:cNvPr>
+          <p:cNvSpPr>
+            <a:spLocks noGrp="1" noRot="1" noChangeAspect="1" noMove="1" noResize="1" noEditPoints="1" noAdjustHandles="1" noChangeArrowheads="1" noChangeShapeType="1" noTextEdit="1"/>
+          </p:cNvSpPr>
+          <p:nvPr>
+            <p:extLst>
+              <p:ext uri="{386F3935-93C4-4BCD-93E2-E3B085C9AB24}">
+                <p16:designElem xmlns:p16="http://schemas.microsoft.com/office/powerpoint/2015/main" val="1"/>
+              </p:ext>
+            </p:extLst>
+          </p:nvPr>
+        </p:nvSpPr>
+        <p:spPr>
+          <a:xfrm rot="20992895">
+            <a:off x="6086940" y="4145122"/>
+            <a:ext cx="4083433" cy="4083433"/>
+          </a:xfrm>
+          <a:prstGeom prst="arc">
+            <a:avLst/>
+          </a:prstGeom>
+          <a:ln w="127000" cap="rnd">
+            <a:solidFill>
+              <a:schemeClr val="accent4"/>
+            </a:solidFill>
+            <a:prstDash val="dash"/>
+          </a:ln>
+        </p:spPr>
+        <p:style>
+          <a:lnRef idx="1">
+            <a:schemeClr val="accent1"/>
+          </a:lnRef>
+          <a:fillRef idx="0">
+            <a:schemeClr val="accent1"/>
+          </a:fillRef>
+          <a:effectRef idx="0">
+            <a:schemeClr val="accent1"/>
+          </a:effectRef>
+          <a:fontRef idx="minor">
+            <a:schemeClr val="tx1"/>
+          </a:fontRef>
+        </p:style>
+        <p:txBody>
+          <a:bodyPr rtlCol="0" anchor="ctr"/>
+          <a:lstStyle/>
+          <a:p>
+            <a:pPr algn="ctr"/>
+            <a:endParaRPr lang="en-US" dirty="0"/>
+          </a:p>
+        </p:txBody>
+      </p:sp>
+      <p:sp>
+        <p:nvSpPr>
+          <p:cNvPr id="24" name="Freeform: Shape 23">
+            <a:extLst>
+              <a:ext uri="{FF2B5EF4-FFF2-40B4-BE49-F238E27FC236}">
+                <a16:creationId xmlns:a16="http://schemas.microsoft.com/office/drawing/2014/main" id="{3AB72E55-43E4-4356-BFE8-E2102CB0B505}"/>
+              </a:ext>
+              <a:ext uri="{C183D7F6-B498-43B3-948B-1728B52AA6E4}">
+                <adec:decorative xmlns:adec="http://schemas.microsoft.com/office/drawing/2017/decorative" val="1"/>
+              </a:ext>
+            </a:extLst>
+          </p:cNvPr>
+          <p:cNvSpPr>
+            <a:spLocks noGrp="1" noRot="1" noChangeAspect="1" noMove="1" noResize="1" noEditPoints="1" noAdjustHandles="1" noChangeArrowheads="1" noChangeShapeType="1" noTextEdit="1"/>
+          </p:cNvSpPr>
+          <p:nvPr>
+            <p:extLst>
+              <p:ext uri="{386F3935-93C4-4BCD-93E2-E3B085C9AB24}">
+                <p16:designElem xmlns:p16="http://schemas.microsoft.com/office/powerpoint/2015/main" val="1"/>
+              </p:ext>
+            </p:extLst>
+          </p:nvPr>
+        </p:nvSpPr>
+        <p:spPr>
+          <a:xfrm>
+            <a:off x="6821310" y="4962670"/>
+            <a:ext cx="2643352" cy="1895331"/>
+          </a:xfrm>
+          <a:custGeom>
+            <a:avLst/>
+            <a:gdLst>
+              <a:gd name="connsiteX0" fmla="*/ 1321676 w 2643352"/>
+              <a:gd name="connsiteY0" fmla="*/ 0 h 1895331"/>
+              <a:gd name="connsiteX1" fmla="*/ 2643352 w 2643352"/>
+              <a:gd name="connsiteY1" fmla="*/ 1321676 h 1895331"/>
+              <a:gd name="connsiteX2" fmla="*/ 2539488 w 2643352"/>
+              <a:gd name="connsiteY2" fmla="*/ 1836132 h 1895331"/>
+              <a:gd name="connsiteX3" fmla="*/ 2510970 w 2643352"/>
+              <a:gd name="connsiteY3" fmla="*/ 1895331 h 1895331"/>
+              <a:gd name="connsiteX4" fmla="*/ 132382 w 2643352"/>
+              <a:gd name="connsiteY4" fmla="*/ 1895331 h 1895331"/>
+              <a:gd name="connsiteX5" fmla="*/ 103864 w 2643352"/>
+              <a:gd name="connsiteY5" fmla="*/ 1836132 h 1895331"/>
+              <a:gd name="connsiteX6" fmla="*/ 0 w 2643352"/>
+              <a:gd name="connsiteY6" fmla="*/ 1321676 h 1895331"/>
+              <a:gd name="connsiteX7" fmla="*/ 1321676 w 2643352"/>
+              <a:gd name="connsiteY7" fmla="*/ 0 h 1895331"/>
+            </a:gdLst>
+            <a:ahLst/>
+            <a:cxnLst>
+              <a:cxn ang="0">
+                <a:pos x="connsiteX0" y="connsiteY0"/>
+              </a:cxn>
+              <a:cxn ang="0">
+                <a:pos x="connsiteX1" y="connsiteY1"/>
+              </a:cxn>
+              <a:cxn ang="0">
+                <a:pos x="connsiteX2" y="connsiteY2"/>
+              </a:cxn>
+              <a:cxn ang="0">
+                <a:pos x="connsiteX3" y="connsiteY3"/>
+              </a:cxn>
+              <a:cxn ang="0">
+                <a:pos x="connsiteX4" y="connsiteY4"/>
+              </a:cxn>
+              <a:cxn ang="0">
+                <a:pos x="connsiteX5" y="connsiteY5"/>
+              </a:cxn>
+              <a:cxn ang="0">
+                <a:pos x="connsiteX6" y="connsiteY6"/>
+              </a:cxn>
+              <a:cxn ang="0">
+                <a:pos x="connsiteX7" y="connsiteY7"/>
+              </a:cxn>
+            </a:cxnLst>
+            <a:rect l="l" t="t" r="r" b="b"/>
+            <a:pathLst>
+              <a:path w="2643352" h="1895331">
+                <a:moveTo>
+                  <a:pt x="1321676" y="0"/>
+                </a:moveTo>
+                <a:cubicBezTo>
+                  <a:pt x="2051617" y="0"/>
+                  <a:pt x="2643352" y="591735"/>
+                  <a:pt x="2643352" y="1321676"/>
+                </a:cubicBezTo>
+                <a:cubicBezTo>
+                  <a:pt x="2643352" y="1504161"/>
+                  <a:pt x="2606369" y="1678009"/>
+                  <a:pt x="2539488" y="1836132"/>
+                </a:cubicBezTo>
+                <a:lnTo>
+                  <a:pt x="2510970" y="1895331"/>
+                </a:lnTo>
+                <a:lnTo>
+                  <a:pt x="132382" y="1895331"/>
+                </a:lnTo>
+                <a:lnTo>
+                  <a:pt x="103864" y="1836132"/>
+                </a:lnTo>
+                <a:cubicBezTo>
+                  <a:pt x="36984" y="1678009"/>
+                  <a:pt x="0" y="1504161"/>
+                  <a:pt x="0" y="1321676"/>
+                </a:cubicBezTo>
+                <a:cubicBezTo>
+                  <a:pt x="0" y="591735"/>
+                  <a:pt x="591735" y="0"/>
+                  <a:pt x="1321676" y="0"/>
+                </a:cubicBezTo>
+                <a:close/>
+              </a:path>
+            </a:pathLst>
+          </a:custGeom>
+          <a:solidFill>
+            <a:schemeClr val="accent2"/>
+          </a:solidFill>
+          <a:ln>
+            <a:noFill/>
+          </a:ln>
+        </p:spPr>
+        <p:style>
+          <a:lnRef idx="2">
+            <a:schemeClr val="accent1">
+              <a:shade val="50000"/>
+            </a:schemeClr>
+          </a:lnRef>
+          <a:fillRef idx="1">
+            <a:schemeClr val="accent1"/>
+          </a:fillRef>
+          <a:effectRef idx="0">
+            <a:schemeClr val="accent1"/>
+          </a:effectRef>
+          <a:fontRef idx="minor">
+            <a:schemeClr val="lt1"/>
+          </a:fontRef>
+        </p:style>
+        <p:txBody>
+          <a:bodyPr rtlCol="0" anchor="ctr"/>
+          <a:lstStyle/>
+          <a:p>
+            <a:pPr algn="ctr"/>
+            <a:endParaRPr lang="en-US"/>
+          </a:p>
+        </p:txBody>
+      </p:sp>
+    </p:spTree>
+    <p:extLst>
+      <p:ext uri="{BB962C8B-B14F-4D97-AF65-F5344CB8AC3E}">
+        <p14:creationId xmlns:p14="http://schemas.microsoft.com/office/powerpoint/2010/main" val="1304852369"/>
       </p:ext>
     </p:extLst>
   </p:cSld>
